--- a/doc/python中級講座_2020.pptx
+++ b/doc/python中級講座_2020.pptx
@@ -255,7 +255,7 @@
           <a:p>
             <a:fld id="{BDD2F778-57A0-B647-A29E-D625640DA157}" type="datetimeFigureOut">
               <a:rPr kumimoji="1" lang="ja-JP" altLang="en-US" smtClean="0"/>
-              <a:t>2020/1/6</a:t>
+              <a:t>2020/1/7</a:t>
             </a:fld>
             <a:endParaRPr kumimoji="1" lang="ja-JP" altLang="en-US"/>
           </a:p>
@@ -421,7 +421,7 @@
           <a:p>
             <a:fld id="{81F7B051-449B-8340-8684-2329E7792756}" type="datetimeFigureOut">
               <a:rPr kumimoji="1" lang="ja-JP" altLang="en-US" smtClean="0"/>
-              <a:t>2020/1/6</a:t>
+              <a:t>2020/1/7</a:t>
             </a:fld>
             <a:endParaRPr kumimoji="1" lang="ja-JP" altLang="en-US"/>
           </a:p>
@@ -2487,7 +2487,7 @@
           <a:noFill/>
           <a:extLst>
             <a:ext uri="{909E8E84-426E-40dd-AFC4-6F175D3DCCD1}">
-              <a14:hiddenFill xmlns="" xmlns:a14="http://schemas.microsoft.com/office/drawing/2010/main">
+              <a14:hiddenFill xmlns:a14="http://schemas.microsoft.com/office/drawing/2010/main" xmlns="">
                 <a:solidFill>
                   <a:srgbClr val="FFFFFF"/>
                 </a:solidFill>
@@ -5651,6 +5651,9 @@
               <a:rPr lang="ja-JP" altLang="en-US" sz="1200"/>
               <a:t>のままでは、「何が一致したら」を識別しにくいからです。</a:t>
             </a:r>
+            <a:endParaRPr lang="en-US" altLang="ja-JP" sz="1200"/>
+          </a:p>
+          <a:p>
             <a:endParaRPr lang="en-US" altLang="ja-JP" sz="1200"/>
           </a:p>
         </p:txBody>

--- a/doc/python中級講座_2020.pptx
+++ b/doc/python中級講座_2020.pptx
@@ -277,7 +277,7 @@
           <a:p>
             <a:fld id="{BDD2F778-57A0-B647-A29E-D625640DA157}" type="datetimeFigureOut">
               <a:rPr kumimoji="1" lang="ja-JP" altLang="en-US" smtClean="0"/>
-              <a:t>2020/1/12</a:t>
+              <a:t>2020/1/13</a:t>
             </a:fld>
             <a:endParaRPr kumimoji="1" lang="ja-JP" altLang="en-US"/>
           </a:p>
@@ -443,7 +443,7 @@
           <a:p>
             <a:fld id="{81F7B051-449B-8340-8684-2329E7792756}" type="datetimeFigureOut">
               <a:rPr kumimoji="1" lang="ja-JP" altLang="en-US" smtClean="0"/>
-              <a:t>2020/1/12</a:t>
+              <a:t>2020/1/13</a:t>
             </a:fld>
             <a:endParaRPr kumimoji="1" lang="ja-JP" altLang="en-US"/>
           </a:p>

--- a/doc/python中級講座_2020.pptx
+++ b/doc/python中級講座_2020.pptx
@@ -5,10 +5,10 @@
     <p:sldMasterId id="2147483648" r:id="rId1"/>
   </p:sldMasterIdLst>
   <p:notesMasterIdLst>
-    <p:notesMasterId r:id="rId69"/>
+    <p:notesMasterId r:id="rId75"/>
   </p:notesMasterIdLst>
   <p:handoutMasterIdLst>
-    <p:handoutMasterId r:id="rId70"/>
+    <p:handoutMasterId r:id="rId76"/>
   </p:handoutMasterIdLst>
   <p:sldIdLst>
     <p:sldId id="282" r:id="rId2"/>
@@ -71,13 +71,19 @@
     <p:sldId id="326" r:id="rId59"/>
     <p:sldId id="360" r:id="rId60"/>
     <p:sldId id="361" r:id="rId61"/>
-    <p:sldId id="286" r:id="rId62"/>
-    <p:sldId id="287" r:id="rId63"/>
-    <p:sldId id="288" r:id="rId64"/>
-    <p:sldId id="355" r:id="rId65"/>
-    <p:sldId id="297" r:id="rId66"/>
-    <p:sldId id="302" r:id="rId67"/>
-    <p:sldId id="296" r:id="rId68"/>
+    <p:sldId id="363" r:id="rId62"/>
+    <p:sldId id="364" r:id="rId63"/>
+    <p:sldId id="365" r:id="rId64"/>
+    <p:sldId id="366" r:id="rId65"/>
+    <p:sldId id="367" r:id="rId66"/>
+    <p:sldId id="368" r:id="rId67"/>
+    <p:sldId id="362" r:id="rId68"/>
+    <p:sldId id="287" r:id="rId69"/>
+    <p:sldId id="288" r:id="rId70"/>
+    <p:sldId id="355" r:id="rId71"/>
+    <p:sldId id="297" r:id="rId72"/>
+    <p:sldId id="302" r:id="rId73"/>
+    <p:sldId id="296" r:id="rId74"/>
   </p:sldIdLst>
   <p:sldSz cx="9906000" cy="6858000" type="A4"/>
   <p:notesSz cx="6858000" cy="9144000"/>
@@ -277,7 +283,7 @@
           <a:p>
             <a:fld id="{BDD2F778-57A0-B647-A29E-D625640DA157}" type="datetimeFigureOut">
               <a:rPr kumimoji="1" lang="ja-JP" altLang="en-US" smtClean="0"/>
-              <a:t>2020/1/13</a:t>
+              <a:t>2020/1/14</a:t>
             </a:fld>
             <a:endParaRPr kumimoji="1" lang="ja-JP" altLang="en-US"/>
           </a:p>
@@ -443,7 +449,7 @@
           <a:p>
             <a:fld id="{81F7B051-449B-8340-8684-2329E7792756}" type="datetimeFigureOut">
               <a:rPr kumimoji="1" lang="ja-JP" altLang="en-US" smtClean="0"/>
-              <a:t>2020/1/13</a:t>
+              <a:t>2020/1/14</a:t>
             </a:fld>
             <a:endParaRPr kumimoji="1" lang="ja-JP" altLang="en-US"/>
           </a:p>
@@ -2509,7 +2515,7 @@
           <a:noFill/>
           <a:extLst>
             <a:ext uri="{909E8E84-426E-40dd-AFC4-6F175D3DCCD1}">
-              <a14:hiddenFill xmlns:a14="http://schemas.microsoft.com/office/drawing/2010/main" xmlns="">
+              <a14:hiddenFill xmlns="" xmlns:a14="http://schemas.microsoft.com/office/drawing/2010/main">
                 <a:solidFill>
                   <a:srgbClr val="FFFFFF"/>
                 </a:solidFill>
@@ -46291,12 +46297,8 @@
           <a:lstStyle/>
           <a:p>
             <a:r>
-              <a:rPr lang="en-US" altLang="ja-JP"/>
-              <a:t>Python</a:t>
-            </a:r>
-            <a:r>
               <a:rPr lang="ja-JP" altLang="en-US"/>
-              <a:t>構文</a:t>
+              <a:t>並列実行：スレッド</a:t>
             </a:r>
             <a:endParaRPr lang="en-US" altLang="ja-JP"/>
           </a:p>
@@ -46320,332 +46322,175 @@
         </p:nvSpPr>
         <p:spPr>
           <a:xfrm>
-            <a:off x="364452" y="946727"/>
-            <a:ext cx="9152899" cy="5715330"/>
+            <a:off x="376550" y="926121"/>
+            <a:ext cx="9152899" cy="5641845"/>
           </a:xfrm>
         </p:spPr>
         <p:txBody>
           <a:bodyPr bIns="0">
-            <a:normAutofit/>
+            <a:noAutofit/>
           </a:bodyPr>
           <a:lstStyle/>
           <a:p>
             <a:r>
-              <a:rPr lang="ja-JP" altLang="en-US" sz="1400"/>
-              <a:t>本講習のコードを読み解くために、いくつか</a:t>
-            </a:r>
-            <a:r>
-              <a:rPr lang="en-US" altLang="ja-JP" sz="1400"/>
-              <a:t>python</a:t>
-            </a:r>
-            <a:r>
-              <a:rPr lang="ja-JP" altLang="en-US" sz="1400"/>
-              <a:t>の構文について説明しておきます。</a:t>
-            </a:r>
+              <a:rPr lang="ja-JP" altLang="en-US" sz="1400" b="1"/>
+              <a:t>スクレイピング時間比較</a:t>
+            </a:r>
+            <a:endParaRPr lang="en-US" altLang="ja-JP" sz="1400" b="1"/>
+          </a:p>
+          <a:p>
             <a:endParaRPr lang="en-US" altLang="ja-JP" sz="1400"/>
           </a:p>
           <a:p>
+            <a:r>
+              <a:rPr lang="ja-JP" altLang="en-US" sz="1400"/>
+              <a:t>ランキングサイトのスクレイピング時間比較（１ページ、</a:t>
+            </a:r>
+            <a:r>
+              <a:rPr lang="en-US" altLang="ja-JP" sz="1400"/>
+              <a:t>VTuber50</a:t>
+            </a:r>
+            <a:r>
+              <a:rPr lang="ja-JP" altLang="en-US" sz="1400"/>
+              <a:t>人分）</a:t>
+            </a:r>
             <a:endParaRPr lang="en-US" altLang="ja-JP" sz="1400"/>
           </a:p>
           <a:p>
-            <a:r>
-              <a:rPr lang="ja-JP" altLang="en-US" sz="1400" b="1"/>
-              <a:t>例外処理</a:t>
-            </a:r>
-            <a:endParaRPr lang="en-US" altLang="ja-JP" sz="1400" b="1"/>
-          </a:p>
-          <a:p>
-            <a:r>
-              <a:rPr lang="ja-JP" altLang="en-US" sz="1200"/>
-              <a:t>　例外処理は文字通り、例外が発生する箇所で実装する。</a:t>
-            </a:r>
-            <a:endParaRPr lang="en-US" altLang="ja-JP" sz="1200"/>
-          </a:p>
-          <a:p>
-            <a:endParaRPr lang="en-US" altLang="ja-JP" sz="1200"/>
-          </a:p>
-          <a:p>
-            <a:r>
-              <a:rPr lang="ja-JP" altLang="en-US" sz="1200"/>
-              <a:t>　</a:t>
-            </a:r>
-            <a:r>
-              <a:rPr lang="en-US" altLang="ja-JP" sz="1200"/>
-              <a:t>(</a:t>
-            </a:r>
-            <a:r>
-              <a:rPr lang="ja-JP" altLang="en-US" sz="1200"/>
-              <a:t>例</a:t>
-            </a:r>
-            <a:r>
-              <a:rPr lang="en-US" altLang="ja-JP" sz="1200"/>
-              <a:t>) </a:t>
-            </a:r>
-            <a:r>
-              <a:rPr lang="ja-JP" altLang="en-US" sz="1200"/>
-              <a:t>引数で受け取ったテキストを変換して年齢を返す関数</a:t>
-            </a:r>
-            <a:endParaRPr lang="en-US" altLang="ja-JP" sz="1200"/>
-          </a:p>
-          <a:p>
-            <a:endParaRPr lang="en-US" altLang="ja-JP" sz="1200"/>
-          </a:p>
-          <a:p>
-            <a:r>
-              <a:rPr lang="en-US" altLang="ja-JP" sz="1200"/>
-              <a:t>       def </a:t>
-            </a:r>
-            <a:r>
-              <a:rPr lang="en-US" altLang="ja-JP" sz="1200" err="1"/>
-              <a:t>get_age</a:t>
-            </a:r>
-            <a:r>
-              <a:rPr lang="en-US" altLang="ja-JP" sz="1200"/>
-              <a:t>(text):</a:t>
-            </a:r>
-          </a:p>
-          <a:p>
-            <a:r>
-              <a:rPr lang="en-US" altLang="ja-JP" sz="1200"/>
-              <a:t>           if text = ‘</a:t>
-            </a:r>
-            <a:r>
-              <a:rPr lang="ja-JP" altLang="en-US" sz="1200"/>
-              <a:t>高校２年生</a:t>
-            </a:r>
-            <a:r>
-              <a:rPr lang="en-US" altLang="ja-JP" sz="1200"/>
-              <a:t>’:</a:t>
-            </a:r>
-          </a:p>
-          <a:p>
-            <a:r>
-              <a:rPr lang="en-US" altLang="ja-JP" sz="1200"/>
-              <a:t>              return 17</a:t>
-            </a:r>
-          </a:p>
-          <a:p>
-            <a:r>
-              <a:rPr lang="en-US" altLang="ja-JP" sz="1200"/>
-              <a:t>           </a:t>
-            </a:r>
-            <a:r>
-              <a:rPr lang="en-US" altLang="ja-JP" sz="1200" err="1"/>
-              <a:t>elif</a:t>
-            </a:r>
-            <a:r>
-              <a:rPr lang="en-US" altLang="ja-JP" sz="1200"/>
-              <a:t> text = ‘</a:t>
-            </a:r>
-            <a:r>
-              <a:rPr lang="ja-JP" altLang="en-US" sz="1200"/>
-              <a:t>大卒</a:t>
-            </a:r>
-            <a:r>
-              <a:rPr lang="en-US" altLang="ja-JP" sz="1200"/>
-              <a:t>3</a:t>
-            </a:r>
-            <a:r>
-              <a:rPr lang="ja-JP" altLang="en-US" sz="1200"/>
-              <a:t>年目</a:t>
-            </a:r>
-            <a:r>
-              <a:rPr lang="en-US" altLang="ja-JP" sz="1200"/>
-              <a:t>’:</a:t>
-            </a:r>
-          </a:p>
-          <a:p>
-            <a:r>
-              <a:rPr lang="en-US" altLang="ja-JP" sz="1200"/>
-              <a:t>              return 25</a:t>
-            </a:r>
-          </a:p>
-          <a:p>
-            <a:r>
-              <a:rPr lang="en-US" altLang="ja-JP" sz="1200"/>
-              <a:t>           else:</a:t>
-            </a:r>
-          </a:p>
-          <a:p>
-            <a:r>
-              <a:rPr lang="en-US" altLang="ja-JP" sz="1200"/>
-              <a:t>              raise </a:t>
-            </a:r>
-            <a:r>
-              <a:rPr lang="en-US" altLang="ja-JP" sz="1200" err="1"/>
-              <a:t>UnknowTextError</a:t>
-            </a:r>
-            <a:r>
-              <a:rPr lang="en-US" altLang="ja-JP" sz="1200"/>
-              <a:t>   </a:t>
-            </a:r>
-            <a:r>
-              <a:rPr lang="en-US" altLang="ja-JP" sz="1200">
-                <a:sym typeface="Wingdings" panose="05000000000000000000" pitchFamily="2" charset="2"/>
-              </a:rPr>
-              <a:t> </a:t>
-            </a:r>
-            <a:r>
-              <a:rPr lang="ja-JP" altLang="en-US" sz="1200">
-                <a:sym typeface="Wingdings" panose="05000000000000000000" pitchFamily="2" charset="2"/>
-              </a:rPr>
-              <a:t>例外発行</a:t>
-            </a:r>
-            <a:endParaRPr lang="en-US" altLang="ja-JP" sz="1200">
-              <a:sym typeface="Wingdings" panose="05000000000000000000" pitchFamily="2" charset="2"/>
-            </a:endParaRPr>
-          </a:p>
-          <a:p>
-            <a:endParaRPr lang="en-US" altLang="ja-JP" sz="1400">
-              <a:sym typeface="Wingdings" panose="05000000000000000000" pitchFamily="2" charset="2"/>
-            </a:endParaRPr>
-          </a:p>
-          <a:p>
-            <a:r>
-              <a:rPr lang="ja-JP" altLang="en-US" sz="1200">
-                <a:sym typeface="Wingdings" panose="05000000000000000000" pitchFamily="2" charset="2"/>
-              </a:rPr>
-              <a:t>　仕様上、必ず年齢を表すテキストが渡されるのであれば、処理できないテキストが</a:t>
-            </a:r>
-            <a:br>
-              <a:rPr lang="en-US" altLang="ja-JP" sz="1200">
-                <a:sym typeface="Wingdings" panose="05000000000000000000" pitchFamily="2" charset="2"/>
-              </a:rPr>
-            </a:br>
-            <a:r>
-              <a:rPr lang="ja-JP" altLang="en-US" sz="1200">
-                <a:sym typeface="Wingdings" panose="05000000000000000000" pitchFamily="2" charset="2"/>
-              </a:rPr>
-              <a:t>　渡された時点で例外を発行する。</a:t>
-            </a:r>
-            <a:endParaRPr lang="en-US" altLang="ja-JP" sz="1200">
-              <a:sym typeface="Wingdings" panose="05000000000000000000" pitchFamily="2" charset="2"/>
-            </a:endParaRPr>
-          </a:p>
-          <a:p>
-            <a:endParaRPr lang="en-US" altLang="ja-JP" sz="1400">
-              <a:sym typeface="Wingdings" panose="05000000000000000000" pitchFamily="2" charset="2"/>
-            </a:endParaRPr>
-          </a:p>
-          <a:p>
-            <a:r>
-              <a:rPr lang="ja-JP" altLang="en-US" sz="1200">
-                <a:sym typeface="Wingdings" panose="05000000000000000000" pitchFamily="2" charset="2"/>
-              </a:rPr>
-              <a:t>　年齢を解析できないテキストも「仕様上やってくる」のであれば想定内なので</a:t>
-            </a:r>
-            <a:endParaRPr lang="en-US" altLang="ja-JP" sz="1200">
-              <a:sym typeface="Wingdings" panose="05000000000000000000" pitchFamily="2" charset="2"/>
-            </a:endParaRPr>
-          </a:p>
-          <a:p>
-            <a:r>
-              <a:rPr lang="ja-JP" altLang="en-US" sz="1200">
-                <a:sym typeface="Wingdings" panose="05000000000000000000" pitchFamily="2" charset="2"/>
-              </a:rPr>
-              <a:t>　例外を使うべきではない。</a:t>
-            </a:r>
-            <a:endParaRPr lang="en-US" altLang="ja-JP" sz="1200">
-              <a:sym typeface="Wingdings" panose="05000000000000000000" pitchFamily="2" charset="2"/>
-            </a:endParaRPr>
-          </a:p>
-          <a:p>
-            <a:r>
-              <a:rPr lang="en-US" altLang="ja-JP" sz="1200">
-                <a:sym typeface="Wingdings" panose="05000000000000000000" pitchFamily="2" charset="2"/>
-              </a:rPr>
-              <a:t>        def </a:t>
-            </a:r>
-            <a:r>
-              <a:rPr lang="en-US" altLang="ja-JP" sz="1200" err="1">
-                <a:sym typeface="Wingdings" panose="05000000000000000000" pitchFamily="2" charset="2"/>
-              </a:rPr>
-              <a:t>get_age</a:t>
-            </a:r>
-            <a:r>
-              <a:rPr lang="en-US" altLang="ja-JP" sz="1200">
-                <a:sym typeface="Wingdings" panose="05000000000000000000" pitchFamily="2" charset="2"/>
-              </a:rPr>
-              <a:t>(text):</a:t>
-            </a:r>
-          </a:p>
-          <a:p>
-            <a:r>
-              <a:rPr lang="en-US" altLang="ja-JP" sz="1200">
-                <a:sym typeface="Wingdings" panose="05000000000000000000" pitchFamily="2" charset="2"/>
-              </a:rPr>
-              <a:t>            if text = ‘</a:t>
-            </a:r>
-            <a:r>
-              <a:rPr lang="ja-JP" altLang="en-US" sz="1200">
-                <a:sym typeface="Wingdings" panose="05000000000000000000" pitchFamily="2" charset="2"/>
-              </a:rPr>
-              <a:t>おじさん</a:t>
-            </a:r>
-            <a:r>
-              <a:rPr lang="en-US" altLang="ja-JP" sz="1200">
-                <a:sym typeface="Wingdings" panose="05000000000000000000" pitchFamily="2" charset="2"/>
-              </a:rPr>
-              <a:t>’:</a:t>
-            </a:r>
-          </a:p>
-          <a:p>
-            <a:r>
-              <a:rPr lang="en-US" altLang="ja-JP" sz="1200">
-                <a:sym typeface="Wingdings" panose="05000000000000000000" pitchFamily="2" charset="2"/>
-              </a:rPr>
-              <a:t>               return (-1)</a:t>
-            </a:r>
-          </a:p>
-          <a:p>
-            <a:r>
-              <a:rPr lang="ja-JP" altLang="en-US" sz="1200">
-                <a:sym typeface="Wingdings" panose="05000000000000000000" pitchFamily="2" charset="2"/>
-              </a:rPr>
-              <a:t>　この場合、例えば年齢</a:t>
-            </a:r>
-            <a:r>
-              <a:rPr lang="en-US" altLang="ja-JP" sz="1200">
-                <a:sym typeface="Wingdings" panose="05000000000000000000" pitchFamily="2" charset="2"/>
-              </a:rPr>
-              <a:t>DB</a:t>
-            </a:r>
-            <a:r>
-              <a:rPr lang="ja-JP" altLang="en-US" sz="1200">
-                <a:sym typeface="Wingdings" panose="05000000000000000000" pitchFamily="2" charset="2"/>
-              </a:rPr>
-              <a:t>には</a:t>
-            </a:r>
-            <a:r>
-              <a:rPr lang="en-US" altLang="ja-JP" sz="1200">
-                <a:sym typeface="Wingdings" panose="05000000000000000000" pitchFamily="2" charset="2"/>
-              </a:rPr>
-              <a:t>(-1)</a:t>
-            </a:r>
-            <a:r>
-              <a:rPr lang="ja-JP" altLang="en-US" sz="1200">
-                <a:sym typeface="Wingdings" panose="05000000000000000000" pitchFamily="2" charset="2"/>
-              </a:rPr>
-              <a:t>が格納され、年齢不詳データとして扱われる。</a:t>
-            </a:r>
-            <a:endParaRPr lang="en-US" altLang="ja-JP" sz="1200">
-              <a:sym typeface="Wingdings" panose="05000000000000000000" pitchFamily="2" charset="2"/>
-            </a:endParaRPr>
-          </a:p>
-          <a:p>
-            <a:endParaRPr lang="en-US" altLang="ja-JP" sz="1800">
-              <a:sym typeface="Wingdings" panose="05000000000000000000" pitchFamily="2" charset="2"/>
-            </a:endParaRPr>
-          </a:p>
-          <a:p>
-            <a:endParaRPr lang="en-US" altLang="ja-JP" sz="1800"/>
+            <a:endParaRPr lang="en-US" altLang="ja-JP" sz="1400"/>
+          </a:p>
+          <a:p>
+            <a:r>
+              <a:rPr lang="ja-JP" altLang="en-US" sz="1400"/>
+              <a:t>（１）スレッド使用時</a:t>
+            </a:r>
+            <a:endParaRPr lang="en-US" altLang="ja-JP" sz="1400"/>
+          </a:p>
+          <a:p>
+            <a:r>
+              <a:rPr lang="ja-JP" altLang="en-US" sz="1400"/>
+              <a:t>　　　</a:t>
+            </a:r>
+            <a:r>
+              <a:rPr lang="en-US" altLang="ja-JP" sz="1400"/>
+              <a:t>real    </a:t>
+            </a:r>
+            <a:r>
+              <a:rPr lang="en-US" altLang="ja-JP" sz="1400" b="1"/>
+              <a:t>0m16.455s</a:t>
+            </a:r>
+          </a:p>
+          <a:p>
+            <a:r>
+              <a:rPr lang="ja-JP" altLang="en-US" sz="1400"/>
+              <a:t>　　　</a:t>
+            </a:r>
+            <a:r>
+              <a:rPr lang="en-US" altLang="ja-JP" sz="1400"/>
+              <a:t>user    0m4.016s</a:t>
+            </a:r>
+          </a:p>
+          <a:p>
+            <a:r>
+              <a:rPr lang="ja-JP" altLang="en-US" sz="1400"/>
+              <a:t>　　　</a:t>
+            </a:r>
+            <a:r>
+              <a:rPr lang="en-US" altLang="ja-JP" sz="1400"/>
+              <a:t>sys     0m0.547s</a:t>
+            </a:r>
+          </a:p>
+          <a:p>
+            <a:endParaRPr lang="en-US" altLang="ja-JP" sz="1400"/>
+          </a:p>
+          <a:p>
+            <a:r>
+              <a:rPr lang="ja-JP" altLang="en-US" sz="1400"/>
+              <a:t>（２）スレッド非使用時</a:t>
+            </a:r>
+            <a:endParaRPr lang="en-US" altLang="ja-JP" sz="1400"/>
+          </a:p>
+          <a:p>
+            <a:r>
+              <a:rPr lang="ja-JP" altLang="en-US" sz="1400"/>
+              <a:t>　　　</a:t>
+            </a:r>
+            <a:r>
+              <a:rPr lang="en-US" altLang="ja-JP" sz="1400"/>
+              <a:t>real    </a:t>
+            </a:r>
+            <a:r>
+              <a:rPr lang="en-US" altLang="ja-JP" sz="1400" b="1"/>
+              <a:t>1m10.050s</a:t>
+            </a:r>
+          </a:p>
+          <a:p>
+            <a:r>
+              <a:rPr lang="ja-JP" altLang="en-US" sz="1400"/>
+              <a:t>　　　</a:t>
+            </a:r>
+            <a:r>
+              <a:rPr lang="en-US" altLang="ja-JP" sz="1400"/>
+              <a:t>user    0m3.875s</a:t>
+            </a:r>
+          </a:p>
+          <a:p>
+            <a:r>
+              <a:rPr lang="ja-JP" altLang="en-US" sz="1400"/>
+              <a:t>　　　</a:t>
+            </a:r>
+            <a:r>
+              <a:rPr lang="en-US" altLang="ja-JP" sz="1400"/>
+              <a:t>sys     0m0.422s</a:t>
+            </a:r>
+          </a:p>
+          <a:p>
+            <a:endParaRPr lang="en-US" altLang="ja-JP" sz="1400"/>
+          </a:p>
+          <a:p>
+            <a:r>
+              <a:rPr lang="ja-JP" altLang="en-US" sz="1400"/>
+              <a:t>スレッドを使用すると約１／５の時間で処理が完了します。しかし、</a:t>
+            </a:r>
+            <a:r>
+              <a:rPr lang="en-US" altLang="ja-JP" sz="1400"/>
+              <a:t>user(</a:t>
+            </a:r>
+            <a:r>
+              <a:rPr lang="ja-JP" altLang="en-US" sz="1400"/>
+              <a:t>本プロセスが</a:t>
+            </a:r>
+            <a:r>
+              <a:rPr lang="en-US" altLang="ja-JP" sz="1400"/>
+              <a:t>linux</a:t>
+            </a:r>
+            <a:r>
+              <a:rPr lang="ja-JP" altLang="en-US" sz="1400"/>
+              <a:t>ユーザランドで</a:t>
+            </a:r>
+            <a:endParaRPr lang="en-US" altLang="ja-JP" sz="1400"/>
+          </a:p>
+          <a:p>
+            <a:r>
+              <a:rPr lang="ja-JP" altLang="en-US" sz="1400"/>
+              <a:t>消費した</a:t>
+            </a:r>
+            <a:r>
+              <a:rPr lang="en-US" altLang="ja-JP" sz="1400"/>
+              <a:t>CPU</a:t>
+            </a:r>
+            <a:r>
+              <a:rPr lang="ja-JP" altLang="en-US" sz="1400"/>
+              <a:t>時間）の値にはほとんど差異がなく、むしろスレッド使用時の方が少し多いくらいです。</a:t>
+            </a:r>
+            <a:endParaRPr lang="en-US" altLang="ja-JP" sz="1400"/>
           </a:p>
         </p:txBody>
       </p:sp>
     </p:spTree>
     <p:extLst>
       <p:ext uri="{BB962C8B-B14F-4D97-AF65-F5344CB8AC3E}">
-        <p14:creationId xmlns:p14="http://schemas.microsoft.com/office/powerpoint/2010/main" val="1348093559"/>
+        <p14:creationId xmlns:p14="http://schemas.microsoft.com/office/powerpoint/2010/main" val="2005222061"/>
       </p:ext>
     </p:extLst>
   </p:cSld>
@@ -46701,12 +46546,8 @@
           <a:lstStyle/>
           <a:p>
             <a:r>
-              <a:rPr lang="en-US" altLang="ja-JP"/>
-              <a:t>Python</a:t>
-            </a:r>
-            <a:r>
               <a:rPr lang="ja-JP" altLang="en-US"/>
-              <a:t>構文</a:t>
+              <a:t>並列実行：スレッド</a:t>
             </a:r>
             <a:endParaRPr lang="en-US" altLang="ja-JP"/>
           </a:p>
@@ -46730,371 +46571,150 @@
         </p:nvSpPr>
         <p:spPr>
           <a:xfrm>
-            <a:off x="364452" y="946727"/>
-            <a:ext cx="9152899" cy="5621240"/>
+            <a:off x="376550" y="926122"/>
+            <a:ext cx="9152899" cy="5545016"/>
           </a:xfrm>
         </p:spPr>
         <p:txBody>
           <a:bodyPr bIns="0">
-            <a:normAutofit lnSpcReduction="10000"/>
+            <a:noAutofit/>
           </a:bodyPr>
           <a:lstStyle/>
           <a:p>
             <a:r>
-              <a:rPr lang="ja-JP" altLang="en-US"/>
-              <a:t>　</a:t>
-            </a:r>
-            <a:r>
-              <a:rPr lang="ja-JP" altLang="en-US" sz="1300"/>
-              <a:t>例外処理は基本的に例外が発生しうる箇所を括る。</a:t>
-            </a:r>
-            <a:br>
-              <a:rPr lang="en-US" altLang="ja-JP" sz="1300"/>
-            </a:br>
-            <a:endParaRPr lang="en-US" altLang="ja-JP"/>
-          </a:p>
-          <a:p>
-            <a:r>
-              <a:rPr lang="ja-JP" altLang="en-US" sz="1300"/>
-              <a:t>　</a:t>
-            </a:r>
-            <a:r>
-              <a:rPr lang="en-US" altLang="ja-JP" sz="1300"/>
-              <a:t>try:</a:t>
-            </a:r>
-          </a:p>
-          <a:p>
-            <a:r>
-              <a:rPr lang="en-US" altLang="ja-JP" sz="1300"/>
-              <a:t>    </a:t>
-            </a:r>
-            <a:r>
-              <a:rPr lang="ja-JP" altLang="en-US" sz="1300"/>
-              <a:t>　</a:t>
-            </a:r>
-            <a:r>
-              <a:rPr lang="en-US" altLang="ja-JP" sz="1300">
-                <a:solidFill>
-                  <a:srgbClr val="FF0000"/>
-                </a:solidFill>
-              </a:rPr>
-              <a:t>html</a:t>
-            </a:r>
-            <a:r>
-              <a:rPr lang="en-US" altLang="ja-JP" sz="1300"/>
-              <a:t> = </a:t>
-            </a:r>
-            <a:r>
-              <a:rPr lang="en-US" altLang="ja-JP" sz="1300" err="1"/>
-              <a:t>urlopen</a:t>
-            </a:r>
-            <a:r>
-              <a:rPr lang="en-US" altLang="ja-JP" sz="1300"/>
-              <a:t>(‘http://www.pythonscraping.com/pages/page1.html‘)</a:t>
-            </a:r>
-          </a:p>
-          <a:p>
-            <a:r>
-              <a:rPr lang="ja-JP" altLang="en-US" sz="1300"/>
-              <a:t>　</a:t>
-            </a:r>
-            <a:r>
-              <a:rPr lang="en-US" altLang="ja-JP" sz="1300"/>
-              <a:t>except </a:t>
-            </a:r>
-            <a:r>
-              <a:rPr lang="en-US" altLang="ja-JP" sz="1300" err="1"/>
-              <a:t>HTTPError</a:t>
-            </a:r>
-            <a:r>
-              <a:rPr lang="en-US" altLang="ja-JP" sz="1300"/>
-              <a:t> as ex:</a:t>
-            </a:r>
-          </a:p>
-          <a:p>
-            <a:r>
-              <a:rPr lang="en-US" altLang="ja-JP" sz="1300"/>
-              <a:t>   </a:t>
-            </a:r>
-            <a:r>
-              <a:rPr lang="ja-JP" altLang="en-US" sz="1300"/>
-              <a:t>　</a:t>
-            </a:r>
-            <a:r>
-              <a:rPr lang="en-US" altLang="ja-JP" sz="1300"/>
-              <a:t> print(ex)</a:t>
-            </a:r>
-          </a:p>
-          <a:p>
-            <a:r>
-              <a:rPr lang="ja-JP" altLang="en-US" sz="1300"/>
-              <a:t>　</a:t>
-            </a:r>
-            <a:r>
-              <a:rPr lang="en-US" altLang="ja-JP" sz="1300"/>
-              <a:t>else:</a:t>
-            </a:r>
-          </a:p>
-          <a:p>
-            <a:r>
-              <a:rPr lang="ja-JP" altLang="en-US" sz="1300"/>
-              <a:t>   　 </a:t>
-            </a:r>
-            <a:r>
-              <a:rPr lang="en-US" altLang="ja-JP" sz="1300"/>
-              <a:t>bs = </a:t>
-            </a:r>
-            <a:r>
-              <a:rPr lang="en-US" altLang="ja-JP" sz="1300" err="1"/>
-              <a:t>BeautifulSoup</a:t>
-            </a:r>
-            <a:r>
-              <a:rPr lang="en-US" altLang="ja-JP" sz="1300"/>
+              <a:rPr lang="ja-JP" altLang="en-US" sz="1400"/>
+              <a:t>前項の結果が何を意味するかというと、</a:t>
+            </a:r>
+            <a:endParaRPr lang="en-US" altLang="ja-JP" sz="1400"/>
+          </a:p>
+          <a:p>
+            <a:endParaRPr lang="en-US" altLang="ja-JP" sz="1400"/>
+          </a:p>
+          <a:p>
+            <a:r>
+              <a:rPr lang="ja-JP" altLang="en-US" sz="1400"/>
+              <a:t>１．スクレイピング処理は「待ち」が大部分を占めている。</a:t>
+            </a:r>
+            <a:endParaRPr lang="en-US" altLang="ja-JP" sz="1400"/>
+          </a:p>
+          <a:p>
+            <a:r>
+              <a:rPr lang="ja-JP" altLang="en-US" sz="1400"/>
+              <a:t>　　５０人分の詳細サイトページについてそれぞれアクセス完了を待っている時間が長い。</a:t>
+            </a:r>
+            <a:endParaRPr lang="en-US" altLang="ja-JP" sz="1400"/>
+          </a:p>
+          <a:p>
+            <a:r>
+              <a:rPr lang="ja-JP" altLang="en-US" sz="1400"/>
+              <a:t>　　スレッド使用時はその「待ち」の間に次のサイトをスクレイピングするので早い。</a:t>
+            </a:r>
+            <a:endParaRPr lang="en-US" altLang="ja-JP" sz="1400"/>
+          </a:p>
+          <a:p>
+            <a:endParaRPr lang="en-US" altLang="ja-JP" sz="1400"/>
+          </a:p>
+          <a:p>
+            <a:r>
+              <a:rPr lang="ja-JP" altLang="en-US" sz="1400"/>
+              <a:t>２．</a:t>
+            </a:r>
+            <a:r>
+              <a:rPr lang="en-US" altLang="ja-JP" sz="1400"/>
+              <a:t>user</a:t>
+            </a:r>
+            <a:r>
+              <a:rPr lang="ja-JP" altLang="en-US" sz="1400"/>
+              <a:t>がスレッド使用時に多いのは、スレッド間の調停を行っている</a:t>
+            </a:r>
+            <a:r>
+              <a:rPr lang="en-US" altLang="ja-JP" sz="1400"/>
               <a:t>(</a:t>
             </a:r>
             <a:r>
-              <a:rPr lang="en-US" altLang="ja-JP" sz="1300" err="1">
-                <a:solidFill>
-                  <a:srgbClr val="FF0000"/>
-                </a:solidFill>
-              </a:rPr>
-              <a:t>html</a:t>
-            </a:r>
-            <a:r>
-              <a:rPr lang="en-US" altLang="ja-JP" sz="1300" err="1"/>
-              <a:t>.read</a:t>
-            </a:r>
-            <a:r>
-              <a:rPr lang="en-US" altLang="ja-JP" sz="1300"/>
-              <a:t>(), ‘</a:t>
-            </a:r>
-            <a:r>
-              <a:rPr lang="en-US" altLang="ja-JP" sz="1300" err="1"/>
-              <a:t>html.parser</a:t>
-            </a:r>
-            <a:r>
-              <a:rPr lang="en-US" altLang="ja-JP" sz="1300"/>
-              <a:t>’)</a:t>
-            </a:r>
-          </a:p>
-          <a:p>
-            <a:endParaRPr lang="en-US" altLang="ja-JP" sz="1300"/>
-          </a:p>
-          <a:p>
-            <a:r>
-              <a:rPr lang="ja-JP" altLang="en-US" sz="1300"/>
-              <a:t>　大抵、例外が発生する構文の後には、その構文の結果を使用した正常処理が継続する。</a:t>
-            </a:r>
-            <a:endParaRPr lang="en-US" altLang="ja-JP" sz="1300"/>
-          </a:p>
-          <a:p>
-            <a:r>
-              <a:rPr lang="ja-JP" altLang="en-US" sz="1300"/>
-              <a:t>　この正常処理を</a:t>
-            </a:r>
-            <a:r>
-              <a:rPr lang="en-US" altLang="ja-JP" sz="1300"/>
-              <a:t>else</a:t>
-            </a:r>
-            <a:r>
-              <a:rPr lang="ja-JP" altLang="en-US" sz="1300"/>
-              <a:t>句の中に記述する。</a:t>
-            </a:r>
-            <a:endParaRPr lang="en-US" altLang="ja-JP" sz="1300"/>
-          </a:p>
-          <a:p>
-            <a:endParaRPr lang="en-US" altLang="ja-JP" sz="1300"/>
-          </a:p>
-          <a:p>
-            <a:r>
-              <a:rPr lang="ja-JP" altLang="en-US" sz="1300"/>
-              <a:t>　継続する処理でも異なる例外が発生するのであれば、素直に</a:t>
-            </a:r>
-            <a:r>
-              <a:rPr lang="en-US" altLang="ja-JP" sz="1300"/>
-              <a:t>try</a:t>
-            </a:r>
-            <a:r>
-              <a:rPr lang="ja-JP" altLang="en-US" sz="1300"/>
-              <a:t>ブロックを分けるのも可。</a:t>
-            </a:r>
-            <a:endParaRPr lang="en-US" altLang="ja-JP" sz="1300"/>
-          </a:p>
-          <a:p>
-            <a:endParaRPr lang="en-US" altLang="ja-JP" sz="1300"/>
-          </a:p>
-          <a:p>
-            <a:r>
-              <a:rPr lang="ja-JP" altLang="en-US" sz="1300"/>
-              <a:t>　</a:t>
-            </a:r>
-            <a:r>
-              <a:rPr lang="en-US" altLang="ja-JP" sz="1300"/>
-              <a:t>try:</a:t>
-            </a:r>
-          </a:p>
-          <a:p>
-            <a:r>
-              <a:rPr lang="en-US" altLang="ja-JP" sz="1300"/>
-              <a:t>   </a:t>
-            </a:r>
-            <a:r>
-              <a:rPr lang="ja-JP" altLang="en-US" sz="1300"/>
-              <a:t>　</a:t>
-            </a:r>
-            <a:r>
-              <a:rPr lang="en-US" altLang="ja-JP" sz="1300"/>
-              <a:t> html = </a:t>
-            </a:r>
-            <a:r>
-              <a:rPr lang="en-US" altLang="ja-JP" sz="1300" err="1"/>
-              <a:t>urlopen</a:t>
-            </a:r>
-            <a:r>
-              <a:rPr lang="en-US" altLang="ja-JP" sz="1300"/>
-              <a:t>(‘http://www.pythonscraping.com/pages/page1.html‘)</a:t>
-            </a:r>
-          </a:p>
-          <a:p>
-            <a:r>
-              <a:rPr lang="ja-JP" altLang="en-US" sz="1300"/>
-              <a:t>　</a:t>
-            </a:r>
-            <a:r>
-              <a:rPr lang="en-US" altLang="ja-JP" sz="1300"/>
-              <a:t>except </a:t>
-            </a:r>
-            <a:r>
-              <a:rPr lang="en-US" altLang="ja-JP" sz="1300" err="1">
-                <a:solidFill>
-                  <a:srgbClr val="FF0000"/>
-                </a:solidFill>
-              </a:rPr>
-              <a:t>HTTPError</a:t>
-            </a:r>
-            <a:r>
-              <a:rPr lang="en-US" altLang="ja-JP" sz="1300"/>
-              <a:t> as ex:</a:t>
-            </a:r>
-          </a:p>
-          <a:p>
-            <a:r>
-              <a:rPr lang="en-US" altLang="ja-JP" sz="1300"/>
-              <a:t>   </a:t>
-            </a:r>
-            <a:r>
-              <a:rPr lang="ja-JP" altLang="en-US" sz="1300"/>
-              <a:t>　</a:t>
-            </a:r>
-            <a:r>
-              <a:rPr lang="en-US" altLang="ja-JP" sz="1300"/>
-              <a:t> print(ex)</a:t>
-            </a:r>
-          </a:p>
-          <a:p>
-            <a:r>
-              <a:rPr lang="ja-JP" altLang="en-US" sz="1300"/>
-              <a:t>　</a:t>
-            </a:r>
-            <a:r>
-              <a:rPr lang="en-US" altLang="ja-JP" sz="1300"/>
-              <a:t>    return xxx  ( or raise xxx)</a:t>
-            </a:r>
-          </a:p>
-          <a:p>
-            <a:endParaRPr lang="en-US" altLang="ja-JP" sz="1300"/>
-          </a:p>
-          <a:p>
-            <a:r>
-              <a:rPr lang="ja-JP" altLang="en-US" sz="1300"/>
-              <a:t>　</a:t>
-            </a:r>
-            <a:r>
-              <a:rPr lang="en-US" altLang="ja-JP" sz="1300"/>
-              <a:t>try:</a:t>
-            </a:r>
-          </a:p>
-          <a:p>
-            <a:r>
-              <a:rPr lang="en-US" altLang="ja-JP" sz="1300"/>
-              <a:t>   </a:t>
-            </a:r>
-            <a:r>
-              <a:rPr lang="ja-JP" altLang="en-US" sz="1300"/>
-              <a:t>　</a:t>
-            </a:r>
-            <a:r>
-              <a:rPr lang="en-US" altLang="ja-JP" sz="1300"/>
-              <a:t> bs = </a:t>
-            </a:r>
-            <a:r>
-              <a:rPr lang="en-US" altLang="ja-JP" sz="1300" err="1"/>
-              <a:t>BeautifulSoup</a:t>
-            </a:r>
-            <a:r>
-              <a:rPr lang="en-US" altLang="ja-JP" sz="1300"/>
-              <a:t>(</a:t>
-            </a:r>
-            <a:r>
-              <a:rPr lang="en-US" altLang="ja-JP" sz="1300" err="1"/>
-              <a:t>html.read</a:t>
-            </a:r>
-            <a:r>
-              <a:rPr lang="en-US" altLang="ja-JP" sz="1300"/>
-              <a:t>(), ‘</a:t>
-            </a:r>
-            <a:r>
-              <a:rPr lang="en-US" altLang="ja-JP" sz="1300" err="1"/>
-              <a:t>html.parser</a:t>
-            </a:r>
-            <a:r>
-              <a:rPr lang="en-US" altLang="ja-JP" sz="1300"/>
-              <a:t>’)</a:t>
-            </a:r>
-            <a:br>
-              <a:rPr lang="en-US" altLang="ja-JP" sz="1300"/>
-            </a:br>
-            <a:r>
-              <a:rPr lang="ja-JP" altLang="en-US" sz="1300"/>
-              <a:t>　</a:t>
-            </a:r>
-            <a:r>
-              <a:rPr lang="en-US" altLang="ja-JP" sz="1300"/>
-              <a:t>except </a:t>
-            </a:r>
-            <a:r>
-              <a:rPr lang="en-US" altLang="ja-JP" sz="1300" err="1">
-                <a:solidFill>
-                  <a:srgbClr val="FF0000"/>
-                </a:solidFill>
-              </a:rPr>
-              <a:t>AttributeError</a:t>
-            </a:r>
-            <a:r>
-              <a:rPr lang="en-US" altLang="ja-JP" sz="1300"/>
-              <a:t>:</a:t>
-            </a:r>
-          </a:p>
-          <a:p>
-            <a:r>
-              <a:rPr lang="en-US" altLang="ja-JP" sz="1300"/>
-              <a:t>   </a:t>
-            </a:r>
-            <a:r>
-              <a:rPr lang="ja-JP" altLang="en-US" sz="1300"/>
-              <a:t>　</a:t>
-            </a:r>
-            <a:r>
-              <a:rPr lang="en-US" altLang="ja-JP" sz="1300"/>
-              <a:t> print(ex)</a:t>
-            </a:r>
+              <a:rPr lang="ja-JP" altLang="en-US" sz="1400"/>
+              <a:t>排他処理等</a:t>
+            </a:r>
+            <a:r>
+              <a:rPr lang="en-US" altLang="ja-JP" sz="1400"/>
+              <a:t>)</a:t>
+            </a:r>
+            <a:r>
+              <a:rPr lang="ja-JP" altLang="en-US" sz="1400"/>
+              <a:t>ためと思われる。</a:t>
+            </a:r>
+            <a:endParaRPr lang="en-US" altLang="ja-JP" sz="1400"/>
+          </a:p>
+          <a:p>
+            <a:endParaRPr lang="en-US" altLang="ja-JP" sz="1400"/>
+          </a:p>
+          <a:p>
+            <a:r>
+              <a:rPr lang="ja-JP" altLang="en-US" sz="1400"/>
+              <a:t>３．</a:t>
+            </a:r>
+            <a:r>
+              <a:rPr lang="en-US" altLang="ja-JP" sz="1400"/>
+              <a:t>real</a:t>
+            </a:r>
+            <a:r>
+              <a:rPr lang="ja-JP" altLang="en-US" sz="1400"/>
+              <a:t>が</a:t>
+            </a:r>
+            <a:r>
+              <a:rPr lang="en-US" altLang="ja-JP" sz="1400"/>
+              <a:t>user</a:t>
+            </a:r>
+            <a:r>
+              <a:rPr lang="ja-JP" altLang="en-US" sz="1400"/>
+              <a:t>よりも大きい</a:t>
+            </a:r>
+            <a:endParaRPr lang="en-US" altLang="ja-JP" sz="1400"/>
+          </a:p>
+          <a:p>
+            <a:r>
+              <a:rPr lang="ja-JP" altLang="en-US" sz="1400"/>
+              <a:t>　　おそらく一つのコアで素直にスレッド処理されている。</a:t>
+            </a:r>
+            <a:endParaRPr lang="en-US" altLang="ja-JP" sz="1400"/>
+          </a:p>
+          <a:p>
+            <a:endParaRPr lang="en-US" altLang="ja-JP" sz="1400"/>
+          </a:p>
+          <a:p>
+            <a:r>
+              <a:rPr lang="ja-JP" altLang="en-US" sz="1400"/>
+              <a:t>ということになります。</a:t>
+            </a:r>
+            <a:endParaRPr lang="en-US" altLang="ja-JP" sz="1400"/>
+          </a:p>
+          <a:p>
+            <a:r>
+              <a:rPr lang="ja-JP" altLang="en-US" sz="1400"/>
+              <a:t>いずれにしろ、スクレイピングモジュールにはスレッド実装の効果が大きいと言えます。</a:t>
+            </a:r>
+            <a:endParaRPr lang="en-US" altLang="ja-JP" sz="1400"/>
+          </a:p>
+          <a:p>
+            <a:endParaRPr lang="en-US" altLang="ja-JP" sz="1400"/>
+          </a:p>
+          <a:p>
+            <a:r>
+              <a:rPr lang="en-US" altLang="ja-JP" sz="1400"/>
+              <a:t>※</a:t>
+            </a:r>
+            <a:r>
+              <a:rPr lang="ja-JP" altLang="en-US" sz="1400"/>
+              <a:t>ただし、高速大量スクレイピングは相手サーバに負荷をかけますので、ほどほどにしておく必要もあります。</a:t>
+            </a:r>
+            <a:endParaRPr lang="en-US" altLang="ja-JP" sz="1400"/>
           </a:p>
         </p:txBody>
       </p:sp>
     </p:spTree>
     <p:extLst>
       <p:ext uri="{BB962C8B-B14F-4D97-AF65-F5344CB8AC3E}">
-        <p14:creationId xmlns:p14="http://schemas.microsoft.com/office/powerpoint/2010/main" val="2907185395"/>
+        <p14:creationId xmlns:p14="http://schemas.microsoft.com/office/powerpoint/2010/main" val="2401726107"/>
       </p:ext>
     </p:extLst>
   </p:cSld>
@@ -47150,12 +46770,8 @@
           <a:lstStyle/>
           <a:p>
             <a:r>
-              <a:rPr lang="en-US" altLang="ja-JP"/>
-              <a:t>Python</a:t>
-            </a:r>
-            <a:r>
               <a:rPr lang="ja-JP" altLang="en-US"/>
-              <a:t>構文</a:t>
+              <a:t>並列実行：スレッド</a:t>
             </a:r>
             <a:endParaRPr lang="en-US" altLang="ja-JP"/>
           </a:p>
@@ -47179,398 +46795,295 @@
         </p:nvSpPr>
         <p:spPr>
           <a:xfrm>
-            <a:off x="364452" y="946727"/>
-            <a:ext cx="9152899" cy="5621240"/>
+            <a:off x="376550" y="926122"/>
+            <a:ext cx="9152899" cy="5697416"/>
           </a:xfrm>
         </p:spPr>
         <p:txBody>
           <a:bodyPr bIns="0">
-            <a:normAutofit/>
+            <a:noAutofit/>
           </a:bodyPr>
           <a:lstStyle/>
           <a:p>
             <a:r>
-              <a:rPr lang="ja-JP" altLang="en-US" sz="1200"/>
-              <a:t>　一つの例外に包むことが望ましければ、以下の記述もあり。</a:t>
-            </a:r>
-            <a:endParaRPr lang="en-US" altLang="ja-JP" sz="1200"/>
-          </a:p>
-          <a:p>
-            <a:r>
-              <a:rPr lang="ja-JP" altLang="en-US" sz="1200"/>
+              <a:rPr lang="ja-JP" altLang="en-US" sz="1400" b="1"/>
+              <a:t>スレッド実装</a:t>
+            </a:r>
+            <a:endParaRPr lang="en-US" altLang="ja-JP" sz="1400" b="1"/>
+          </a:p>
+          <a:p>
+            <a:endParaRPr lang="en-US" altLang="ja-JP" sz="1400"/>
+          </a:p>
+          <a:p>
+            <a:r>
+              <a:rPr lang="ja-JP" altLang="en-US" sz="1400"/>
               <a:t>　</a:t>
             </a:r>
             <a:r>
-              <a:rPr lang="en-US" altLang="ja-JP" sz="1200"/>
-              <a:t>try:</a:t>
-            </a:r>
-          </a:p>
-          <a:p>
-            <a:r>
-              <a:rPr lang="ja-JP" altLang="en-US" sz="1200"/>
+              <a:rPr lang="en-US" altLang="ja-JP" sz="1400"/>
+              <a:t>from concurrent.futures import </a:t>
+            </a:r>
+            <a:r>
+              <a:rPr lang="en-US" altLang="ja-JP" sz="1400" b="1"/>
+              <a:t>ThreadPoolExecutor</a:t>
+            </a:r>
+          </a:p>
+          <a:p>
+            <a:endParaRPr lang="en-US" altLang="ja-JP" sz="1400"/>
+          </a:p>
+          <a:p>
+            <a:r>
+              <a:rPr lang="ja-JP" altLang="en-US" sz="1400"/>
               <a:t>　</a:t>
             </a:r>
             <a:r>
-              <a:rPr lang="en-US" altLang="ja-JP" sz="1200"/>
-              <a:t>    html = </a:t>
-            </a:r>
-            <a:r>
-              <a:rPr lang="en-US" altLang="ja-JP" sz="1200" err="1"/>
-              <a:t>urlopen</a:t>
-            </a:r>
-            <a:r>
-              <a:rPr lang="en-US" altLang="ja-JP" sz="1200"/>
-              <a:t>(‘http://www.pythonscraping.com/pages/page1.html‘)</a:t>
-            </a:r>
-          </a:p>
-          <a:p>
-            <a:r>
-              <a:rPr lang="ja-JP" altLang="en-US" sz="1200"/>
-              <a:t>　　 </a:t>
-            </a:r>
-            <a:r>
-              <a:rPr lang="en-US" altLang="ja-JP" sz="1200"/>
-              <a:t>bs = </a:t>
-            </a:r>
-            <a:r>
-              <a:rPr lang="en-US" altLang="ja-JP" sz="1200" err="1"/>
-              <a:t>BeautifulSoup</a:t>
-            </a:r>
-            <a:r>
-              <a:rPr lang="en-US" altLang="ja-JP" sz="1200"/>
+              <a:rPr lang="en-US" altLang="ja-JP" sz="1400"/>
+              <a:t>with </a:t>
+            </a:r>
+            <a:r>
+              <a:rPr lang="en-US" altLang="ja-JP" sz="1400" b="1"/>
+              <a:t>ThreadPoolExecutor</a:t>
+            </a:r>
+            <a:r>
+              <a:rPr lang="en-US" altLang="ja-JP" sz="1400"/>
+              <a:t>(max_workers=4)</a:t>
+            </a:r>
+            <a:r>
+              <a:rPr lang="ja-JP" altLang="en-US" sz="1400"/>
+              <a:t> </a:t>
+            </a:r>
+            <a:r>
+              <a:rPr lang="en-US" altLang="ja-JP" sz="1400"/>
+              <a:t>as executor:</a:t>
+            </a:r>
+          </a:p>
+          <a:p>
+            <a:r>
+              <a:rPr lang="ja-JP" altLang="en-US" sz="1400"/>
+              <a:t>　　</a:t>
+            </a:r>
+            <a:r>
+              <a:rPr lang="en-US" altLang="ja-JP" sz="1400"/>
+              <a:t>for n in range(len(vtubers)):</a:t>
+            </a:r>
+          </a:p>
+          <a:p>
+            <a:r>
+              <a:rPr lang="ja-JP" altLang="en-US" sz="1400"/>
+              <a:t>　　　</a:t>
+            </a:r>
+            <a:r>
+              <a:rPr lang="en-US" altLang="ja-JP" sz="1400"/>
+              <a:t>executor.</a:t>
+            </a:r>
+            <a:r>
+              <a:rPr lang="en-US" altLang="ja-JP" sz="1400" b="1"/>
+              <a:t>submit</a:t>
+            </a:r>
+            <a:r>
+              <a:rPr lang="en-US" altLang="ja-JP" sz="1400"/>
+              <a:t>(self._profile, vtubers[n])</a:t>
+            </a:r>
+          </a:p>
+          <a:p>
+            <a:endParaRPr lang="en-US" altLang="ja-JP" sz="1400"/>
+          </a:p>
+          <a:p>
+            <a:r>
+              <a:rPr lang="en-US" altLang="ja-JP" sz="1400"/>
+              <a:t>ThreadPoolExecutor</a:t>
+            </a:r>
+            <a:r>
+              <a:rPr lang="ja-JP" altLang="en-US" sz="1400"/>
+              <a:t>モジュールを使うと簡単に複数スレッドを並走させられます。</a:t>
+            </a:r>
+            <a:endParaRPr lang="en-US" altLang="ja-JP" sz="1400"/>
+          </a:p>
+          <a:p>
+            <a:r>
+              <a:rPr lang="en-US" altLang="ja-JP" sz="1400"/>
+              <a:t>max_workers</a:t>
+            </a:r>
+            <a:r>
+              <a:rPr lang="ja-JP" altLang="en-US" sz="1400"/>
+              <a:t>は同時に実行するタスクの数です。ここでは</a:t>
+            </a:r>
+            <a:r>
+              <a:rPr lang="en-US" altLang="ja-JP" sz="1400"/>
+              <a:t>VTuber4</a:t>
+            </a:r>
+            <a:r>
+              <a:rPr lang="ja-JP" altLang="en-US" sz="1400"/>
+              <a:t>人分のサイトを同時に処理します。</a:t>
+            </a:r>
+            <a:endParaRPr lang="en-US" altLang="ja-JP" sz="1400"/>
+          </a:p>
+          <a:p>
+            <a:r>
+              <a:rPr lang="en-US" altLang="ja-JP" sz="1400"/>
+              <a:t>4 =&gt; 8</a:t>
+            </a:r>
+            <a:r>
+              <a:rPr lang="ja-JP" altLang="en-US" sz="1400"/>
+              <a:t>にすると</a:t>
+            </a:r>
+            <a:r>
+              <a:rPr lang="en-US" altLang="ja-JP" sz="1400"/>
+              <a:t>2,3</a:t>
+            </a:r>
+            <a:r>
+              <a:rPr lang="ja-JP" altLang="en-US" sz="1400"/>
+              <a:t>秒短縮されますが、</a:t>
+            </a:r>
+            <a:r>
+              <a:rPr lang="en-US" altLang="ja-JP" sz="1400"/>
+              <a:t>8 =&gt; 16</a:t>
+            </a:r>
+            <a:r>
+              <a:rPr lang="ja-JP" altLang="en-US" sz="1400"/>
+              <a:t>にすると逆に遅くなります。</a:t>
+            </a:r>
+            <a:endParaRPr lang="en-US" altLang="ja-JP" sz="1400"/>
+          </a:p>
+          <a:p>
+            <a:endParaRPr lang="en-US" altLang="ja-JP" sz="1400"/>
+          </a:p>
+          <a:p>
+            <a:r>
+              <a:rPr lang="ja-JP" altLang="en-US" sz="1400"/>
+              <a:t>うちの</a:t>
+            </a:r>
+            <a:r>
+              <a:rPr lang="en-US" altLang="ja-JP" sz="1400"/>
+              <a:t>PC</a:t>
+            </a:r>
+            <a:r>
+              <a:rPr lang="ja-JP" altLang="en-US" sz="1400"/>
+              <a:t>は４コア８スレッドなので、上限を超えると「データの調停」コストが増えるだけで</a:t>
+            </a:r>
+            <a:endParaRPr lang="en-US" altLang="ja-JP" sz="1400"/>
+          </a:p>
+          <a:p>
+            <a:r>
+              <a:rPr lang="ja-JP" altLang="en-US" sz="1400"/>
+              <a:t>スレッド化の効果が薄くなる、という感じでしょうか。</a:t>
+            </a:r>
+            <a:endParaRPr lang="en-US" altLang="ja-JP" sz="1400"/>
+          </a:p>
+          <a:p>
+            <a:endParaRPr lang="en-US" altLang="ja-JP" sz="1400"/>
+          </a:p>
+          <a:p>
+            <a:r>
+              <a:rPr lang="en-US" altLang="ja-JP" sz="1400"/>
+              <a:t>※with</a:t>
+            </a:r>
+            <a:r>
+              <a:rPr lang="ja-JP" altLang="en-US" sz="1400"/>
+              <a:t>構文</a:t>
+            </a:r>
+            <a:endParaRPr lang="en-US" altLang="ja-JP" sz="1400"/>
+          </a:p>
+          <a:p>
+            <a:r>
+              <a:rPr lang="en-US" altLang="ja-JP" sz="1400"/>
+              <a:t>python</a:t>
+            </a:r>
+            <a:r>
+              <a:rPr lang="ja-JP" altLang="en-US" sz="1400"/>
+              <a:t>の</a:t>
+            </a:r>
+            <a:r>
+              <a:rPr lang="en-US" altLang="ja-JP" sz="1400"/>
+              <a:t>with</a:t>
+            </a:r>
+            <a:r>
+              <a:rPr lang="ja-JP" altLang="en-US" sz="1400"/>
+              <a:t>構文は、「終了処理」を隠ぺいしてくれます。通常、スレッド処理は最後に</a:t>
+            </a:r>
+            <a:endParaRPr lang="en-US" altLang="ja-JP" sz="1400"/>
+          </a:p>
+          <a:p>
+            <a:r>
+              <a:rPr lang="ja-JP" altLang="en-US" sz="1400"/>
+              <a:t>「すべてのスレッドの終了を待ち合わせる」等の記述を必要としますが、</a:t>
+            </a:r>
+            <a:r>
+              <a:rPr lang="en-US" altLang="ja-JP" sz="1400"/>
+              <a:t>with</a:t>
+            </a:r>
+            <a:r>
+              <a:rPr lang="ja-JP" altLang="en-US" sz="1400"/>
+              <a:t>構文を使うと</a:t>
+            </a:r>
+            <a:r>
+              <a:rPr lang="en-US" altLang="ja-JP" sz="1400"/>
               <a:t>(</a:t>
             </a:r>
             <a:r>
-              <a:rPr lang="en-US" altLang="ja-JP" sz="1200" err="1"/>
-              <a:t>html.read</a:t>
-            </a:r>
-            <a:r>
-              <a:rPr lang="en-US" altLang="ja-JP" sz="1200"/>
-              <a:t>(), ‘</a:t>
-            </a:r>
-            <a:r>
-              <a:rPr lang="en-US" altLang="ja-JP" sz="1200" err="1"/>
-              <a:t>html.parser</a:t>
-            </a:r>
-            <a:r>
-              <a:rPr lang="en-US" altLang="ja-JP" sz="1200"/>
-              <a:t>’)</a:t>
-            </a:r>
-            <a:br>
-              <a:rPr lang="en-US" altLang="ja-JP" sz="1200"/>
-            </a:br>
-            <a:r>
-              <a:rPr lang="ja-JP" altLang="en-US" sz="1200"/>
-              <a:t>　</a:t>
-            </a:r>
-            <a:r>
-              <a:rPr lang="en-US" altLang="ja-JP" sz="1200"/>
-              <a:t>except (</a:t>
-            </a:r>
-            <a:r>
-              <a:rPr lang="en-US" altLang="ja-JP" sz="1200" err="1">
-                <a:solidFill>
-                  <a:srgbClr val="FF0000"/>
-                </a:solidFill>
-              </a:rPr>
-              <a:t>HTTPError</a:t>
-            </a:r>
-            <a:r>
-              <a:rPr lang="en-US" altLang="ja-JP" sz="1200"/>
-              <a:t>, </a:t>
-            </a:r>
-            <a:r>
-              <a:rPr lang="en-US" altLang="ja-JP" sz="1200" err="1">
-                <a:solidFill>
-                  <a:srgbClr val="FF0000"/>
-                </a:solidFill>
-              </a:rPr>
-              <a:t>AttributeError</a:t>
-            </a:r>
-            <a:r>
-              <a:rPr lang="en-US" altLang="ja-JP" sz="1200"/>
-              <a:t>) as ex:</a:t>
-            </a:r>
-          </a:p>
-          <a:p>
-            <a:r>
-              <a:rPr lang="ja-JP" altLang="en-US" sz="1200"/>
-              <a:t>　</a:t>
-            </a:r>
-            <a:r>
-              <a:rPr lang="en-US" altLang="ja-JP" sz="1200"/>
-              <a:t>    print(ex)</a:t>
-            </a:r>
-          </a:p>
-          <a:p>
-            <a:r>
-              <a:rPr lang="ja-JP" altLang="en-US" sz="1200"/>
-              <a:t>　</a:t>
-            </a:r>
-            <a:r>
-              <a:rPr lang="en-US" altLang="ja-JP" sz="1200"/>
-              <a:t>    #</a:t>
-            </a:r>
-            <a:r>
-              <a:rPr lang="ja-JP" altLang="en-US" sz="1200"/>
-              <a:t>どのエラーが発生したかを識別できるような処理</a:t>
-            </a:r>
-            <a:endParaRPr lang="en-US" altLang="ja-JP" sz="1200"/>
-          </a:p>
-          <a:p>
-            <a:endParaRPr lang="en-US" altLang="ja-JP" sz="1200"/>
-          </a:p>
-          <a:p>
-            <a:r>
-              <a:rPr lang="ja-JP" altLang="en-US" sz="1400" b="1"/>
-              <a:t>正規表現</a:t>
-            </a:r>
-            <a:endParaRPr lang="en-US" altLang="ja-JP" sz="1400" b="1"/>
-          </a:p>
-          <a:p>
-            <a:r>
-              <a:rPr lang="ja-JP" altLang="en-US" sz="1200"/>
-              <a:t>　抽出したテキストから適切に欲しいパラメータ、数値を取り出すために正規表現機能を使います。</a:t>
-            </a:r>
-            <a:endParaRPr lang="en-US" altLang="ja-JP" sz="1200"/>
-          </a:p>
-          <a:p>
-            <a:r>
-              <a:rPr lang="ja-JP" altLang="en-US" sz="1200"/>
-              <a:t>　正規表現機能は「特定のパターンに一致する文字列」を発見、抽出してくれます。</a:t>
-            </a:r>
-            <a:endParaRPr lang="en-US" altLang="ja-JP" sz="1200"/>
-          </a:p>
-          <a:p>
-            <a:endParaRPr lang="en-US" altLang="ja-JP" sz="1200"/>
-          </a:p>
-          <a:p>
-            <a:r>
-              <a:rPr lang="ja-JP" altLang="en-US" sz="1200"/>
-              <a:t>　（例</a:t>
-            </a:r>
-            <a:r>
-              <a:rPr lang="en-US" altLang="ja-JP" sz="1200"/>
-              <a:t>)</a:t>
-            </a:r>
-          </a:p>
-          <a:p>
-            <a:r>
-              <a:rPr lang="ja-JP" altLang="en-US" sz="1200"/>
-              <a:t>　　</a:t>
-            </a:r>
-            <a:r>
-              <a:rPr lang="en-US" altLang="ja-JP" sz="1200"/>
-              <a:t>import re                  # </a:t>
-            </a:r>
-            <a:r>
-              <a:rPr lang="ja-JP" altLang="en-US" sz="1200"/>
-              <a:t>正規表現ライブラリ</a:t>
-            </a:r>
-            <a:endParaRPr lang="en-US" altLang="ja-JP" sz="1200"/>
-          </a:p>
-          <a:p>
-            <a:r>
-              <a:rPr lang="ja-JP" altLang="en-US" sz="1200"/>
-              <a:t>　　</a:t>
-            </a:r>
-            <a:r>
-              <a:rPr lang="en-US" altLang="ja-JP" sz="1200"/>
-              <a:t>age = '</a:t>
-            </a:r>
-            <a:r>
-              <a:rPr lang="ja-JP" altLang="en-US" sz="1200"/>
-              <a:t>永遠の</a:t>
-            </a:r>
-            <a:r>
-              <a:rPr lang="en-US" altLang="ja-JP" sz="1200"/>
-              <a:t>17</a:t>
-            </a:r>
-            <a:r>
-              <a:rPr lang="ja-JP" altLang="en-US" sz="1200"/>
-              <a:t>歳</a:t>
-            </a:r>
-            <a:r>
-              <a:rPr lang="en-US" altLang="ja-JP" sz="1200"/>
-              <a:t>'</a:t>
-            </a:r>
-          </a:p>
-          <a:p>
-            <a:r>
-              <a:rPr lang="ja-JP" altLang="en-US" sz="1200"/>
-              <a:t>　　</a:t>
-            </a:r>
-            <a:r>
-              <a:rPr lang="en-US" altLang="ja-JP" sz="1200" err="1"/>
-              <a:t>re.search</a:t>
-            </a:r>
-            <a:r>
-              <a:rPr lang="en-US" altLang="ja-JP" sz="1200"/>
-              <a:t>('[0-9]{1,5}</a:t>
-            </a:r>
-            <a:r>
-              <a:rPr lang="ja-JP" altLang="en-US" sz="1200"/>
-              <a:t>歳</a:t>
-            </a:r>
-            <a:r>
-              <a:rPr lang="en-US" altLang="ja-JP" sz="1200"/>
-              <a:t>', age)</a:t>
-            </a:r>
-          </a:p>
-          <a:p>
-            <a:endParaRPr lang="en-US" altLang="ja-JP" sz="1200"/>
-          </a:p>
-          <a:p>
-            <a:r>
-              <a:rPr lang="ja-JP" altLang="en-US" sz="1200"/>
-              <a:t>　　上記のプログラムを実行すると以下の結果が得られます。</a:t>
-            </a:r>
-            <a:endParaRPr lang="en-US" altLang="ja-JP" sz="1200"/>
-          </a:p>
-          <a:p>
-            <a:r>
-              <a:rPr lang="ja-JP" altLang="en-US" sz="1200"/>
-              <a:t>　　</a:t>
-            </a:r>
-            <a:r>
-              <a:rPr lang="en-US" altLang="ja-JP" sz="1200"/>
-              <a:t> &lt;_</a:t>
-            </a:r>
-            <a:r>
-              <a:rPr lang="en-US" altLang="ja-JP" sz="1200" err="1"/>
-              <a:t>sre.SRE_Match</a:t>
-            </a:r>
-            <a:r>
-              <a:rPr lang="en-US" altLang="ja-JP" sz="1200"/>
-              <a:t> object; span=(3, 6), match='17</a:t>
-            </a:r>
-            <a:r>
-              <a:rPr lang="ja-JP" altLang="en-US" sz="1200"/>
-              <a:t>歳</a:t>
-            </a:r>
-            <a:r>
-              <a:rPr lang="en-US" altLang="ja-JP" sz="1200"/>
-              <a:t>’&gt;</a:t>
-            </a:r>
-          </a:p>
-          <a:p>
-            <a:r>
-              <a:rPr lang="ja-JP" altLang="en-US" sz="1200"/>
-              <a:t>　　つまり、スクレイピング結果を格納する</a:t>
-            </a:r>
-            <a:r>
-              <a:rPr lang="en-US" altLang="ja-JP" sz="1200"/>
-              <a:t>DB</a:t>
-            </a:r>
-            <a:r>
-              <a:rPr lang="ja-JP" altLang="en-US" sz="1200"/>
-              <a:t>には「</a:t>
-            </a:r>
-            <a:r>
-              <a:rPr lang="en-US" altLang="ja-JP" sz="1200"/>
-              <a:t>17</a:t>
-            </a:r>
-            <a:r>
-              <a:rPr lang="ja-JP" altLang="en-US" sz="1200"/>
-              <a:t>歳」として登録されます。</a:t>
-            </a:r>
-            <a:endParaRPr lang="en-US" altLang="ja-JP" sz="1200"/>
-          </a:p>
-          <a:p>
-            <a:endParaRPr lang="en-US" altLang="ja-JP" sz="1200"/>
-          </a:p>
-          <a:p>
-            <a:r>
-              <a:rPr lang="ja-JP" altLang="en-US" sz="1200"/>
-              <a:t>　　正規表現の説明</a:t>
-            </a:r>
-            <a:endParaRPr lang="en-US" altLang="ja-JP" sz="1200"/>
-          </a:p>
-          <a:p>
-            <a:r>
-              <a:rPr lang="ja-JP" altLang="en-US" sz="1200"/>
-              <a:t>　　　</a:t>
-            </a:r>
-            <a:r>
-              <a:rPr lang="en-US" altLang="ja-JP" sz="1200"/>
-              <a:t>[0-9] … 0</a:t>
-            </a:r>
-            <a:r>
-              <a:rPr lang="ja-JP" altLang="en-US" sz="1200"/>
-              <a:t>から</a:t>
-            </a:r>
-            <a:r>
-              <a:rPr lang="en-US" altLang="ja-JP" sz="1200"/>
-              <a:t>9</a:t>
-            </a:r>
-            <a:r>
-              <a:rPr lang="ja-JP" altLang="en-US" sz="1200"/>
-              <a:t>までの数値を使用している。</a:t>
-            </a:r>
-            <a:endParaRPr lang="en-US" altLang="ja-JP" sz="1200"/>
-          </a:p>
-          <a:p>
-            <a:r>
-              <a:rPr lang="en-US" altLang="ja-JP" sz="1200"/>
-              <a:t>   </a:t>
-            </a:r>
-            <a:r>
-              <a:rPr lang="ja-JP" altLang="en-US" sz="1200"/>
-              <a:t>　</a:t>
-            </a:r>
-            <a:r>
-              <a:rPr lang="en-US" altLang="ja-JP" sz="1200"/>
-              <a:t>   {1, 5} … </a:t>
-            </a:r>
-            <a:r>
-              <a:rPr lang="ja-JP" altLang="en-US" sz="1200"/>
-              <a:t>上記で指定した</a:t>
-            </a:r>
-            <a:r>
-              <a:rPr lang="en-US" altLang="ja-JP" sz="1200"/>
-              <a:t>0-9</a:t>
-            </a:r>
-            <a:r>
-              <a:rPr lang="ja-JP" altLang="en-US" sz="1200"/>
-              <a:t>までの数値が１～</a:t>
-            </a:r>
-            <a:r>
-              <a:rPr lang="en-US" altLang="ja-JP" sz="1200"/>
-              <a:t>5</a:t>
-            </a:r>
-            <a:r>
-              <a:rPr lang="ja-JP" altLang="en-US" sz="1200"/>
-              <a:t>個連続している。</a:t>
-            </a:r>
-            <a:endParaRPr lang="en-US" altLang="ja-JP" sz="1200"/>
-          </a:p>
-          <a:p>
-            <a:r>
-              <a:rPr lang="ja-JP" altLang="en-US" sz="1200"/>
-              <a:t>　　　歳</a:t>
-            </a:r>
-            <a:r>
-              <a:rPr lang="en-US" altLang="ja-JP" sz="1200"/>
-              <a:t>…</a:t>
-            </a:r>
-            <a:r>
-              <a:rPr lang="ja-JP" altLang="en-US" sz="1200"/>
-              <a:t>上記の後に文字「歳」が続く</a:t>
-            </a:r>
-            <a:endParaRPr lang="en-US" altLang="ja-JP" sz="1200"/>
-          </a:p>
-          <a:p>
-            <a:endParaRPr lang="en-US" altLang="ja-JP" sz="1200"/>
-          </a:p>
-          <a:p>
-            <a:endParaRPr lang="en-US" altLang="ja-JP"/>
+              <a:rPr lang="ja-JP" altLang="en-US" sz="1400"/>
+              <a:t>正確には</a:t>
+            </a:r>
+            <a:endParaRPr lang="en-US" altLang="ja-JP" sz="1400"/>
+          </a:p>
+          <a:p>
+            <a:r>
+              <a:rPr lang="en-US" altLang="ja-JP" sz="1400"/>
+              <a:t>with</a:t>
+            </a:r>
+            <a:r>
+              <a:rPr lang="ja-JP" altLang="en-US" sz="1400"/>
+              <a:t>構文が使えるよう、定義されたモジュールを使うと）、内部で勝手にやってくれます。</a:t>
+            </a:r>
+            <a:endParaRPr lang="en-US" altLang="ja-JP" sz="1400"/>
+          </a:p>
+          <a:p>
+            <a:r>
+              <a:rPr lang="ja-JP" altLang="en-US" sz="1400"/>
+              <a:t>ファイル</a:t>
+            </a:r>
+            <a:r>
+              <a:rPr lang="en-US" altLang="ja-JP" sz="1400"/>
+              <a:t>open</a:t>
+            </a:r>
+            <a:r>
+              <a:rPr lang="ja-JP" altLang="en-US" sz="1400"/>
+              <a:t>の</a:t>
+            </a:r>
+            <a:r>
+              <a:rPr lang="en-US" altLang="ja-JP" sz="1400"/>
+              <a:t>with</a:t>
+            </a:r>
+            <a:r>
+              <a:rPr lang="ja-JP" altLang="en-US" sz="1400"/>
+              <a:t>等も同じです。</a:t>
+            </a:r>
+            <a:endParaRPr lang="en-US" altLang="ja-JP" sz="1400"/>
+          </a:p>
+          <a:p>
+            <a:endParaRPr lang="en-US" altLang="ja-JP" sz="1400"/>
+          </a:p>
+          <a:p>
+            <a:r>
+              <a:rPr lang="ja-JP" altLang="en-US" sz="1400"/>
+              <a:t>従って、</a:t>
+            </a:r>
+            <a:r>
+              <a:rPr lang="en-US" altLang="ja-JP" sz="1400"/>
+              <a:t>with</a:t>
+            </a:r>
+            <a:r>
+              <a:rPr lang="ja-JP" altLang="en-US" sz="1400"/>
+              <a:t>構文を抜けると、プールされたすべてのスレッドの処理は完了しています。</a:t>
+            </a:r>
+            <a:endParaRPr lang="en-US" altLang="ja-JP" sz="1400"/>
           </a:p>
         </p:txBody>
       </p:sp>
     </p:spTree>
     <p:extLst>
       <p:ext uri="{BB962C8B-B14F-4D97-AF65-F5344CB8AC3E}">
-        <p14:creationId xmlns:p14="http://schemas.microsoft.com/office/powerpoint/2010/main" val="3817637621"/>
+        <p14:creationId xmlns:p14="http://schemas.microsoft.com/office/powerpoint/2010/main" val="2219856969"/>
       </p:ext>
     </p:extLst>
   </p:cSld>
@@ -47626,12 +47139,8 @@
           <a:lstStyle/>
           <a:p>
             <a:r>
-              <a:rPr lang="en-US" altLang="ja-JP"/>
-              <a:t>Python</a:t>
-            </a:r>
-            <a:r>
               <a:rPr lang="ja-JP" altLang="en-US"/>
-              <a:t>構文：リスト内包表記</a:t>
+              <a:t>並列実行：スレッド</a:t>
             </a:r>
             <a:endParaRPr lang="en-US" altLang="ja-JP"/>
           </a:p>
@@ -47655,174 +47164,117 @@
         </p:nvSpPr>
         <p:spPr>
           <a:xfrm>
-            <a:off x="364452" y="946727"/>
-            <a:ext cx="9319479" cy="4964546"/>
+            <a:off x="376550" y="926122"/>
+            <a:ext cx="9152899" cy="5545016"/>
           </a:xfrm>
         </p:spPr>
         <p:txBody>
           <a:bodyPr bIns="0">
-            <a:normAutofit/>
+            <a:noAutofit/>
           </a:bodyPr>
           <a:lstStyle/>
           <a:p>
             <a:r>
-              <a:rPr lang="en-US" altLang="ja-JP" sz="1400"/>
-              <a:t>python</a:t>
-            </a:r>
-            <a:r>
-              <a:rPr lang="ja-JP" altLang="en-US" sz="1400"/>
-              <a:t>では「繰り返し処理をなるべく直感的、かつ、短く」記述したがります。（</a:t>
-            </a:r>
-            <a:r>
-              <a:rPr lang="en-US" altLang="ja-JP" sz="1400"/>
-              <a:t>pythonic</a:t>
-            </a:r>
-            <a:r>
-              <a:rPr lang="ja-JP" altLang="en-US" sz="1400"/>
-              <a:t>な文化）</a:t>
-            </a:r>
+              <a:rPr lang="ja-JP" altLang="en-US" sz="1400" b="1"/>
+              <a:t>スレッド実装難易度</a:t>
+            </a:r>
+            <a:endParaRPr lang="en-US" altLang="ja-JP" sz="1400" b="1"/>
+          </a:p>
+          <a:p>
             <a:endParaRPr lang="en-US" altLang="ja-JP" sz="1400"/>
           </a:p>
           <a:p>
             <a:r>
               <a:rPr lang="ja-JP" altLang="en-US" sz="1400"/>
-              <a:t>このために用意された</a:t>
-            </a:r>
-            <a:r>
-              <a:rPr lang="ja-JP" altLang="en-US" sz="1400" b="1"/>
-              <a:t>リスト内包表記</a:t>
-            </a:r>
-            <a:r>
-              <a:rPr lang="ja-JP" altLang="en-US" sz="1400"/>
-              <a:t>では、</a:t>
-            </a:r>
-            <a:r>
-              <a:rPr lang="ja-JP" altLang="en-US" sz="1400" b="1"/>
-              <a:t>一行</a:t>
-            </a:r>
-            <a:r>
-              <a:rPr lang="ja-JP" altLang="en-US" sz="1400"/>
-              <a:t>で繰り返し処理を表現します。</a:t>
+              <a:t>スレッドを適用するコードによって「スレッド化」の難易度は変化しますが、今回のコードは</a:t>
             </a:r>
             <a:endParaRPr lang="en-US" altLang="ja-JP" sz="1400"/>
           </a:p>
           <a:p>
+            <a:r>
+              <a:rPr lang="ja-JP" altLang="en-US" sz="1400"/>
+              <a:t>以下の理由により簡素に実装できます。</a:t>
+            </a:r>
             <a:endParaRPr lang="en-US" altLang="ja-JP" sz="1400"/>
           </a:p>
           <a:p>
-            <a:r>
-              <a:rPr lang="ja-JP" altLang="en-US" sz="1400"/>
-              <a:t>例えば以下の</a:t>
-            </a:r>
-            <a:r>
-              <a:rPr lang="en-US" altLang="ja-JP" sz="1400"/>
-              <a:t>for</a:t>
-            </a:r>
-            <a:r>
-              <a:rPr lang="ja-JP" altLang="en-US" sz="1400"/>
-              <a:t>ループがあったとします。</a:t>
-            </a:r>
             <a:endParaRPr lang="en-US" altLang="ja-JP" sz="1400"/>
           </a:p>
           <a:p>
+            <a:r>
+              <a:rPr lang="ja-JP" altLang="en-US" sz="1400"/>
+              <a:t>１．完全な「並列」実行が可能</a:t>
+            </a:r>
             <a:endParaRPr lang="en-US" altLang="ja-JP" sz="1400"/>
           </a:p>
           <a:p>
             <a:r>
-              <a:rPr lang="ja-JP" altLang="en-US" sz="1400" b="1"/>
-              <a:t>　</a:t>
-            </a:r>
-            <a:r>
-              <a:rPr lang="en-US" altLang="ja-JP" sz="1400" b="1"/>
-              <a:t>for</a:t>
-            </a:r>
-            <a:r>
-              <a:rPr lang="en-US" altLang="ja-JP" sz="1400"/>
-              <a:t> </a:t>
-            </a:r>
-            <a:r>
-              <a:rPr lang="en-US" altLang="ja-JP" sz="1400" err="1"/>
-              <a:t>vtuber</a:t>
-            </a:r>
-            <a:r>
-              <a:rPr lang="en-US" altLang="ja-JP" sz="1400"/>
-              <a:t> </a:t>
-            </a:r>
-            <a:r>
-              <a:rPr lang="en-US" altLang="ja-JP" sz="1400" b="1"/>
-              <a:t>in</a:t>
-            </a:r>
-            <a:r>
-              <a:rPr lang="en-US" altLang="ja-JP" sz="1400"/>
-              <a:t> </a:t>
-            </a:r>
-            <a:r>
-              <a:rPr lang="en-US" altLang="ja-JP" sz="1400" err="1"/>
-              <a:t>vtuber_list</a:t>
-            </a:r>
-            <a:r>
-              <a:rPr lang="en-US" altLang="ja-JP" sz="1400"/>
-              <a:t>:</a:t>
-            </a:r>
-          </a:p>
-          <a:p>
-            <a:r>
-              <a:rPr lang="ja-JP" altLang="en-US" sz="1400"/>
-              <a:t>　　</a:t>
-            </a:r>
-            <a:r>
-              <a:rPr lang="en-US" altLang="ja-JP" sz="1400"/>
-              <a:t>print(</a:t>
-            </a:r>
-            <a:r>
-              <a:rPr lang="en-US" altLang="ja-JP" sz="1400" err="1"/>
-              <a:t>vtuber</a:t>
-            </a:r>
-            <a:r>
-              <a:rPr lang="en-US" altLang="ja-JP" sz="1400"/>
-              <a:t>[‘name’])</a:t>
-            </a:r>
-          </a:p>
-          <a:p>
+              <a:rPr lang="ja-JP" altLang="en-US" sz="1400"/>
+              <a:t>　　スレッド</a:t>
+            </a:r>
+            <a:r>
+              <a:rPr lang="en-US" altLang="ja-JP" sz="1400"/>
+              <a:t>A</a:t>
+            </a:r>
+            <a:r>
+              <a:rPr lang="ja-JP" altLang="en-US" sz="1400"/>
+              <a:t>の終了を待たないと、スレッド</a:t>
+            </a:r>
+            <a:r>
+              <a:rPr lang="en-US" altLang="ja-JP" sz="1400"/>
+              <a:t>Z</a:t>
+            </a:r>
+            <a:r>
+              <a:rPr lang="ja-JP" altLang="en-US" sz="1400"/>
+              <a:t>は動作できない、等の「スレッド間」の依存性が完全に無い。</a:t>
+            </a:r>
             <a:endParaRPr lang="en-US" altLang="ja-JP" sz="1400"/>
           </a:p>
           <a:p>
-            <a:r>
-              <a:rPr lang="en-US" altLang="ja-JP" sz="1400"/>
-              <a:t>vtuber</a:t>
-            </a:r>
-            <a:r>
-              <a:rPr lang="en-US" altLang="ja-JP" sz="1400" err="1"/>
-              <a:t>_list</a:t>
-            </a:r>
-            <a:r>
-              <a:rPr lang="ja-JP" altLang="en-US" sz="1400"/>
-              <a:t>という配列（複数の</a:t>
-            </a:r>
-            <a:r>
-              <a:rPr lang="en-US" altLang="ja-JP" sz="1400"/>
-              <a:t>Vtuber</a:t>
-            </a:r>
-            <a:r>
-              <a:rPr lang="ja-JP" altLang="en-US" sz="1400"/>
-              <a:t>の名前格納）があり、配列から一個ずつデータを取り出して</a:t>
-            </a:r>
             <a:endParaRPr lang="en-US" altLang="ja-JP" sz="1400"/>
           </a:p>
           <a:p>
             <a:r>
               <a:rPr lang="ja-JP" altLang="en-US" sz="1400"/>
-              <a:t>その名前を出力しています。</a:t>
+              <a:t>２．データを共有しない</a:t>
             </a:r>
             <a:endParaRPr lang="en-US" altLang="ja-JP" sz="1400"/>
           </a:p>
           <a:p>
+            <a:r>
+              <a:rPr lang="ja-JP" altLang="en-US" sz="1400"/>
+              <a:t>　　各スレッド関数には</a:t>
+            </a:r>
+            <a:r>
+              <a:rPr lang="en-US" altLang="ja-JP" sz="1400"/>
+              <a:t>vtubers</a:t>
+            </a:r>
+            <a:r>
+              <a:rPr lang="ja-JP" altLang="en-US" sz="1400"/>
+              <a:t>の配列の「個々のデータ」を渡しています。</a:t>
+            </a:r>
             <a:endParaRPr lang="en-US" altLang="ja-JP" sz="1400"/>
           </a:p>
           <a:p>
             <a:r>
               <a:rPr lang="ja-JP" altLang="en-US" sz="1400"/>
-              <a:t>これがリスト内包表記を用いると、以下のようになります。</a:t>
+              <a:t>　　つまり、同一データへの書き込みが殺到しないので、調停</a:t>
+            </a:r>
+            <a:r>
+              <a:rPr lang="en-US" altLang="ja-JP" sz="1400"/>
+              <a:t>(</a:t>
+            </a:r>
+            <a:r>
+              <a:rPr lang="ja-JP" altLang="en-US" sz="1400"/>
+              <a:t>排他</a:t>
+            </a:r>
+            <a:r>
+              <a:rPr lang="en-US" altLang="ja-JP" sz="1400"/>
+              <a:t>)</a:t>
+            </a:r>
+            <a:r>
+              <a:rPr lang="ja-JP" altLang="en-US" sz="1400"/>
+              <a:t>コストが小さい。</a:t>
             </a:r>
             <a:endParaRPr lang="en-US" altLang="ja-JP" sz="1400"/>
           </a:p>
@@ -47830,82 +47282,15 @@
             <a:endParaRPr lang="en-US" altLang="ja-JP" sz="1400"/>
           </a:p>
           <a:p>
-            <a:r>
-              <a:rPr lang="ja-JP" altLang="en-US" sz="1400"/>
-              <a:t>　</a:t>
-            </a:r>
-            <a:r>
-              <a:rPr lang="en-US" altLang="ja-JP" sz="1400"/>
-              <a:t> [print(</a:t>
-            </a:r>
-            <a:r>
-              <a:rPr lang="en-US" altLang="ja-JP" sz="1400" err="1"/>
-              <a:t>vtuber</a:t>
-            </a:r>
-            <a:r>
-              <a:rPr lang="en-US" altLang="ja-JP" sz="1400"/>
-              <a:t>[‘name’]) </a:t>
-            </a:r>
-            <a:r>
-              <a:rPr lang="en-US" altLang="ja-JP" sz="1400" b="1"/>
-              <a:t>for</a:t>
-            </a:r>
-            <a:r>
-              <a:rPr lang="en-US" altLang="ja-JP" sz="1400"/>
-              <a:t> </a:t>
-            </a:r>
-            <a:r>
-              <a:rPr lang="en-US" altLang="ja-JP" sz="1400" err="1"/>
-              <a:t>vtuber</a:t>
-            </a:r>
-            <a:r>
-              <a:rPr lang="en-US" altLang="ja-JP" sz="1400"/>
-              <a:t> </a:t>
-            </a:r>
-            <a:r>
-              <a:rPr lang="en-US" altLang="ja-JP" sz="1400" b="1"/>
-              <a:t>in</a:t>
-            </a:r>
-            <a:r>
-              <a:rPr lang="en-US" altLang="ja-JP" sz="1400"/>
-              <a:t> </a:t>
-            </a:r>
-            <a:r>
-              <a:rPr lang="en-US" altLang="ja-JP" sz="1400" err="1"/>
-              <a:t>vtuber_list</a:t>
-            </a:r>
-            <a:r>
-              <a:rPr lang="en-US" altLang="ja-JP" sz="1400"/>
-              <a:t>]</a:t>
-            </a:r>
-          </a:p>
-          <a:p>
             <a:endParaRPr lang="en-US" altLang="ja-JP" sz="1400"/>
           </a:p>
           <a:p>
-            <a:r>
-              <a:rPr lang="en-US" altLang="ja-JP" sz="1400"/>
-              <a:t>[]</a:t>
-            </a:r>
-            <a:r>
-              <a:rPr lang="ja-JP" altLang="en-US" sz="1400"/>
-              <a:t>はプログラム言語一般の処理として配列に使うものですが、「配列＝繰り返しデータが格納されている」</a:t>
-            </a:r>
             <a:endParaRPr lang="en-US" altLang="ja-JP" sz="1400"/>
           </a:p>
           <a:p>
-            <a:r>
-              <a:rPr lang="ja-JP" altLang="en-US" sz="1400"/>
-              <a:t>ということから転じて、「配列＝繰り返し処理ができる」という解釈が</a:t>
-            </a:r>
-            <a:r>
-              <a:rPr lang="en-US" altLang="ja-JP" sz="1400"/>
-              <a:t>python</a:t>
-            </a:r>
-            <a:r>
-              <a:rPr lang="ja-JP" altLang="en-US" sz="1400"/>
-              <a:t>では実装されています。</a:t>
-            </a:r>
+            <a:endParaRPr lang="en-US" altLang="ja-JP" sz="1400"/>
+          </a:p>
+          <a:p>
             <a:endParaRPr lang="en-US" altLang="ja-JP" sz="1400"/>
           </a:p>
         </p:txBody>
@@ -47913,7 +47298,7 @@
     </p:spTree>
     <p:extLst>
       <p:ext uri="{BB962C8B-B14F-4D97-AF65-F5344CB8AC3E}">
-        <p14:creationId xmlns:p14="http://schemas.microsoft.com/office/powerpoint/2010/main" val="3175323351"/>
+        <p14:creationId xmlns:p14="http://schemas.microsoft.com/office/powerpoint/2010/main" val="290948976"/>
       </p:ext>
     </p:extLst>
   </p:cSld>
@@ -47969,12 +47354,8 @@
           <a:lstStyle/>
           <a:p>
             <a:r>
-              <a:rPr lang="en-US" altLang="ja-JP"/>
-              <a:t>Python</a:t>
-            </a:r>
-            <a:r>
               <a:rPr lang="ja-JP" altLang="en-US"/>
-              <a:t>構文：リスト内包表記</a:t>
+              <a:t>並列実行：マルチプロセス</a:t>
             </a:r>
             <a:endParaRPr lang="en-US" altLang="ja-JP"/>
           </a:p>
@@ -47998,225 +47379,180 @@
         </p:nvSpPr>
         <p:spPr>
           <a:xfrm>
-            <a:off x="364452" y="946727"/>
-            <a:ext cx="9319479" cy="5621240"/>
+            <a:off x="376550" y="926121"/>
+            <a:ext cx="9152899" cy="5641845"/>
           </a:xfrm>
         </p:spPr>
         <p:txBody>
           <a:bodyPr bIns="0">
-            <a:normAutofit/>
+            <a:noAutofit/>
           </a:bodyPr>
           <a:lstStyle/>
           <a:p>
             <a:r>
-              <a:rPr lang="ja-JP" altLang="en-US" sz="1400"/>
-              <a:t>リスト内包表記を応用すると、「年齢が１７歳未満だけ」という条件付けも１行で記述できます。</a:t>
-            </a:r>
+              <a:rPr lang="ja-JP" altLang="en-US" sz="1400" b="1"/>
+              <a:t>スクレイピング時間比較</a:t>
+            </a:r>
+            <a:endParaRPr lang="en-US" altLang="ja-JP" sz="1400" b="1"/>
+          </a:p>
+          <a:p>
             <a:endParaRPr lang="en-US" altLang="ja-JP" sz="1400"/>
           </a:p>
           <a:p>
+            <a:r>
+              <a:rPr lang="ja-JP" altLang="en-US" sz="1400"/>
+              <a:t>ランキングサイトのスクレイピング時間比較（１ページ、</a:t>
+            </a:r>
+            <a:r>
+              <a:rPr lang="en-US" altLang="ja-JP" sz="1400"/>
+              <a:t>VTuber50</a:t>
+            </a:r>
+            <a:r>
+              <a:rPr lang="ja-JP" altLang="en-US" sz="1400"/>
+              <a:t>人分）</a:t>
+            </a:r>
             <a:endParaRPr lang="en-US" altLang="ja-JP" sz="1400"/>
           </a:p>
           <a:p>
-            <a:r>
-              <a:rPr lang="ja-JP" altLang="en-US" sz="1400"/>
-              <a:t>　</a:t>
-            </a:r>
-            <a:r>
-              <a:rPr lang="en-US" altLang="ja-JP" sz="1400"/>
-              <a:t>[print(</a:t>
-            </a:r>
-            <a:r>
-              <a:rPr lang="en-US" altLang="ja-JP" sz="1400" err="1"/>
-              <a:t>vtuber</a:t>
-            </a:r>
-            <a:r>
-              <a:rPr lang="en-US" altLang="ja-JP" sz="1400"/>
-              <a:t>[‘name’]) </a:t>
+            <a:endParaRPr lang="en-US" altLang="ja-JP" sz="1400"/>
+          </a:p>
+          <a:p>
+            <a:r>
+              <a:rPr lang="ja-JP" altLang="en-US" sz="1400"/>
+              <a:t>（１）マルチプロセス使用時</a:t>
+            </a:r>
+            <a:endParaRPr lang="en-US" altLang="ja-JP" sz="1400"/>
+          </a:p>
+          <a:p>
+            <a:r>
+              <a:rPr lang="ja-JP" altLang="en-US" sz="1400"/>
+              <a:t>　　　</a:t>
+            </a:r>
+            <a:r>
+              <a:rPr lang="en-US" altLang="ja-JP" sz="1400"/>
+              <a:t>real    </a:t>
             </a:r>
             <a:r>
               <a:rPr lang="en-US" altLang="ja-JP" sz="1400" b="1"/>
-              <a:t>for</a:t>
-            </a:r>
-            <a:r>
-              <a:rPr lang="en-US" altLang="ja-JP" sz="1400"/>
-              <a:t> </a:t>
-            </a:r>
-            <a:r>
-              <a:rPr lang="en-US" altLang="ja-JP" sz="1400" err="1"/>
-              <a:t>vtuber</a:t>
-            </a:r>
-            <a:r>
-              <a:rPr lang="en-US" altLang="ja-JP" sz="1400"/>
-              <a:t> </a:t>
+              <a:t>0m9.522s</a:t>
+            </a:r>
+          </a:p>
+          <a:p>
+            <a:r>
+              <a:rPr lang="ja-JP" altLang="en-US" sz="1400"/>
+              <a:t>　　　</a:t>
+            </a:r>
+            <a:r>
+              <a:rPr lang="en-US" altLang="ja-JP" sz="1400"/>
+              <a:t>user    0m4.188s</a:t>
+            </a:r>
+          </a:p>
+          <a:p>
+            <a:r>
+              <a:rPr lang="ja-JP" altLang="en-US" sz="1400"/>
+              <a:t>　　　</a:t>
+            </a:r>
+            <a:r>
+              <a:rPr lang="en-US" altLang="ja-JP" sz="1400"/>
+              <a:t>sys     0m0.719s</a:t>
+            </a:r>
+          </a:p>
+          <a:p>
+            <a:endParaRPr lang="en-US" altLang="ja-JP" sz="1400"/>
+          </a:p>
+          <a:p>
+            <a:r>
+              <a:rPr lang="ja-JP" altLang="en-US" sz="1400"/>
+              <a:t>（２）スレッド使用時</a:t>
+            </a:r>
+            <a:endParaRPr lang="en-US" altLang="ja-JP" sz="1400"/>
+          </a:p>
+          <a:p>
+            <a:r>
+              <a:rPr lang="ja-JP" altLang="en-US" sz="1400"/>
+              <a:t>　　　</a:t>
+            </a:r>
+            <a:r>
+              <a:rPr lang="en-US" altLang="ja-JP" sz="1400"/>
+              <a:t>real    </a:t>
             </a:r>
             <a:r>
               <a:rPr lang="en-US" altLang="ja-JP" sz="1400" b="1"/>
-              <a:t>in</a:t>
-            </a:r>
-            <a:r>
-              <a:rPr lang="en-US" altLang="ja-JP" sz="1400"/>
-              <a:t> </a:t>
-            </a:r>
-            <a:r>
-              <a:rPr lang="en-US" altLang="ja-JP" sz="1400" err="1"/>
-              <a:t>vtuber_list</a:t>
-            </a:r>
-            <a:r>
-              <a:rPr lang="en-US" altLang="ja-JP" sz="1400"/>
-              <a:t> </a:t>
+              <a:t>0m16.455s</a:t>
+            </a:r>
+          </a:p>
+          <a:p>
+            <a:r>
+              <a:rPr lang="ja-JP" altLang="en-US" sz="1400"/>
+              <a:t>　　　</a:t>
+            </a:r>
+            <a:r>
+              <a:rPr lang="en-US" altLang="ja-JP" sz="1400"/>
+              <a:t>user    0m4.016s</a:t>
+            </a:r>
+          </a:p>
+          <a:p>
+            <a:r>
+              <a:rPr lang="ja-JP" altLang="en-US" sz="1400"/>
+              <a:t>　　　</a:t>
+            </a:r>
+            <a:r>
+              <a:rPr lang="en-US" altLang="ja-JP" sz="1400"/>
+              <a:t>sys     0m0.547s</a:t>
+            </a:r>
+          </a:p>
+          <a:p>
+            <a:endParaRPr lang="en-US" altLang="ja-JP" sz="1400"/>
+          </a:p>
+          <a:p>
+            <a:r>
+              <a:rPr lang="ja-JP" altLang="en-US" sz="1400"/>
+              <a:t>（３）プロセス、スレッド非使用時</a:t>
+            </a:r>
+            <a:endParaRPr lang="en-US" altLang="ja-JP" sz="1400"/>
+          </a:p>
+          <a:p>
+            <a:r>
+              <a:rPr lang="ja-JP" altLang="en-US" sz="1400"/>
+              <a:t>　　　</a:t>
+            </a:r>
+            <a:r>
+              <a:rPr lang="en-US" altLang="ja-JP" sz="1400"/>
+              <a:t>real    </a:t>
             </a:r>
             <a:r>
               <a:rPr lang="en-US" altLang="ja-JP" sz="1400" b="1"/>
-              <a:t>if</a:t>
-            </a:r>
-            <a:r>
-              <a:rPr lang="en-US" altLang="ja-JP" sz="1400"/>
-              <a:t> </a:t>
-            </a:r>
-            <a:r>
-              <a:rPr lang="en-US" altLang="ja-JP" sz="1400" err="1"/>
-              <a:t>vtuber</a:t>
-            </a:r>
-            <a:r>
-              <a:rPr lang="en-US" altLang="ja-JP" sz="1400"/>
-              <a:t>[‘age’] &lt; 17]</a:t>
+              <a:t>1m10.050s</a:t>
+            </a:r>
+          </a:p>
+          <a:p>
+            <a:r>
+              <a:rPr lang="ja-JP" altLang="en-US" sz="1400"/>
+              <a:t>　　　</a:t>
+            </a:r>
+            <a:r>
+              <a:rPr lang="en-US" altLang="ja-JP" sz="1400"/>
+              <a:t>user    0m3.875s</a:t>
+            </a:r>
+          </a:p>
+          <a:p>
+            <a:r>
+              <a:rPr lang="ja-JP" altLang="en-US" sz="1400"/>
+              <a:t>　　　</a:t>
+            </a:r>
+            <a:r>
+              <a:rPr lang="en-US" altLang="ja-JP" sz="1400"/>
+              <a:t>sys     0m0.422s</a:t>
             </a:r>
           </a:p>
           <a:p>
             <a:endParaRPr lang="en-US" altLang="ja-JP" sz="1400"/>
           </a:p>
           <a:p>
-            <a:endParaRPr lang="en-US" altLang="ja-JP" sz="1400"/>
-          </a:p>
-          <a:p>
-            <a:r>
-              <a:rPr lang="ja-JP" altLang="en-US" sz="1400"/>
-              <a:t>リンク内包表記はパット見、ややこしいですが、</a:t>
-            </a:r>
-            <a:endParaRPr lang="en-US" altLang="ja-JP" sz="1400"/>
-          </a:p>
-          <a:p>
-            <a:r>
-              <a:rPr lang="ja-JP" altLang="en-US" sz="1400"/>
-              <a:t>「その一行でやってることは必要な時にじっくり読み解けばよい」という発想です。</a:t>
-            </a:r>
-            <a:endParaRPr lang="en-US" altLang="ja-JP" sz="1400"/>
-          </a:p>
-          <a:p>
-            <a:endParaRPr lang="en-US" altLang="ja-JP" sz="1400"/>
-          </a:p>
-          <a:p>
-            <a:r>
-              <a:rPr lang="ja-JP" altLang="en-US" sz="1400"/>
-              <a:t>この一行をじっくり読み解かないと、このコードを格納するコードブロックが</a:t>
-            </a:r>
-            <a:endParaRPr lang="en-US" altLang="ja-JP" sz="1400"/>
-          </a:p>
-          <a:p>
-            <a:r>
-              <a:rPr lang="ja-JP" altLang="en-US" sz="1400"/>
-              <a:t>何をしているかわからなない、というのであれば、そのコードブロックの設計自体が</a:t>
-            </a:r>
-            <a:endParaRPr lang="en-US" altLang="ja-JP" sz="1400"/>
-          </a:p>
-          <a:p>
-            <a:r>
-              <a:rPr lang="ja-JP" altLang="en-US" sz="1400"/>
-              <a:t>間違っています。</a:t>
-            </a:r>
-            <a:endParaRPr lang="en-US" altLang="ja-JP" sz="1400"/>
-          </a:p>
-          <a:p>
-            <a:endParaRPr lang="en-US" altLang="ja-JP" sz="1400"/>
-          </a:p>
-          <a:p>
-            <a:r>
-              <a:rPr lang="ja-JP" altLang="en-US" sz="1400"/>
-              <a:t>「少ない行で表現」することが、コード全体の設計の見通しをよくする、という発想です。</a:t>
-            </a:r>
-            <a:endParaRPr lang="en-US" altLang="ja-JP" sz="1400"/>
-          </a:p>
-          <a:p>
-            <a:endParaRPr lang="en-US" altLang="ja-JP" sz="1400"/>
-          </a:p>
-          <a:p>
-            <a:endParaRPr lang="en-US" altLang="ja-JP" sz="1400"/>
-          </a:p>
-          <a:p>
-            <a:endParaRPr lang="en-US" altLang="ja-JP" sz="1400"/>
-          </a:p>
-          <a:p>
-            <a:r>
-              <a:rPr lang="ja-JP" altLang="en-US" sz="1400"/>
-              <a:t>因みに以下のようにすると、年齢が</a:t>
-            </a:r>
-            <a:r>
-              <a:rPr lang="en-US" altLang="ja-JP" sz="1400"/>
-              <a:t>17</a:t>
-            </a:r>
-            <a:r>
-              <a:rPr lang="ja-JP" altLang="en-US" sz="1400"/>
-              <a:t>歳未満の</a:t>
-            </a:r>
-            <a:r>
-              <a:rPr lang="en-US" altLang="ja-JP" sz="1400"/>
-              <a:t>Vtuber</a:t>
-            </a:r>
-            <a:r>
-              <a:rPr lang="ja-JP" altLang="en-US" sz="1400"/>
-              <a:t>を抽出したリストを作成します。</a:t>
-            </a:r>
-            <a:endParaRPr lang="en-US" altLang="ja-JP" sz="1400"/>
-          </a:p>
-          <a:p>
-            <a:endParaRPr lang="en-US" altLang="ja-JP" sz="1400"/>
-          </a:p>
-          <a:p>
-            <a:r>
-              <a:rPr lang="ja-JP" altLang="en-US" sz="1400"/>
-              <a:t>　</a:t>
-            </a:r>
-            <a:r>
-              <a:rPr lang="en-US" altLang="ja-JP" sz="1400"/>
-              <a:t>vtuber_list = [vtuber </a:t>
-            </a:r>
-            <a:r>
-              <a:rPr lang="en-US" altLang="ja-JP" sz="1400" b="1"/>
-              <a:t>for</a:t>
-            </a:r>
-            <a:r>
-              <a:rPr lang="en-US" altLang="ja-JP" sz="1400"/>
-              <a:t> vtuber </a:t>
-            </a:r>
-            <a:r>
-              <a:rPr lang="en-US" altLang="ja-JP" sz="1400" b="1"/>
-              <a:t>in</a:t>
-            </a:r>
-            <a:r>
-              <a:rPr lang="en-US" altLang="ja-JP" sz="1400"/>
-              <a:t> vtuber_list </a:t>
-            </a:r>
-            <a:r>
-              <a:rPr lang="en-US" altLang="ja-JP" sz="1400" b="1"/>
-              <a:t>if</a:t>
-            </a:r>
-            <a:r>
-              <a:rPr lang="en-US" altLang="ja-JP" sz="1400"/>
-              <a:t> vtuber[‘age’] &lt; 17]</a:t>
-            </a:r>
-          </a:p>
-          <a:p>
-            <a:endParaRPr lang="en-US" altLang="ja-JP" sz="1400"/>
-          </a:p>
-          <a:p>
-            <a:r>
-              <a:rPr lang="ja-JP" altLang="en-US" sz="1400"/>
-              <a:t>このように「配列を特定の条件により絞り込む」際にもリスト内包表記はよく使用されます。</a:t>
-            </a:r>
-            <a:endParaRPr lang="en-US" altLang="ja-JP" sz="1400"/>
-          </a:p>
-          <a:p>
+            <a:r>
+              <a:rPr lang="ja-JP" altLang="en-US" sz="1400"/>
+              <a:t>４コアのパワーを使うと、１コア８スレッドで動作するよりもさらに高速に処理が完了します。</a:t>
+            </a:r>
             <a:endParaRPr lang="en-US" altLang="ja-JP" sz="1400"/>
           </a:p>
         </p:txBody>
@@ -48224,7 +47560,7 @@
     </p:spTree>
     <p:extLst>
       <p:ext uri="{BB962C8B-B14F-4D97-AF65-F5344CB8AC3E}">
-        <p14:creationId xmlns:p14="http://schemas.microsoft.com/office/powerpoint/2010/main" val="3290405913"/>
+        <p14:creationId xmlns:p14="http://schemas.microsoft.com/office/powerpoint/2010/main" val="4065412594"/>
       </p:ext>
     </p:extLst>
   </p:cSld>
@@ -48280,12 +47616,8 @@
           <a:lstStyle/>
           <a:p>
             <a:r>
-              <a:rPr lang="en-US" altLang="ja-JP"/>
-              <a:t>Python</a:t>
-            </a:r>
-            <a:r>
               <a:rPr lang="ja-JP" altLang="en-US"/>
-              <a:t>構文</a:t>
+              <a:t>並列実行：マルチプロセス</a:t>
             </a:r>
             <a:endParaRPr lang="en-US" altLang="ja-JP"/>
           </a:p>
@@ -48309,216 +47641,295 @@
         </p:nvSpPr>
         <p:spPr>
           <a:xfrm>
-            <a:off x="364452" y="946727"/>
-            <a:ext cx="9152899" cy="2597662"/>
+            <a:off x="376550" y="926122"/>
+            <a:ext cx="9152899" cy="5697416"/>
           </a:xfrm>
         </p:spPr>
         <p:txBody>
           <a:bodyPr bIns="0">
-            <a:normAutofit/>
+            <a:noAutofit/>
           </a:bodyPr>
           <a:lstStyle/>
           <a:p>
             <a:r>
               <a:rPr lang="ja-JP" altLang="en-US" sz="1400" b="1"/>
-              <a:t>文字列処理</a:t>
+              <a:t>マルチプロセス実装</a:t>
             </a:r>
             <a:endParaRPr lang="en-US" altLang="ja-JP" sz="1400" b="1"/>
           </a:p>
           <a:p>
-            <a:endParaRPr lang="en-US" altLang="ja-JP" sz="1200" b="1"/>
-          </a:p>
-          <a:p>
-            <a:r>
-              <a:rPr lang="ja-JP" altLang="en-US" sz="1200"/>
+            <a:r>
+              <a:rPr lang="ja-JP" altLang="en-US" sz="1400"/>
               <a:t>　</a:t>
             </a:r>
             <a:r>
-              <a:rPr lang="en-US" altLang="ja-JP" sz="1200"/>
-              <a:t>name = “</a:t>
-            </a:r>
-            <a:r>
-              <a:rPr lang="ja-JP" altLang="en-US" sz="1200"/>
-              <a:t>輝夜月</a:t>
-            </a:r>
-            <a:r>
-              <a:rPr lang="en-US" altLang="ja-JP" sz="1200"/>
+              <a:rPr lang="en-US" altLang="ja-JP" sz="1400"/>
+              <a:t>from concurrent.futures import </a:t>
+            </a:r>
+            <a:r>
+              <a:rPr lang="en-US" altLang="ja-JP" sz="1400" b="1"/>
+              <a:t>ProcessPoolExecutor</a:t>
+            </a:r>
+          </a:p>
+          <a:p>
+            <a:endParaRPr lang="en-US" altLang="ja-JP" sz="1400"/>
+          </a:p>
+          <a:p>
+            <a:r>
+              <a:rPr lang="ja-JP" altLang="en-US" sz="1400"/>
+              <a:t>　</a:t>
+            </a:r>
+            <a:r>
+              <a:rPr lang="en-US" altLang="ja-JP" sz="1400"/>
+              <a:t>ret_values = []</a:t>
+            </a:r>
+          </a:p>
+          <a:p>
+            <a:r>
+              <a:rPr lang="ja-JP" altLang="en-US" sz="1400"/>
+              <a:t>　</a:t>
+            </a:r>
+            <a:r>
+              <a:rPr lang="en-US" altLang="ja-JP" sz="1400"/>
+              <a:t>with </a:t>
+            </a:r>
+            <a:r>
+              <a:rPr lang="en-US" altLang="ja-JP" sz="1400" b="1"/>
+              <a:t>ProcessPoolExecutor</a:t>
+            </a:r>
+            <a:r>
+              <a:rPr lang="en-US" altLang="ja-JP" sz="1400"/>
+              <a:t>() as executor:</a:t>
+            </a:r>
+            <a:r>
+              <a:rPr lang="ja-JP" altLang="en-US" sz="1400"/>
+              <a:t>　　　　引数</a:t>
+            </a:r>
+            <a:r>
+              <a:rPr lang="en-US" altLang="ja-JP" sz="1400"/>
+              <a:t>max_workers</a:t>
+            </a:r>
+            <a:r>
+              <a:rPr lang="ja-JP" altLang="en-US" sz="1400"/>
+              <a:t>を指定しないと自動で全コア使用</a:t>
+            </a:r>
+            <a:endParaRPr lang="en-US" altLang="ja-JP" sz="1400"/>
+          </a:p>
+          <a:p>
+            <a:r>
+              <a:rPr lang="ja-JP" altLang="en-US" sz="1400"/>
+              <a:t>　　</a:t>
+            </a:r>
+            <a:r>
+              <a:rPr lang="en-US" altLang="ja-JP" sz="1400"/>
+              <a:t>for n in range(len(vtubers)):</a:t>
+            </a:r>
+          </a:p>
+          <a:p>
+            <a:r>
+              <a:rPr lang="ja-JP" altLang="en-US" sz="1400"/>
+              <a:t>　　　</a:t>
+            </a:r>
+            <a:r>
+              <a:rPr lang="en-US" altLang="ja-JP" sz="1400"/>
+              <a:t>ret_value = executor.</a:t>
+            </a:r>
+            <a:r>
+              <a:rPr lang="en-US" altLang="ja-JP" sz="1400" b="1"/>
+              <a:t>submit</a:t>
+            </a:r>
+            <a:r>
+              <a:rPr lang="en-US" altLang="ja-JP" sz="1400"/>
+              <a:t>(self._profile, vtubers[n])</a:t>
+            </a:r>
+          </a:p>
+          <a:p>
+            <a:r>
+              <a:rPr lang="ja-JP" altLang="en-US" sz="1400"/>
+              <a:t>　　　</a:t>
+            </a:r>
+            <a:r>
+              <a:rPr lang="en-US" altLang="ja-JP" sz="1400"/>
+              <a:t>ret_values.append(ret_value)</a:t>
+            </a:r>
+          </a:p>
+          <a:p>
+            <a:endParaRPr lang="en-US" altLang="ja-JP" sz="1400"/>
+          </a:p>
+          <a:p>
+            <a:r>
+              <a:rPr lang="ja-JP" altLang="en-US" sz="1400"/>
+              <a:t>　</a:t>
+            </a:r>
+            <a:r>
+              <a:rPr lang="en-US" altLang="ja-JP" sz="1400"/>
+              <a:t>vtuber_updated = []</a:t>
+            </a:r>
+          </a:p>
+          <a:p>
+            <a:r>
+              <a:rPr lang="ja-JP" altLang="en-US" sz="1400"/>
+              <a:t>　</a:t>
+            </a:r>
+            <a:r>
+              <a:rPr lang="en-US" altLang="ja-JP" sz="1400"/>
+              <a:t>for r in ret_values:</a:t>
+            </a:r>
+          </a:p>
+          <a:p>
+            <a:r>
+              <a:rPr lang="ja-JP" altLang="en-US" sz="1400"/>
+              <a:t>　　</a:t>
+            </a:r>
+            <a:r>
+              <a:rPr lang="en-US" altLang="ja-JP" sz="1400"/>
+              <a:t>vtuber_updated.append(r.</a:t>
+            </a:r>
+            <a:r>
+              <a:rPr lang="en-US" altLang="ja-JP" sz="1400" b="1"/>
+              <a:t>result</a:t>
+            </a:r>
+            <a:r>
+              <a:rPr lang="en-US" altLang="ja-JP" sz="1400"/>
+              <a:t>())</a:t>
+            </a:r>
+          </a:p>
+          <a:p>
+            <a:endParaRPr lang="en-US" altLang="ja-JP" sz="1400"/>
+          </a:p>
+          <a:p>
+            <a:r>
+              <a:rPr lang="en-US" altLang="ja-JP" sz="1400"/>
+              <a:t>ProcessPoolExecutor</a:t>
+            </a:r>
+            <a:r>
+              <a:rPr lang="ja-JP" altLang="en-US" sz="1400"/>
+              <a:t>モジュールは、</a:t>
+            </a:r>
+            <a:r>
+              <a:rPr lang="en-US" altLang="ja-JP" sz="1400"/>
+              <a:t>ThreadPoolExecutor</a:t>
+            </a:r>
+            <a:r>
+              <a:rPr lang="ja-JP" altLang="en-US" sz="1400"/>
+              <a:t>と全く同じインタフェースを持っています。</a:t>
+            </a:r>
+            <a:endParaRPr lang="en-US" altLang="ja-JP" sz="1400"/>
+          </a:p>
+          <a:p>
+            <a:r>
+              <a:rPr lang="ja-JP" altLang="en-US" sz="1400"/>
+              <a:t>つまり、マルチスレッドかマルチプロセスなのか、その違いを</a:t>
+            </a:r>
+            <a:r>
+              <a:rPr lang="ja-JP" altLang="en-US" sz="1400" b="1"/>
+              <a:t>ほぼ意識せずに</a:t>
+            </a:r>
+            <a:r>
+              <a:rPr lang="ja-JP" altLang="en-US" sz="1400"/>
+              <a:t>実装できます。</a:t>
+            </a:r>
+            <a:endParaRPr lang="en-US" altLang="ja-JP" sz="1400"/>
+          </a:p>
+          <a:p>
+            <a:endParaRPr lang="en-US" altLang="ja-JP" sz="1400"/>
+          </a:p>
+          <a:p>
+            <a:r>
+              <a:rPr lang="ja-JP" altLang="en-US" sz="1400"/>
+              <a:t>ただし、実行したい関数は複数の異なるプロセス空間で並列実行されるので、マルチスレッドのようには</a:t>
+            </a:r>
+            <a:endParaRPr lang="en-US" altLang="ja-JP" sz="1400"/>
+          </a:p>
+          <a:p>
+            <a:r>
+              <a:rPr lang="ja-JP" altLang="en-US" sz="1400"/>
+              <a:t>データ共有できません。</a:t>
+            </a:r>
+            <a:r>
+              <a:rPr lang="en-US" altLang="ja-JP" sz="1400"/>
               <a:t>(</a:t>
             </a:r>
             <a:r>
-              <a:rPr lang="ja-JP" altLang="en-US" sz="1200"/>
-              <a:t>かぐやるな</a:t>
-            </a:r>
-            <a:r>
-              <a:rPr lang="en-US" altLang="ja-JP" sz="1200"/>
-              <a:t>)”</a:t>
-            </a:r>
-          </a:p>
-          <a:p>
-            <a:r>
-              <a:rPr lang="ja-JP" altLang="en-US" sz="1200"/>
-              <a:t>　</a:t>
-            </a:r>
-            <a:r>
-              <a:rPr lang="en-US" altLang="ja-JP" sz="1200"/>
-              <a:t>name = </a:t>
-            </a:r>
-            <a:r>
-              <a:rPr lang="en-US" altLang="ja-JP" sz="1200" err="1"/>
-              <a:t>name.split</a:t>
-            </a:r>
-            <a:r>
-              <a:rPr lang="en-US" altLang="ja-JP" sz="1200"/>
-              <a:t>(‘(’)[0]</a:t>
-            </a:r>
-          </a:p>
-          <a:p>
-            <a:endParaRPr lang="en-US" altLang="ja-JP" sz="1200"/>
-          </a:p>
-          <a:p>
-            <a:r>
-              <a:rPr lang="ja-JP" altLang="en-US" sz="1200"/>
-              <a:t>　</a:t>
-            </a:r>
-            <a:r>
-              <a:rPr lang="en-US" altLang="ja-JP" sz="1200"/>
-              <a:t>split</a:t>
-            </a:r>
-            <a:r>
-              <a:rPr lang="ja-JP" altLang="en-US" sz="1200"/>
-              <a:t>は本講座のコードでよく使用します。上記コードでは文字列を</a:t>
-            </a:r>
-            <a:endParaRPr lang="en-US" altLang="ja-JP" sz="1200"/>
-          </a:p>
-          <a:p>
-            <a:r>
-              <a:rPr lang="ja-JP" altLang="en-US" sz="1200"/>
-              <a:t>　</a:t>
-            </a:r>
-            <a:r>
-              <a:rPr lang="en-US" altLang="ja-JP" sz="1200"/>
-              <a:t>“</a:t>
-            </a:r>
-            <a:r>
-              <a:rPr lang="ja-JP" altLang="en-US" sz="1200"/>
-              <a:t>輝夜月</a:t>
-            </a:r>
-            <a:r>
-              <a:rPr lang="en-US" altLang="ja-JP" sz="1200"/>
-              <a:t>”</a:t>
-            </a:r>
-            <a:r>
-              <a:rPr lang="ja-JP" altLang="en-US" sz="1200"/>
-              <a:t>と、</a:t>
-            </a:r>
-            <a:r>
-              <a:rPr lang="en-US" altLang="ja-JP" sz="1200"/>
-              <a:t>”(</a:t>
-            </a:r>
-            <a:r>
-              <a:rPr lang="ja-JP" altLang="en-US" sz="1200"/>
-              <a:t>かぐやるな</a:t>
-            </a:r>
-            <a:r>
-              <a:rPr lang="en-US" altLang="ja-JP" sz="1200"/>
-              <a:t>)”</a:t>
-            </a:r>
-            <a:r>
-              <a:rPr lang="ja-JP" altLang="en-US" sz="1200"/>
-              <a:t>に分離</a:t>
-            </a:r>
-            <a:r>
-              <a:rPr lang="en-US" altLang="ja-JP" sz="1200"/>
-              <a:t>(split)</a:t>
-            </a:r>
-            <a:r>
-              <a:rPr lang="ja-JP" altLang="en-US" sz="1200"/>
-              <a:t>して、</a:t>
-            </a:r>
-            <a:r>
-              <a:rPr lang="en-US" altLang="ja-JP" sz="1200"/>
-              <a:t>”</a:t>
-            </a:r>
-            <a:r>
-              <a:rPr lang="ja-JP" altLang="en-US" sz="1200"/>
-              <a:t>輝夜月</a:t>
-            </a:r>
-            <a:r>
-              <a:rPr lang="en-US" altLang="ja-JP" sz="1200"/>
-              <a:t>”</a:t>
-            </a:r>
-            <a:r>
-              <a:rPr lang="ja-JP" altLang="en-US" sz="1200"/>
-              <a:t>のみ残します。</a:t>
-            </a:r>
-            <a:endParaRPr lang="en-US" altLang="ja-JP" sz="1200"/>
-          </a:p>
-          <a:p>
-            <a:endParaRPr lang="en-US" altLang="ja-JP" sz="1200"/>
-          </a:p>
-          <a:p>
-            <a:r>
-              <a:rPr lang="ja-JP" altLang="en-US" sz="1200"/>
-              <a:t>　</a:t>
-            </a:r>
-            <a:r>
-              <a:rPr lang="en-US" altLang="ja-JP" sz="1200"/>
-              <a:t>DB</a:t>
-            </a:r>
-            <a:r>
-              <a:rPr lang="ja-JP" altLang="en-US" sz="1200"/>
-              <a:t>に登録する</a:t>
-            </a:r>
-            <a:r>
-              <a:rPr lang="en-US" altLang="ja-JP" sz="1200" err="1"/>
-              <a:t>Vtuber</a:t>
-            </a:r>
-            <a:r>
-              <a:rPr lang="ja-JP" altLang="en-US" sz="1200"/>
-              <a:t>の名称は他のサイトのスクレイピングに使用するキーでもあり、</a:t>
-            </a:r>
-            <a:endParaRPr lang="en-US" altLang="ja-JP" sz="1200"/>
-          </a:p>
-          <a:p>
-            <a:r>
-              <a:rPr lang="ja-JP" altLang="en-US" sz="1200"/>
-              <a:t>　</a:t>
-            </a:r>
-            <a:r>
-              <a:rPr lang="en-US" altLang="ja-JP" sz="1200"/>
-              <a:t> “</a:t>
-            </a:r>
-            <a:r>
-              <a:rPr lang="ja-JP" altLang="en-US" sz="1200"/>
-              <a:t>輝夜月</a:t>
-            </a:r>
-            <a:r>
-              <a:rPr lang="en-US" altLang="ja-JP" sz="1200"/>
-              <a:t>(</a:t>
-            </a:r>
-            <a:r>
-              <a:rPr lang="ja-JP" altLang="en-US" sz="1200"/>
-              <a:t>かぐやるな</a:t>
-            </a:r>
-            <a:r>
-              <a:rPr lang="en-US" altLang="ja-JP" sz="1200"/>
-              <a:t>)”</a:t>
-            </a:r>
-            <a:r>
-              <a:rPr lang="ja-JP" altLang="en-US" sz="1200"/>
-              <a:t>のままでは、「何が一致したら」を識別しにくいからです。</a:t>
-            </a:r>
-            <a:endParaRPr lang="en-US" altLang="ja-JP" sz="1200"/>
-          </a:p>
-          <a:p>
-            <a:endParaRPr lang="en-US" altLang="ja-JP" sz="1200"/>
+              <a:rPr lang="ja-JP" altLang="en-US" sz="1400"/>
+              <a:t>引数で渡している</a:t>
+            </a:r>
+            <a:r>
+              <a:rPr lang="en-US" altLang="ja-JP" sz="1400"/>
+              <a:t>vtubers[n]</a:t>
+            </a:r>
+            <a:r>
+              <a:rPr lang="ja-JP" altLang="en-US" sz="1400"/>
+              <a:t>はプロセス間通信でコピーが転送されるので、</a:t>
+            </a:r>
+            <a:endParaRPr lang="en-US" altLang="ja-JP" sz="1400"/>
+          </a:p>
+          <a:p>
+            <a:r>
+              <a:rPr lang="en-US" altLang="ja-JP" sz="1400"/>
+              <a:t>self._profile</a:t>
+            </a:r>
+            <a:r>
+              <a:rPr lang="ja-JP" altLang="en-US" sz="1400"/>
+              <a:t>関数内で編集しても元の</a:t>
+            </a:r>
+            <a:r>
+              <a:rPr lang="en-US" altLang="ja-JP" sz="1400"/>
+              <a:t>vtubers</a:t>
+            </a:r>
+            <a:r>
+              <a:rPr lang="ja-JP" altLang="en-US" sz="1400"/>
+              <a:t>には反映されない</a:t>
+            </a:r>
+            <a:r>
+              <a:rPr lang="en-US" altLang="ja-JP" sz="1400"/>
+              <a:t>)</a:t>
+            </a:r>
+          </a:p>
+          <a:p>
+            <a:endParaRPr lang="en-US" altLang="ja-JP" sz="1400"/>
+          </a:p>
+          <a:p>
+            <a:r>
+              <a:rPr lang="en-US" altLang="ja-JP" sz="1400"/>
+              <a:t>ProcessPoolExecutor</a:t>
+            </a:r>
+            <a:r>
+              <a:rPr lang="ja-JP" altLang="en-US" sz="1400"/>
+              <a:t>は引数同様、関数の戻り値もプロセス間通信で転送してくれるので、この値を</a:t>
+            </a:r>
+            <a:endParaRPr lang="en-US" altLang="ja-JP" sz="1400"/>
+          </a:p>
+          <a:p>
+            <a:r>
+              <a:rPr lang="ja-JP" altLang="en-US" sz="1400"/>
+              <a:t>参照するために、戻り値を</a:t>
+            </a:r>
+            <a:r>
+              <a:rPr lang="en-US" altLang="ja-JP" sz="1400"/>
+              <a:t>result()</a:t>
+            </a:r>
+            <a:r>
+              <a:rPr lang="ja-JP" altLang="en-US" sz="1400"/>
+              <a:t>で抽出します。これが唯一、マルチプロセスを意識したコードです。</a:t>
+            </a:r>
+            <a:endParaRPr lang="en-US" altLang="ja-JP" sz="1400"/>
+          </a:p>
+          <a:p>
+            <a:endParaRPr lang="en-US" altLang="ja-JP" sz="1400"/>
+          </a:p>
+          <a:p>
+            <a:endParaRPr lang="en-US" altLang="ja-JP" sz="1400"/>
+          </a:p>
+          <a:p>
+            <a:endParaRPr lang="en-US" altLang="ja-JP" sz="1400"/>
           </a:p>
         </p:txBody>
       </p:sp>
     </p:spTree>
     <p:extLst>
       <p:ext uri="{BB962C8B-B14F-4D97-AF65-F5344CB8AC3E}">
-        <p14:creationId xmlns:p14="http://schemas.microsoft.com/office/powerpoint/2010/main" val="41646437"/>
+        <p14:creationId xmlns:p14="http://schemas.microsoft.com/office/powerpoint/2010/main" val="690345029"/>
       </p:ext>
     </p:extLst>
   </p:cSld>
@@ -48574,16 +47985,12 @@
           <a:lstStyle/>
           <a:p>
             <a:r>
+              <a:rPr lang="en-US" altLang="ja-JP"/>
+              <a:t>Python</a:t>
+            </a:r>
+            <a:r>
               <a:rPr lang="ja-JP" altLang="en-US"/>
-              <a:t>付録：</a:t>
-            </a:r>
-            <a:r>
-              <a:rPr lang="en-US" altLang="ja-JP"/>
-              <a:t>python</a:t>
-            </a:r>
-            <a:r>
-              <a:rPr lang="ja-JP" altLang="en-US"/>
-              <a:t>命名規則</a:t>
+              <a:t>構文</a:t>
             </a:r>
             <a:endParaRPr lang="en-US" altLang="ja-JP"/>
           </a:p>
@@ -48591,10 +47998,10 @@
       </p:sp>
       <p:sp>
         <p:nvSpPr>
-          <p:cNvPr id="7" name="コンテンツ プレースホルダー 2">
+          <p:cNvPr id="3" name="コンテンツ プレースホルダー 2">
             <a:extLst>
               <a:ext uri="{FF2B5EF4-FFF2-40B4-BE49-F238E27FC236}">
-                <a16:creationId xmlns:a16="http://schemas.microsoft.com/office/drawing/2014/main" id="{339C9E61-6010-4948-8404-64E87D18C580}"/>
+                <a16:creationId xmlns:a16="http://schemas.microsoft.com/office/drawing/2014/main" id="{A973634B-96E7-4756-AB63-0C0F5DA89897}"/>
               </a:ext>
             </a:extLst>
           </p:cNvPr>
@@ -48607,8 +48014,8 @@
         </p:nvSpPr>
         <p:spPr>
           <a:xfrm>
-            <a:off x="376550" y="1009418"/>
-            <a:ext cx="9152899" cy="621544"/>
+            <a:off x="364452" y="946727"/>
+            <a:ext cx="9152899" cy="5715330"/>
           </a:xfrm>
         </p:spPr>
         <p:txBody>
@@ -48618,68 +48025,1246 @@
           <a:lstStyle/>
           <a:p>
             <a:r>
-              <a:rPr lang="ja-JP" altLang="en-US"/>
-              <a:t>コーディングの際の命名規則は以下に沿っています。</a:t>
-            </a:r>
-            <a:endParaRPr lang="en-US" altLang="ja-JP"/>
-          </a:p>
-          <a:p>
-            <a:r>
-              <a:rPr lang="ja-JP" altLang="en-US"/>
-              <a:t>参考：</a:t>
-            </a:r>
-            <a:r>
-              <a:rPr lang="en-US" altLang="ja-JP"/>
-              <a:t>https://qiita.com/naomi7325/items/4eb1d2a40277361e898b</a:t>
-            </a:r>
-          </a:p>
-          <a:p>
-            <a:endParaRPr lang="en-US" altLang="ja-JP"/>
+              <a:rPr lang="ja-JP" altLang="en-US" sz="1400"/>
+              <a:t>本講習のコードを読み解くために、いくつか</a:t>
+            </a:r>
+            <a:r>
+              <a:rPr lang="en-US" altLang="ja-JP" sz="1400"/>
+              <a:t>python</a:t>
+            </a:r>
+            <a:r>
+              <a:rPr lang="ja-JP" altLang="en-US" sz="1400"/>
+              <a:t>の構文について説明しておきます。</a:t>
+            </a:r>
+            <a:endParaRPr lang="en-US" altLang="ja-JP" sz="1400"/>
+          </a:p>
+          <a:p>
+            <a:endParaRPr lang="en-US" altLang="ja-JP" sz="1400"/>
+          </a:p>
+          <a:p>
+            <a:r>
+              <a:rPr lang="ja-JP" altLang="en-US" sz="1400" b="1"/>
+              <a:t>例外処理</a:t>
+            </a:r>
+            <a:endParaRPr lang="en-US" altLang="ja-JP" sz="1400" b="1"/>
+          </a:p>
+          <a:p>
+            <a:r>
+              <a:rPr lang="ja-JP" altLang="en-US" sz="1200"/>
+              <a:t>　例外処理は文字通り、例外が発生する箇所で実装する。</a:t>
+            </a:r>
+            <a:endParaRPr lang="en-US" altLang="ja-JP" sz="1200"/>
+          </a:p>
+          <a:p>
+            <a:endParaRPr lang="en-US" altLang="ja-JP" sz="1200"/>
+          </a:p>
+          <a:p>
+            <a:r>
+              <a:rPr lang="ja-JP" altLang="en-US" sz="1200"/>
+              <a:t>　</a:t>
+            </a:r>
+            <a:r>
+              <a:rPr lang="en-US" altLang="ja-JP" sz="1200"/>
+              <a:t>(</a:t>
+            </a:r>
+            <a:r>
+              <a:rPr lang="ja-JP" altLang="en-US" sz="1200"/>
+              <a:t>例</a:t>
+            </a:r>
+            <a:r>
+              <a:rPr lang="en-US" altLang="ja-JP" sz="1200"/>
+              <a:t>) </a:t>
+            </a:r>
+            <a:r>
+              <a:rPr lang="ja-JP" altLang="en-US" sz="1200"/>
+              <a:t>引数で受け取ったテキストを変換して年齢を返す関数</a:t>
+            </a:r>
+            <a:endParaRPr lang="en-US" altLang="ja-JP" sz="1200"/>
+          </a:p>
+          <a:p>
+            <a:endParaRPr lang="en-US" altLang="ja-JP" sz="1200"/>
+          </a:p>
+          <a:p>
+            <a:r>
+              <a:rPr lang="en-US" altLang="ja-JP" sz="1200"/>
+              <a:t>       def </a:t>
+            </a:r>
+            <a:r>
+              <a:rPr lang="en-US" altLang="ja-JP" sz="1200" err="1"/>
+              <a:t>get_age</a:t>
+            </a:r>
+            <a:r>
+              <a:rPr lang="en-US" altLang="ja-JP" sz="1200"/>
+              <a:t>(text):</a:t>
+            </a:r>
+          </a:p>
+          <a:p>
+            <a:r>
+              <a:rPr lang="en-US" altLang="ja-JP" sz="1200"/>
+              <a:t>           if text = ‘</a:t>
+            </a:r>
+            <a:r>
+              <a:rPr lang="ja-JP" altLang="en-US" sz="1200"/>
+              <a:t>高校２年生</a:t>
+            </a:r>
+            <a:r>
+              <a:rPr lang="en-US" altLang="ja-JP" sz="1200"/>
+              <a:t>’:</a:t>
+            </a:r>
+          </a:p>
+          <a:p>
+            <a:r>
+              <a:rPr lang="en-US" altLang="ja-JP" sz="1200"/>
+              <a:t>              return 17</a:t>
+            </a:r>
+          </a:p>
+          <a:p>
+            <a:r>
+              <a:rPr lang="en-US" altLang="ja-JP" sz="1200"/>
+              <a:t>           </a:t>
+            </a:r>
+            <a:r>
+              <a:rPr lang="en-US" altLang="ja-JP" sz="1200" err="1"/>
+              <a:t>elif</a:t>
+            </a:r>
+            <a:r>
+              <a:rPr lang="en-US" altLang="ja-JP" sz="1200"/>
+              <a:t> text = ‘</a:t>
+            </a:r>
+            <a:r>
+              <a:rPr lang="ja-JP" altLang="en-US" sz="1200"/>
+              <a:t>大卒</a:t>
+            </a:r>
+            <a:r>
+              <a:rPr lang="en-US" altLang="ja-JP" sz="1200"/>
+              <a:t>3</a:t>
+            </a:r>
+            <a:r>
+              <a:rPr lang="ja-JP" altLang="en-US" sz="1200"/>
+              <a:t>年目</a:t>
+            </a:r>
+            <a:r>
+              <a:rPr lang="en-US" altLang="ja-JP" sz="1200"/>
+              <a:t>’:</a:t>
+            </a:r>
+          </a:p>
+          <a:p>
+            <a:r>
+              <a:rPr lang="en-US" altLang="ja-JP" sz="1200"/>
+              <a:t>              return 25</a:t>
+            </a:r>
+          </a:p>
+          <a:p>
+            <a:r>
+              <a:rPr lang="en-US" altLang="ja-JP" sz="1200"/>
+              <a:t>           else:</a:t>
+            </a:r>
+          </a:p>
+          <a:p>
+            <a:r>
+              <a:rPr lang="en-US" altLang="ja-JP" sz="1200"/>
+              <a:t>              raise </a:t>
+            </a:r>
+            <a:r>
+              <a:rPr lang="en-US" altLang="ja-JP" sz="1200" err="1"/>
+              <a:t>UnknowTextError</a:t>
+            </a:r>
+            <a:r>
+              <a:rPr lang="en-US" altLang="ja-JP" sz="1200"/>
+              <a:t>   </a:t>
+            </a:r>
+            <a:r>
+              <a:rPr lang="en-US" altLang="ja-JP" sz="1200">
+                <a:sym typeface="Wingdings" panose="05000000000000000000" pitchFamily="2" charset="2"/>
+              </a:rPr>
+              <a:t> </a:t>
+            </a:r>
+            <a:r>
+              <a:rPr lang="ja-JP" altLang="en-US" sz="1200">
+                <a:sym typeface="Wingdings" panose="05000000000000000000" pitchFamily="2" charset="2"/>
+              </a:rPr>
+              <a:t>例外発行</a:t>
+            </a:r>
+            <a:endParaRPr lang="en-US" altLang="ja-JP" sz="1200">
+              <a:sym typeface="Wingdings" panose="05000000000000000000" pitchFamily="2" charset="2"/>
+            </a:endParaRPr>
+          </a:p>
+          <a:p>
+            <a:endParaRPr lang="en-US" altLang="ja-JP" sz="1400">
+              <a:sym typeface="Wingdings" panose="05000000000000000000" pitchFamily="2" charset="2"/>
+            </a:endParaRPr>
+          </a:p>
+          <a:p>
+            <a:r>
+              <a:rPr lang="ja-JP" altLang="en-US" sz="1200">
+                <a:sym typeface="Wingdings" panose="05000000000000000000" pitchFamily="2" charset="2"/>
+              </a:rPr>
+              <a:t>　仕様上、必ず年齢を表すテキストが渡されるのであれば、処理できないテキストが</a:t>
+            </a:r>
+            <a:br>
+              <a:rPr lang="en-US" altLang="ja-JP" sz="1200">
+                <a:sym typeface="Wingdings" panose="05000000000000000000" pitchFamily="2" charset="2"/>
+              </a:rPr>
+            </a:br>
+            <a:r>
+              <a:rPr lang="ja-JP" altLang="en-US" sz="1200">
+                <a:sym typeface="Wingdings" panose="05000000000000000000" pitchFamily="2" charset="2"/>
+              </a:rPr>
+              <a:t>　渡された時点で例外を発行する。</a:t>
+            </a:r>
+            <a:endParaRPr lang="en-US" altLang="ja-JP" sz="1200">
+              <a:sym typeface="Wingdings" panose="05000000000000000000" pitchFamily="2" charset="2"/>
+            </a:endParaRPr>
+          </a:p>
+          <a:p>
+            <a:endParaRPr lang="en-US" altLang="ja-JP" sz="1400">
+              <a:sym typeface="Wingdings" panose="05000000000000000000" pitchFamily="2" charset="2"/>
+            </a:endParaRPr>
+          </a:p>
+          <a:p>
+            <a:r>
+              <a:rPr lang="ja-JP" altLang="en-US" sz="1200">
+                <a:sym typeface="Wingdings" panose="05000000000000000000" pitchFamily="2" charset="2"/>
+              </a:rPr>
+              <a:t>　年齢を解析できないテキストも「仕様上やってくる」のであれば想定内なので</a:t>
+            </a:r>
+            <a:endParaRPr lang="en-US" altLang="ja-JP" sz="1200">
+              <a:sym typeface="Wingdings" panose="05000000000000000000" pitchFamily="2" charset="2"/>
+            </a:endParaRPr>
+          </a:p>
+          <a:p>
+            <a:r>
+              <a:rPr lang="ja-JP" altLang="en-US" sz="1200">
+                <a:sym typeface="Wingdings" panose="05000000000000000000" pitchFamily="2" charset="2"/>
+              </a:rPr>
+              <a:t>　例外を使うべきではない。</a:t>
+            </a:r>
+            <a:endParaRPr lang="en-US" altLang="ja-JP" sz="1200">
+              <a:sym typeface="Wingdings" panose="05000000000000000000" pitchFamily="2" charset="2"/>
+            </a:endParaRPr>
+          </a:p>
+          <a:p>
+            <a:r>
+              <a:rPr lang="en-US" altLang="ja-JP" sz="1200">
+                <a:sym typeface="Wingdings" panose="05000000000000000000" pitchFamily="2" charset="2"/>
+              </a:rPr>
+              <a:t>        def </a:t>
+            </a:r>
+            <a:r>
+              <a:rPr lang="en-US" altLang="ja-JP" sz="1200" err="1">
+                <a:sym typeface="Wingdings" panose="05000000000000000000" pitchFamily="2" charset="2"/>
+              </a:rPr>
+              <a:t>get_age</a:t>
+            </a:r>
+            <a:r>
+              <a:rPr lang="en-US" altLang="ja-JP" sz="1200">
+                <a:sym typeface="Wingdings" panose="05000000000000000000" pitchFamily="2" charset="2"/>
+              </a:rPr>
+              <a:t>(text):</a:t>
+            </a:r>
+          </a:p>
+          <a:p>
+            <a:r>
+              <a:rPr lang="en-US" altLang="ja-JP" sz="1200">
+                <a:sym typeface="Wingdings" panose="05000000000000000000" pitchFamily="2" charset="2"/>
+              </a:rPr>
+              <a:t>            if text = ‘</a:t>
+            </a:r>
+            <a:r>
+              <a:rPr lang="ja-JP" altLang="en-US" sz="1200">
+                <a:sym typeface="Wingdings" panose="05000000000000000000" pitchFamily="2" charset="2"/>
+              </a:rPr>
+              <a:t>おじさん</a:t>
+            </a:r>
+            <a:r>
+              <a:rPr lang="en-US" altLang="ja-JP" sz="1200">
+                <a:sym typeface="Wingdings" panose="05000000000000000000" pitchFamily="2" charset="2"/>
+              </a:rPr>
+              <a:t>’:</a:t>
+            </a:r>
+          </a:p>
+          <a:p>
+            <a:r>
+              <a:rPr lang="en-US" altLang="ja-JP" sz="1200">
+                <a:sym typeface="Wingdings" panose="05000000000000000000" pitchFamily="2" charset="2"/>
+              </a:rPr>
+              <a:t>               return (-1)</a:t>
+            </a:r>
+          </a:p>
+          <a:p>
+            <a:r>
+              <a:rPr lang="ja-JP" altLang="en-US" sz="1200">
+                <a:sym typeface="Wingdings" panose="05000000000000000000" pitchFamily="2" charset="2"/>
+              </a:rPr>
+              <a:t>　この場合、例えば年齢</a:t>
+            </a:r>
+            <a:r>
+              <a:rPr lang="en-US" altLang="ja-JP" sz="1200">
+                <a:sym typeface="Wingdings" panose="05000000000000000000" pitchFamily="2" charset="2"/>
+              </a:rPr>
+              <a:t>DB</a:t>
+            </a:r>
+            <a:r>
+              <a:rPr lang="ja-JP" altLang="en-US" sz="1200">
+                <a:sym typeface="Wingdings" panose="05000000000000000000" pitchFamily="2" charset="2"/>
+              </a:rPr>
+              <a:t>には</a:t>
+            </a:r>
+            <a:r>
+              <a:rPr lang="en-US" altLang="ja-JP" sz="1200">
+                <a:sym typeface="Wingdings" panose="05000000000000000000" pitchFamily="2" charset="2"/>
+              </a:rPr>
+              <a:t>(-1)</a:t>
+            </a:r>
+            <a:r>
+              <a:rPr lang="ja-JP" altLang="en-US" sz="1200">
+                <a:sym typeface="Wingdings" panose="05000000000000000000" pitchFamily="2" charset="2"/>
+              </a:rPr>
+              <a:t>が格納され、年齢不詳データとして扱われる。</a:t>
+            </a:r>
+            <a:endParaRPr lang="en-US" altLang="ja-JP" sz="1200">
+              <a:sym typeface="Wingdings" panose="05000000000000000000" pitchFamily="2" charset="2"/>
+            </a:endParaRPr>
+          </a:p>
+          <a:p>
+            <a:endParaRPr lang="en-US" altLang="ja-JP" sz="1800">
+              <a:sym typeface="Wingdings" panose="05000000000000000000" pitchFamily="2" charset="2"/>
+            </a:endParaRPr>
+          </a:p>
+          <a:p>
+            <a:endParaRPr lang="en-US" altLang="ja-JP" sz="1800"/>
           </a:p>
         </p:txBody>
       </p:sp>
-      <p:pic>
-        <p:nvPicPr>
-          <p:cNvPr id="6" name="図 5">
+    </p:spTree>
+    <p:extLst>
+      <p:ext uri="{BB962C8B-B14F-4D97-AF65-F5344CB8AC3E}">
+        <p14:creationId xmlns:p14="http://schemas.microsoft.com/office/powerpoint/2010/main" val="2150411790"/>
+      </p:ext>
+    </p:extLst>
+  </p:cSld>
+  <p:clrMapOvr>
+    <a:masterClrMapping/>
+  </p:clrMapOvr>
+</p:sld>
+</file>
+
+<file path=ppt/slides/slide68.xml><?xml version="1.0" encoding="utf-8"?>
+<p:sld xmlns:a="http://schemas.openxmlformats.org/drawingml/2006/main" xmlns:r="http://schemas.openxmlformats.org/officeDocument/2006/relationships" xmlns:p="http://schemas.openxmlformats.org/presentationml/2006/main">
+  <p:cSld>
+    <p:spTree>
+      <p:nvGrpSpPr>
+        <p:cNvPr id="1" name=""/>
+        <p:cNvGrpSpPr/>
+        <p:nvPr/>
+      </p:nvGrpSpPr>
+      <p:grpSpPr>
+        <a:xfrm>
+          <a:off x="0" y="0"/>
+          <a:ext cx="0" cy="0"/>
+          <a:chOff x="0" y="0"/>
+          <a:chExt cx="0" cy="0"/>
+        </a:xfrm>
+      </p:grpSpPr>
+      <p:sp>
+        <p:nvSpPr>
+          <p:cNvPr id="2" name="タイトル 1">
             <a:extLst>
               <a:ext uri="{FF2B5EF4-FFF2-40B4-BE49-F238E27FC236}">
-                <a16:creationId xmlns:a16="http://schemas.microsoft.com/office/drawing/2014/main" id="{72113DC6-EDD0-496C-82AC-017732F4A52E}"/>
+                <a16:creationId xmlns:a16="http://schemas.microsoft.com/office/drawing/2014/main" id="{F6F57572-EAE8-4321-9010-0491517A72A2}"/>
               </a:ext>
             </a:extLst>
           </p:cNvPr>
-          <p:cNvPicPr>
-            <a:picLocks noChangeAspect="1"/>
-          </p:cNvPicPr>
-          <p:nvPr/>
-        </p:nvPicPr>
-        <p:blipFill>
-          <a:blip r:embed="rId2">
-            <a:lum/>
-            <a:alphaModFix/>
-          </a:blip>
-          <a:srcRect/>
-          <a:stretch>
-            <a:fillRect/>
-          </a:stretch>
-        </p:blipFill>
+          <p:cNvSpPr>
+            <a:spLocks noGrp="1"/>
+          </p:cNvSpPr>
+          <p:nvPr>
+            <p:ph type="title"/>
+          </p:nvPr>
+        </p:nvSpPr>
         <p:spPr>
           <a:xfrm>
-            <a:off x="945923" y="1894421"/>
-            <a:ext cx="3637397" cy="4085267"/>
+            <a:off x="364452" y="290033"/>
+            <a:ext cx="9145066" cy="455926"/>
           </a:xfrm>
-          <a:prstGeom prst="rect">
-            <a:avLst/>
-          </a:prstGeom>
-          <a:noFill/>
-          <a:ln cap="flat">
-            <a:noFill/>
-          </a:ln>
         </p:spPr>
-      </p:pic>
+        <p:txBody>
+          <a:bodyPr>
+            <a:normAutofit/>
+          </a:bodyPr>
+          <a:lstStyle/>
+          <a:p>
+            <a:r>
+              <a:rPr lang="en-US" altLang="ja-JP"/>
+              <a:t>Python</a:t>
+            </a:r>
+            <a:r>
+              <a:rPr lang="ja-JP" altLang="en-US"/>
+              <a:t>構文</a:t>
+            </a:r>
+            <a:endParaRPr lang="en-US" altLang="ja-JP"/>
+          </a:p>
+        </p:txBody>
+      </p:sp>
+      <p:sp>
+        <p:nvSpPr>
+          <p:cNvPr id="3" name="コンテンツ プレースホルダー 2">
+            <a:extLst>
+              <a:ext uri="{FF2B5EF4-FFF2-40B4-BE49-F238E27FC236}">
+                <a16:creationId xmlns:a16="http://schemas.microsoft.com/office/drawing/2014/main" id="{A973634B-96E7-4756-AB63-0C0F5DA89897}"/>
+              </a:ext>
+            </a:extLst>
+          </p:cNvPr>
+          <p:cNvSpPr>
+            <a:spLocks noGrp="1"/>
+          </p:cNvSpPr>
+          <p:nvPr>
+            <p:ph idx="1"/>
+          </p:nvPr>
+        </p:nvSpPr>
+        <p:spPr>
+          <a:xfrm>
+            <a:off x="364452" y="946727"/>
+            <a:ext cx="9152899" cy="5621240"/>
+          </a:xfrm>
+        </p:spPr>
+        <p:txBody>
+          <a:bodyPr bIns="0">
+            <a:normAutofit lnSpcReduction="10000"/>
+          </a:bodyPr>
+          <a:lstStyle/>
+          <a:p>
+            <a:r>
+              <a:rPr lang="ja-JP" altLang="en-US"/>
+              <a:t>　</a:t>
+            </a:r>
+            <a:r>
+              <a:rPr lang="ja-JP" altLang="en-US" sz="1300"/>
+              <a:t>例外処理は基本的に例外が発生しうる箇所を括る。</a:t>
+            </a:r>
+            <a:br>
+              <a:rPr lang="en-US" altLang="ja-JP" sz="1300"/>
+            </a:br>
+            <a:endParaRPr lang="en-US" altLang="ja-JP"/>
+          </a:p>
+          <a:p>
+            <a:r>
+              <a:rPr lang="ja-JP" altLang="en-US" sz="1300"/>
+              <a:t>　</a:t>
+            </a:r>
+            <a:r>
+              <a:rPr lang="en-US" altLang="ja-JP" sz="1300"/>
+              <a:t>try:</a:t>
+            </a:r>
+          </a:p>
+          <a:p>
+            <a:r>
+              <a:rPr lang="en-US" altLang="ja-JP" sz="1300"/>
+              <a:t>    </a:t>
+            </a:r>
+            <a:r>
+              <a:rPr lang="ja-JP" altLang="en-US" sz="1300"/>
+              <a:t>　</a:t>
+            </a:r>
+            <a:r>
+              <a:rPr lang="en-US" altLang="ja-JP" sz="1300">
+                <a:solidFill>
+                  <a:srgbClr val="FF0000"/>
+                </a:solidFill>
+              </a:rPr>
+              <a:t>html</a:t>
+            </a:r>
+            <a:r>
+              <a:rPr lang="en-US" altLang="ja-JP" sz="1300"/>
+              <a:t> = </a:t>
+            </a:r>
+            <a:r>
+              <a:rPr lang="en-US" altLang="ja-JP" sz="1300" err="1"/>
+              <a:t>urlopen</a:t>
+            </a:r>
+            <a:r>
+              <a:rPr lang="en-US" altLang="ja-JP" sz="1300"/>
+              <a:t>(‘http://www.pythonscraping.com/pages/page1.html‘)</a:t>
+            </a:r>
+          </a:p>
+          <a:p>
+            <a:r>
+              <a:rPr lang="ja-JP" altLang="en-US" sz="1300"/>
+              <a:t>　</a:t>
+            </a:r>
+            <a:r>
+              <a:rPr lang="en-US" altLang="ja-JP" sz="1300"/>
+              <a:t>except </a:t>
+            </a:r>
+            <a:r>
+              <a:rPr lang="en-US" altLang="ja-JP" sz="1300" err="1"/>
+              <a:t>HTTPError</a:t>
+            </a:r>
+            <a:r>
+              <a:rPr lang="en-US" altLang="ja-JP" sz="1300"/>
+              <a:t> as ex:</a:t>
+            </a:r>
+          </a:p>
+          <a:p>
+            <a:r>
+              <a:rPr lang="en-US" altLang="ja-JP" sz="1300"/>
+              <a:t>   </a:t>
+            </a:r>
+            <a:r>
+              <a:rPr lang="ja-JP" altLang="en-US" sz="1300"/>
+              <a:t>　</a:t>
+            </a:r>
+            <a:r>
+              <a:rPr lang="en-US" altLang="ja-JP" sz="1300"/>
+              <a:t> print(ex)</a:t>
+            </a:r>
+          </a:p>
+          <a:p>
+            <a:r>
+              <a:rPr lang="ja-JP" altLang="en-US" sz="1300"/>
+              <a:t>　</a:t>
+            </a:r>
+            <a:r>
+              <a:rPr lang="en-US" altLang="ja-JP" sz="1300"/>
+              <a:t>else:</a:t>
+            </a:r>
+          </a:p>
+          <a:p>
+            <a:r>
+              <a:rPr lang="ja-JP" altLang="en-US" sz="1300"/>
+              <a:t>   　 </a:t>
+            </a:r>
+            <a:r>
+              <a:rPr lang="en-US" altLang="ja-JP" sz="1300"/>
+              <a:t>bs = </a:t>
+            </a:r>
+            <a:r>
+              <a:rPr lang="en-US" altLang="ja-JP" sz="1300" err="1"/>
+              <a:t>BeautifulSoup</a:t>
+            </a:r>
+            <a:r>
+              <a:rPr lang="en-US" altLang="ja-JP" sz="1300"/>
+              <a:t>(</a:t>
+            </a:r>
+            <a:r>
+              <a:rPr lang="en-US" altLang="ja-JP" sz="1300" err="1">
+                <a:solidFill>
+                  <a:srgbClr val="FF0000"/>
+                </a:solidFill>
+              </a:rPr>
+              <a:t>html</a:t>
+            </a:r>
+            <a:r>
+              <a:rPr lang="en-US" altLang="ja-JP" sz="1300" err="1"/>
+              <a:t>.read</a:t>
+            </a:r>
+            <a:r>
+              <a:rPr lang="en-US" altLang="ja-JP" sz="1300"/>
+              <a:t>(), ‘</a:t>
+            </a:r>
+            <a:r>
+              <a:rPr lang="en-US" altLang="ja-JP" sz="1300" err="1"/>
+              <a:t>html.parser</a:t>
+            </a:r>
+            <a:r>
+              <a:rPr lang="en-US" altLang="ja-JP" sz="1300"/>
+              <a:t>’)</a:t>
+            </a:r>
+          </a:p>
+          <a:p>
+            <a:endParaRPr lang="en-US" altLang="ja-JP" sz="1300"/>
+          </a:p>
+          <a:p>
+            <a:r>
+              <a:rPr lang="ja-JP" altLang="en-US" sz="1300"/>
+              <a:t>　大抵、例外が発生する構文の後には、その構文の結果を使用した正常処理が継続する。</a:t>
+            </a:r>
+            <a:endParaRPr lang="en-US" altLang="ja-JP" sz="1300"/>
+          </a:p>
+          <a:p>
+            <a:r>
+              <a:rPr lang="ja-JP" altLang="en-US" sz="1300"/>
+              <a:t>　この正常処理を</a:t>
+            </a:r>
+            <a:r>
+              <a:rPr lang="en-US" altLang="ja-JP" sz="1300"/>
+              <a:t>else</a:t>
+            </a:r>
+            <a:r>
+              <a:rPr lang="ja-JP" altLang="en-US" sz="1300"/>
+              <a:t>句の中に記述する。</a:t>
+            </a:r>
+            <a:endParaRPr lang="en-US" altLang="ja-JP" sz="1300"/>
+          </a:p>
+          <a:p>
+            <a:endParaRPr lang="en-US" altLang="ja-JP" sz="1300"/>
+          </a:p>
+          <a:p>
+            <a:r>
+              <a:rPr lang="ja-JP" altLang="en-US" sz="1300"/>
+              <a:t>　継続する処理でも異なる例外が発生するのであれば、素直に</a:t>
+            </a:r>
+            <a:r>
+              <a:rPr lang="en-US" altLang="ja-JP" sz="1300"/>
+              <a:t>try</a:t>
+            </a:r>
+            <a:r>
+              <a:rPr lang="ja-JP" altLang="en-US" sz="1300"/>
+              <a:t>ブロックを分けるのも可。</a:t>
+            </a:r>
+            <a:endParaRPr lang="en-US" altLang="ja-JP" sz="1300"/>
+          </a:p>
+          <a:p>
+            <a:endParaRPr lang="en-US" altLang="ja-JP" sz="1300"/>
+          </a:p>
+          <a:p>
+            <a:r>
+              <a:rPr lang="ja-JP" altLang="en-US" sz="1300"/>
+              <a:t>　</a:t>
+            </a:r>
+            <a:r>
+              <a:rPr lang="en-US" altLang="ja-JP" sz="1300"/>
+              <a:t>try:</a:t>
+            </a:r>
+          </a:p>
+          <a:p>
+            <a:r>
+              <a:rPr lang="en-US" altLang="ja-JP" sz="1300"/>
+              <a:t>   </a:t>
+            </a:r>
+            <a:r>
+              <a:rPr lang="ja-JP" altLang="en-US" sz="1300"/>
+              <a:t>　</a:t>
+            </a:r>
+            <a:r>
+              <a:rPr lang="en-US" altLang="ja-JP" sz="1300"/>
+              <a:t> html = </a:t>
+            </a:r>
+            <a:r>
+              <a:rPr lang="en-US" altLang="ja-JP" sz="1300" err="1"/>
+              <a:t>urlopen</a:t>
+            </a:r>
+            <a:r>
+              <a:rPr lang="en-US" altLang="ja-JP" sz="1300"/>
+              <a:t>(‘http://www.pythonscraping.com/pages/page1.html‘)</a:t>
+            </a:r>
+          </a:p>
+          <a:p>
+            <a:r>
+              <a:rPr lang="ja-JP" altLang="en-US" sz="1300"/>
+              <a:t>　</a:t>
+            </a:r>
+            <a:r>
+              <a:rPr lang="en-US" altLang="ja-JP" sz="1300"/>
+              <a:t>except </a:t>
+            </a:r>
+            <a:r>
+              <a:rPr lang="en-US" altLang="ja-JP" sz="1300" err="1">
+                <a:solidFill>
+                  <a:srgbClr val="FF0000"/>
+                </a:solidFill>
+              </a:rPr>
+              <a:t>HTTPError</a:t>
+            </a:r>
+            <a:r>
+              <a:rPr lang="en-US" altLang="ja-JP" sz="1300"/>
+              <a:t> as ex:</a:t>
+            </a:r>
+          </a:p>
+          <a:p>
+            <a:r>
+              <a:rPr lang="en-US" altLang="ja-JP" sz="1300"/>
+              <a:t>   </a:t>
+            </a:r>
+            <a:r>
+              <a:rPr lang="ja-JP" altLang="en-US" sz="1300"/>
+              <a:t>　</a:t>
+            </a:r>
+            <a:r>
+              <a:rPr lang="en-US" altLang="ja-JP" sz="1300"/>
+              <a:t> print(ex)</a:t>
+            </a:r>
+          </a:p>
+          <a:p>
+            <a:r>
+              <a:rPr lang="ja-JP" altLang="en-US" sz="1300"/>
+              <a:t>　</a:t>
+            </a:r>
+            <a:r>
+              <a:rPr lang="en-US" altLang="ja-JP" sz="1300"/>
+              <a:t>    return xxx  ( or raise xxx)</a:t>
+            </a:r>
+          </a:p>
+          <a:p>
+            <a:endParaRPr lang="en-US" altLang="ja-JP" sz="1300"/>
+          </a:p>
+          <a:p>
+            <a:r>
+              <a:rPr lang="ja-JP" altLang="en-US" sz="1300"/>
+              <a:t>　</a:t>
+            </a:r>
+            <a:r>
+              <a:rPr lang="en-US" altLang="ja-JP" sz="1300"/>
+              <a:t>try:</a:t>
+            </a:r>
+          </a:p>
+          <a:p>
+            <a:r>
+              <a:rPr lang="en-US" altLang="ja-JP" sz="1300"/>
+              <a:t>   </a:t>
+            </a:r>
+            <a:r>
+              <a:rPr lang="ja-JP" altLang="en-US" sz="1300"/>
+              <a:t>　</a:t>
+            </a:r>
+            <a:r>
+              <a:rPr lang="en-US" altLang="ja-JP" sz="1300"/>
+              <a:t> bs = </a:t>
+            </a:r>
+            <a:r>
+              <a:rPr lang="en-US" altLang="ja-JP" sz="1300" err="1"/>
+              <a:t>BeautifulSoup</a:t>
+            </a:r>
+            <a:r>
+              <a:rPr lang="en-US" altLang="ja-JP" sz="1300"/>
+              <a:t>(</a:t>
+            </a:r>
+            <a:r>
+              <a:rPr lang="en-US" altLang="ja-JP" sz="1300" err="1"/>
+              <a:t>html.read</a:t>
+            </a:r>
+            <a:r>
+              <a:rPr lang="en-US" altLang="ja-JP" sz="1300"/>
+              <a:t>(), ‘</a:t>
+            </a:r>
+            <a:r>
+              <a:rPr lang="en-US" altLang="ja-JP" sz="1300" err="1"/>
+              <a:t>html.parser</a:t>
+            </a:r>
+            <a:r>
+              <a:rPr lang="en-US" altLang="ja-JP" sz="1300"/>
+              <a:t>’)</a:t>
+            </a:r>
+            <a:br>
+              <a:rPr lang="en-US" altLang="ja-JP" sz="1300"/>
+            </a:br>
+            <a:r>
+              <a:rPr lang="ja-JP" altLang="en-US" sz="1300"/>
+              <a:t>　</a:t>
+            </a:r>
+            <a:r>
+              <a:rPr lang="en-US" altLang="ja-JP" sz="1300"/>
+              <a:t>except </a:t>
+            </a:r>
+            <a:r>
+              <a:rPr lang="en-US" altLang="ja-JP" sz="1300" err="1">
+                <a:solidFill>
+                  <a:srgbClr val="FF0000"/>
+                </a:solidFill>
+              </a:rPr>
+              <a:t>AttributeError</a:t>
+            </a:r>
+            <a:r>
+              <a:rPr lang="en-US" altLang="ja-JP" sz="1300"/>
+              <a:t>:</a:t>
+            </a:r>
+          </a:p>
+          <a:p>
+            <a:r>
+              <a:rPr lang="en-US" altLang="ja-JP" sz="1300"/>
+              <a:t>   </a:t>
+            </a:r>
+            <a:r>
+              <a:rPr lang="ja-JP" altLang="en-US" sz="1300"/>
+              <a:t>　</a:t>
+            </a:r>
+            <a:r>
+              <a:rPr lang="en-US" altLang="ja-JP" sz="1300"/>
+              <a:t> print(ex)</a:t>
+            </a:r>
+          </a:p>
+        </p:txBody>
+      </p:sp>
     </p:spTree>
     <p:extLst>
       <p:ext uri="{BB962C8B-B14F-4D97-AF65-F5344CB8AC3E}">
-        <p14:creationId xmlns:p14="http://schemas.microsoft.com/office/powerpoint/2010/main" val="805745684"/>
+        <p14:creationId xmlns:p14="http://schemas.microsoft.com/office/powerpoint/2010/main" val="2907185395"/>
+      </p:ext>
+    </p:extLst>
+  </p:cSld>
+  <p:clrMapOvr>
+    <a:masterClrMapping/>
+  </p:clrMapOvr>
+</p:sld>
+</file>
+
+<file path=ppt/slides/slide69.xml><?xml version="1.0" encoding="utf-8"?>
+<p:sld xmlns:a="http://schemas.openxmlformats.org/drawingml/2006/main" xmlns:r="http://schemas.openxmlformats.org/officeDocument/2006/relationships" xmlns:p="http://schemas.openxmlformats.org/presentationml/2006/main">
+  <p:cSld>
+    <p:spTree>
+      <p:nvGrpSpPr>
+        <p:cNvPr id="1" name=""/>
+        <p:cNvGrpSpPr/>
+        <p:nvPr/>
+      </p:nvGrpSpPr>
+      <p:grpSpPr>
+        <a:xfrm>
+          <a:off x="0" y="0"/>
+          <a:ext cx="0" cy="0"/>
+          <a:chOff x="0" y="0"/>
+          <a:chExt cx="0" cy="0"/>
+        </a:xfrm>
+      </p:grpSpPr>
+      <p:sp>
+        <p:nvSpPr>
+          <p:cNvPr id="2" name="タイトル 1">
+            <a:extLst>
+              <a:ext uri="{FF2B5EF4-FFF2-40B4-BE49-F238E27FC236}">
+                <a16:creationId xmlns:a16="http://schemas.microsoft.com/office/drawing/2014/main" id="{F6F57572-EAE8-4321-9010-0491517A72A2}"/>
+              </a:ext>
+            </a:extLst>
+          </p:cNvPr>
+          <p:cNvSpPr>
+            <a:spLocks noGrp="1"/>
+          </p:cNvSpPr>
+          <p:nvPr>
+            <p:ph type="title"/>
+          </p:nvPr>
+        </p:nvSpPr>
+        <p:spPr>
+          <a:xfrm>
+            <a:off x="364452" y="290033"/>
+            <a:ext cx="9145066" cy="455926"/>
+          </a:xfrm>
+        </p:spPr>
+        <p:txBody>
+          <a:bodyPr>
+            <a:normAutofit/>
+          </a:bodyPr>
+          <a:lstStyle/>
+          <a:p>
+            <a:r>
+              <a:rPr lang="en-US" altLang="ja-JP"/>
+              <a:t>Python</a:t>
+            </a:r>
+            <a:r>
+              <a:rPr lang="ja-JP" altLang="en-US"/>
+              <a:t>構文</a:t>
+            </a:r>
+            <a:endParaRPr lang="en-US" altLang="ja-JP"/>
+          </a:p>
+        </p:txBody>
+      </p:sp>
+      <p:sp>
+        <p:nvSpPr>
+          <p:cNvPr id="3" name="コンテンツ プレースホルダー 2">
+            <a:extLst>
+              <a:ext uri="{FF2B5EF4-FFF2-40B4-BE49-F238E27FC236}">
+                <a16:creationId xmlns:a16="http://schemas.microsoft.com/office/drawing/2014/main" id="{A973634B-96E7-4756-AB63-0C0F5DA89897}"/>
+              </a:ext>
+            </a:extLst>
+          </p:cNvPr>
+          <p:cNvSpPr>
+            <a:spLocks noGrp="1"/>
+          </p:cNvSpPr>
+          <p:nvPr>
+            <p:ph idx="1"/>
+          </p:nvPr>
+        </p:nvSpPr>
+        <p:spPr>
+          <a:xfrm>
+            <a:off x="364452" y="946727"/>
+            <a:ext cx="9152899" cy="5621240"/>
+          </a:xfrm>
+        </p:spPr>
+        <p:txBody>
+          <a:bodyPr bIns="0">
+            <a:normAutofit/>
+          </a:bodyPr>
+          <a:lstStyle/>
+          <a:p>
+            <a:r>
+              <a:rPr lang="ja-JP" altLang="en-US" sz="1200"/>
+              <a:t>　一つの例外に包むことが望ましければ、以下の記述もあり。</a:t>
+            </a:r>
+            <a:endParaRPr lang="en-US" altLang="ja-JP" sz="1200"/>
+          </a:p>
+          <a:p>
+            <a:r>
+              <a:rPr lang="ja-JP" altLang="en-US" sz="1200"/>
+              <a:t>　</a:t>
+            </a:r>
+            <a:r>
+              <a:rPr lang="en-US" altLang="ja-JP" sz="1200"/>
+              <a:t>try:</a:t>
+            </a:r>
+          </a:p>
+          <a:p>
+            <a:r>
+              <a:rPr lang="ja-JP" altLang="en-US" sz="1200"/>
+              <a:t>　</a:t>
+            </a:r>
+            <a:r>
+              <a:rPr lang="en-US" altLang="ja-JP" sz="1200"/>
+              <a:t>    html = </a:t>
+            </a:r>
+            <a:r>
+              <a:rPr lang="en-US" altLang="ja-JP" sz="1200" err="1"/>
+              <a:t>urlopen</a:t>
+            </a:r>
+            <a:r>
+              <a:rPr lang="en-US" altLang="ja-JP" sz="1200"/>
+              <a:t>(‘http://www.pythonscraping.com/pages/page1.html‘)</a:t>
+            </a:r>
+          </a:p>
+          <a:p>
+            <a:r>
+              <a:rPr lang="ja-JP" altLang="en-US" sz="1200"/>
+              <a:t>　　 </a:t>
+            </a:r>
+            <a:r>
+              <a:rPr lang="en-US" altLang="ja-JP" sz="1200"/>
+              <a:t>bs = </a:t>
+            </a:r>
+            <a:r>
+              <a:rPr lang="en-US" altLang="ja-JP" sz="1200" err="1"/>
+              <a:t>BeautifulSoup</a:t>
+            </a:r>
+            <a:r>
+              <a:rPr lang="en-US" altLang="ja-JP" sz="1200"/>
+              <a:t>(</a:t>
+            </a:r>
+            <a:r>
+              <a:rPr lang="en-US" altLang="ja-JP" sz="1200" err="1"/>
+              <a:t>html.read</a:t>
+            </a:r>
+            <a:r>
+              <a:rPr lang="en-US" altLang="ja-JP" sz="1200"/>
+              <a:t>(), ‘</a:t>
+            </a:r>
+            <a:r>
+              <a:rPr lang="en-US" altLang="ja-JP" sz="1200" err="1"/>
+              <a:t>html.parser</a:t>
+            </a:r>
+            <a:r>
+              <a:rPr lang="en-US" altLang="ja-JP" sz="1200"/>
+              <a:t>’)</a:t>
+            </a:r>
+            <a:br>
+              <a:rPr lang="en-US" altLang="ja-JP" sz="1200"/>
+            </a:br>
+            <a:r>
+              <a:rPr lang="ja-JP" altLang="en-US" sz="1200"/>
+              <a:t>　</a:t>
+            </a:r>
+            <a:r>
+              <a:rPr lang="en-US" altLang="ja-JP" sz="1200"/>
+              <a:t>except (</a:t>
+            </a:r>
+            <a:r>
+              <a:rPr lang="en-US" altLang="ja-JP" sz="1200" err="1">
+                <a:solidFill>
+                  <a:srgbClr val="FF0000"/>
+                </a:solidFill>
+              </a:rPr>
+              <a:t>HTTPError</a:t>
+            </a:r>
+            <a:r>
+              <a:rPr lang="en-US" altLang="ja-JP" sz="1200"/>
+              <a:t>, </a:t>
+            </a:r>
+            <a:r>
+              <a:rPr lang="en-US" altLang="ja-JP" sz="1200" err="1">
+                <a:solidFill>
+                  <a:srgbClr val="FF0000"/>
+                </a:solidFill>
+              </a:rPr>
+              <a:t>AttributeError</a:t>
+            </a:r>
+            <a:r>
+              <a:rPr lang="en-US" altLang="ja-JP" sz="1200"/>
+              <a:t>) as ex:</a:t>
+            </a:r>
+          </a:p>
+          <a:p>
+            <a:r>
+              <a:rPr lang="ja-JP" altLang="en-US" sz="1200"/>
+              <a:t>　</a:t>
+            </a:r>
+            <a:r>
+              <a:rPr lang="en-US" altLang="ja-JP" sz="1200"/>
+              <a:t>    print(ex)</a:t>
+            </a:r>
+          </a:p>
+          <a:p>
+            <a:r>
+              <a:rPr lang="ja-JP" altLang="en-US" sz="1200"/>
+              <a:t>　</a:t>
+            </a:r>
+            <a:r>
+              <a:rPr lang="en-US" altLang="ja-JP" sz="1200"/>
+              <a:t>    #</a:t>
+            </a:r>
+            <a:r>
+              <a:rPr lang="ja-JP" altLang="en-US" sz="1200"/>
+              <a:t>どのエラーが発生したかを識別できるような処理</a:t>
+            </a:r>
+            <a:endParaRPr lang="en-US" altLang="ja-JP" sz="1200"/>
+          </a:p>
+          <a:p>
+            <a:endParaRPr lang="en-US" altLang="ja-JP" sz="1200"/>
+          </a:p>
+          <a:p>
+            <a:r>
+              <a:rPr lang="ja-JP" altLang="en-US" sz="1400" b="1"/>
+              <a:t>正規表現</a:t>
+            </a:r>
+            <a:endParaRPr lang="en-US" altLang="ja-JP" sz="1400" b="1"/>
+          </a:p>
+          <a:p>
+            <a:r>
+              <a:rPr lang="ja-JP" altLang="en-US" sz="1200"/>
+              <a:t>　抽出したテキストから適切に欲しいパラメータ、数値を取り出すために正規表現機能を使います。</a:t>
+            </a:r>
+            <a:endParaRPr lang="en-US" altLang="ja-JP" sz="1200"/>
+          </a:p>
+          <a:p>
+            <a:r>
+              <a:rPr lang="ja-JP" altLang="en-US" sz="1200"/>
+              <a:t>　正規表現機能は「特定のパターンに一致する文字列」を発見、抽出してくれます。</a:t>
+            </a:r>
+            <a:endParaRPr lang="en-US" altLang="ja-JP" sz="1200"/>
+          </a:p>
+          <a:p>
+            <a:endParaRPr lang="en-US" altLang="ja-JP" sz="1200"/>
+          </a:p>
+          <a:p>
+            <a:r>
+              <a:rPr lang="ja-JP" altLang="en-US" sz="1200"/>
+              <a:t>　（例</a:t>
+            </a:r>
+            <a:r>
+              <a:rPr lang="en-US" altLang="ja-JP" sz="1200"/>
+              <a:t>)</a:t>
+            </a:r>
+          </a:p>
+          <a:p>
+            <a:r>
+              <a:rPr lang="ja-JP" altLang="en-US" sz="1200"/>
+              <a:t>　　</a:t>
+            </a:r>
+            <a:r>
+              <a:rPr lang="en-US" altLang="ja-JP" sz="1200"/>
+              <a:t>import re                  # </a:t>
+            </a:r>
+            <a:r>
+              <a:rPr lang="ja-JP" altLang="en-US" sz="1200"/>
+              <a:t>正規表現ライブラリ</a:t>
+            </a:r>
+            <a:endParaRPr lang="en-US" altLang="ja-JP" sz="1200"/>
+          </a:p>
+          <a:p>
+            <a:r>
+              <a:rPr lang="ja-JP" altLang="en-US" sz="1200"/>
+              <a:t>　　</a:t>
+            </a:r>
+            <a:r>
+              <a:rPr lang="en-US" altLang="ja-JP" sz="1200"/>
+              <a:t>age = '</a:t>
+            </a:r>
+            <a:r>
+              <a:rPr lang="ja-JP" altLang="en-US" sz="1200"/>
+              <a:t>永遠の</a:t>
+            </a:r>
+            <a:r>
+              <a:rPr lang="en-US" altLang="ja-JP" sz="1200"/>
+              <a:t>17</a:t>
+            </a:r>
+            <a:r>
+              <a:rPr lang="ja-JP" altLang="en-US" sz="1200"/>
+              <a:t>歳</a:t>
+            </a:r>
+            <a:r>
+              <a:rPr lang="en-US" altLang="ja-JP" sz="1200"/>
+              <a:t>'</a:t>
+            </a:r>
+          </a:p>
+          <a:p>
+            <a:r>
+              <a:rPr lang="ja-JP" altLang="en-US" sz="1200"/>
+              <a:t>　　</a:t>
+            </a:r>
+            <a:r>
+              <a:rPr lang="en-US" altLang="ja-JP" sz="1200" err="1"/>
+              <a:t>re.search</a:t>
+            </a:r>
+            <a:r>
+              <a:rPr lang="en-US" altLang="ja-JP" sz="1200"/>
+              <a:t>('[0-9]{1,5}</a:t>
+            </a:r>
+            <a:r>
+              <a:rPr lang="ja-JP" altLang="en-US" sz="1200"/>
+              <a:t>歳</a:t>
+            </a:r>
+            <a:r>
+              <a:rPr lang="en-US" altLang="ja-JP" sz="1200"/>
+              <a:t>', age)</a:t>
+            </a:r>
+          </a:p>
+          <a:p>
+            <a:endParaRPr lang="en-US" altLang="ja-JP" sz="1200"/>
+          </a:p>
+          <a:p>
+            <a:r>
+              <a:rPr lang="ja-JP" altLang="en-US" sz="1200"/>
+              <a:t>　　上記のプログラムを実行すると以下の結果が得られます。</a:t>
+            </a:r>
+            <a:endParaRPr lang="en-US" altLang="ja-JP" sz="1200"/>
+          </a:p>
+          <a:p>
+            <a:r>
+              <a:rPr lang="ja-JP" altLang="en-US" sz="1200"/>
+              <a:t>　　</a:t>
+            </a:r>
+            <a:r>
+              <a:rPr lang="en-US" altLang="ja-JP" sz="1200"/>
+              <a:t> &lt;_</a:t>
+            </a:r>
+            <a:r>
+              <a:rPr lang="en-US" altLang="ja-JP" sz="1200" err="1"/>
+              <a:t>sre.SRE_Match</a:t>
+            </a:r>
+            <a:r>
+              <a:rPr lang="en-US" altLang="ja-JP" sz="1200"/>
+              <a:t> object; span=(3, 6), match='17</a:t>
+            </a:r>
+            <a:r>
+              <a:rPr lang="ja-JP" altLang="en-US" sz="1200"/>
+              <a:t>歳</a:t>
+            </a:r>
+            <a:r>
+              <a:rPr lang="en-US" altLang="ja-JP" sz="1200"/>
+              <a:t>’&gt;</a:t>
+            </a:r>
+          </a:p>
+          <a:p>
+            <a:r>
+              <a:rPr lang="ja-JP" altLang="en-US" sz="1200"/>
+              <a:t>　　つまり、スクレイピング結果を格納する</a:t>
+            </a:r>
+            <a:r>
+              <a:rPr lang="en-US" altLang="ja-JP" sz="1200"/>
+              <a:t>DB</a:t>
+            </a:r>
+            <a:r>
+              <a:rPr lang="ja-JP" altLang="en-US" sz="1200"/>
+              <a:t>には「</a:t>
+            </a:r>
+            <a:r>
+              <a:rPr lang="en-US" altLang="ja-JP" sz="1200"/>
+              <a:t>17</a:t>
+            </a:r>
+            <a:r>
+              <a:rPr lang="ja-JP" altLang="en-US" sz="1200"/>
+              <a:t>歳」として登録されます。</a:t>
+            </a:r>
+            <a:endParaRPr lang="en-US" altLang="ja-JP" sz="1200"/>
+          </a:p>
+          <a:p>
+            <a:endParaRPr lang="en-US" altLang="ja-JP" sz="1200"/>
+          </a:p>
+          <a:p>
+            <a:r>
+              <a:rPr lang="ja-JP" altLang="en-US" sz="1200"/>
+              <a:t>　　正規表現の説明</a:t>
+            </a:r>
+            <a:endParaRPr lang="en-US" altLang="ja-JP" sz="1200"/>
+          </a:p>
+          <a:p>
+            <a:r>
+              <a:rPr lang="ja-JP" altLang="en-US" sz="1200"/>
+              <a:t>　　　</a:t>
+            </a:r>
+            <a:r>
+              <a:rPr lang="en-US" altLang="ja-JP" sz="1200"/>
+              <a:t>[0-9] … 0</a:t>
+            </a:r>
+            <a:r>
+              <a:rPr lang="ja-JP" altLang="en-US" sz="1200"/>
+              <a:t>から</a:t>
+            </a:r>
+            <a:r>
+              <a:rPr lang="en-US" altLang="ja-JP" sz="1200"/>
+              <a:t>9</a:t>
+            </a:r>
+            <a:r>
+              <a:rPr lang="ja-JP" altLang="en-US" sz="1200"/>
+              <a:t>までの数値を使用している。</a:t>
+            </a:r>
+            <a:endParaRPr lang="en-US" altLang="ja-JP" sz="1200"/>
+          </a:p>
+          <a:p>
+            <a:r>
+              <a:rPr lang="en-US" altLang="ja-JP" sz="1200"/>
+              <a:t>   </a:t>
+            </a:r>
+            <a:r>
+              <a:rPr lang="ja-JP" altLang="en-US" sz="1200"/>
+              <a:t>　</a:t>
+            </a:r>
+            <a:r>
+              <a:rPr lang="en-US" altLang="ja-JP" sz="1200"/>
+              <a:t>   {1, 5} … </a:t>
+            </a:r>
+            <a:r>
+              <a:rPr lang="ja-JP" altLang="en-US" sz="1200"/>
+              <a:t>上記で指定した</a:t>
+            </a:r>
+            <a:r>
+              <a:rPr lang="en-US" altLang="ja-JP" sz="1200"/>
+              <a:t>0-9</a:t>
+            </a:r>
+            <a:r>
+              <a:rPr lang="ja-JP" altLang="en-US" sz="1200"/>
+              <a:t>までの数値が１～</a:t>
+            </a:r>
+            <a:r>
+              <a:rPr lang="en-US" altLang="ja-JP" sz="1200"/>
+              <a:t>5</a:t>
+            </a:r>
+            <a:r>
+              <a:rPr lang="ja-JP" altLang="en-US" sz="1200"/>
+              <a:t>個連続している。</a:t>
+            </a:r>
+            <a:endParaRPr lang="en-US" altLang="ja-JP" sz="1200"/>
+          </a:p>
+          <a:p>
+            <a:r>
+              <a:rPr lang="ja-JP" altLang="en-US" sz="1200"/>
+              <a:t>　　　歳</a:t>
+            </a:r>
+            <a:r>
+              <a:rPr lang="en-US" altLang="ja-JP" sz="1200"/>
+              <a:t>…</a:t>
+            </a:r>
+            <a:r>
+              <a:rPr lang="ja-JP" altLang="en-US" sz="1200"/>
+              <a:t>上記の後に文字「歳」が続く</a:t>
+            </a:r>
+            <a:endParaRPr lang="en-US" altLang="ja-JP" sz="1200"/>
+          </a:p>
+          <a:p>
+            <a:endParaRPr lang="en-US" altLang="ja-JP" sz="1200"/>
+          </a:p>
+          <a:p>
+            <a:endParaRPr lang="en-US" altLang="ja-JP"/>
+          </a:p>
+        </p:txBody>
+      </p:sp>
+    </p:spTree>
+    <p:extLst>
+      <p:ext uri="{BB962C8B-B14F-4D97-AF65-F5344CB8AC3E}">
+        <p14:creationId xmlns:p14="http://schemas.microsoft.com/office/powerpoint/2010/main" val="3817637621"/>
       </p:ext>
     </p:extLst>
   </p:cSld>
@@ -49147,6 +49732,1115 @@
     <p:extLst>
       <p:ext uri="{BB962C8B-B14F-4D97-AF65-F5344CB8AC3E}">
         <p14:creationId xmlns:p14="http://schemas.microsoft.com/office/powerpoint/2010/main" val="3548914693"/>
+      </p:ext>
+    </p:extLst>
+  </p:cSld>
+  <p:clrMapOvr>
+    <a:masterClrMapping/>
+  </p:clrMapOvr>
+</p:sld>
+</file>
+
+<file path=ppt/slides/slide70.xml><?xml version="1.0" encoding="utf-8"?>
+<p:sld xmlns:a="http://schemas.openxmlformats.org/drawingml/2006/main" xmlns:r="http://schemas.openxmlformats.org/officeDocument/2006/relationships" xmlns:p="http://schemas.openxmlformats.org/presentationml/2006/main">
+  <p:cSld>
+    <p:spTree>
+      <p:nvGrpSpPr>
+        <p:cNvPr id="1" name=""/>
+        <p:cNvGrpSpPr/>
+        <p:nvPr/>
+      </p:nvGrpSpPr>
+      <p:grpSpPr>
+        <a:xfrm>
+          <a:off x="0" y="0"/>
+          <a:ext cx="0" cy="0"/>
+          <a:chOff x="0" y="0"/>
+          <a:chExt cx="0" cy="0"/>
+        </a:xfrm>
+      </p:grpSpPr>
+      <p:sp>
+        <p:nvSpPr>
+          <p:cNvPr id="2" name="タイトル 1">
+            <a:extLst>
+              <a:ext uri="{FF2B5EF4-FFF2-40B4-BE49-F238E27FC236}">
+                <a16:creationId xmlns:a16="http://schemas.microsoft.com/office/drawing/2014/main" id="{F6F57572-EAE8-4321-9010-0491517A72A2}"/>
+              </a:ext>
+            </a:extLst>
+          </p:cNvPr>
+          <p:cNvSpPr>
+            <a:spLocks noGrp="1"/>
+          </p:cNvSpPr>
+          <p:nvPr>
+            <p:ph type="title"/>
+          </p:nvPr>
+        </p:nvSpPr>
+        <p:spPr>
+          <a:xfrm>
+            <a:off x="364452" y="290033"/>
+            <a:ext cx="9145066" cy="455926"/>
+          </a:xfrm>
+        </p:spPr>
+        <p:txBody>
+          <a:bodyPr>
+            <a:normAutofit/>
+          </a:bodyPr>
+          <a:lstStyle/>
+          <a:p>
+            <a:r>
+              <a:rPr lang="en-US" altLang="ja-JP"/>
+              <a:t>Python</a:t>
+            </a:r>
+            <a:r>
+              <a:rPr lang="ja-JP" altLang="en-US"/>
+              <a:t>構文：リスト内包表記</a:t>
+            </a:r>
+            <a:endParaRPr lang="en-US" altLang="ja-JP"/>
+          </a:p>
+        </p:txBody>
+      </p:sp>
+      <p:sp>
+        <p:nvSpPr>
+          <p:cNvPr id="3" name="コンテンツ プレースホルダー 2">
+            <a:extLst>
+              <a:ext uri="{FF2B5EF4-FFF2-40B4-BE49-F238E27FC236}">
+                <a16:creationId xmlns:a16="http://schemas.microsoft.com/office/drawing/2014/main" id="{A973634B-96E7-4756-AB63-0C0F5DA89897}"/>
+              </a:ext>
+            </a:extLst>
+          </p:cNvPr>
+          <p:cNvSpPr>
+            <a:spLocks noGrp="1"/>
+          </p:cNvSpPr>
+          <p:nvPr>
+            <p:ph idx="1"/>
+          </p:nvPr>
+        </p:nvSpPr>
+        <p:spPr>
+          <a:xfrm>
+            <a:off x="364452" y="946727"/>
+            <a:ext cx="9319479" cy="4964546"/>
+          </a:xfrm>
+        </p:spPr>
+        <p:txBody>
+          <a:bodyPr bIns="0">
+            <a:normAutofit/>
+          </a:bodyPr>
+          <a:lstStyle/>
+          <a:p>
+            <a:r>
+              <a:rPr lang="en-US" altLang="ja-JP" sz="1400"/>
+              <a:t>python</a:t>
+            </a:r>
+            <a:r>
+              <a:rPr lang="ja-JP" altLang="en-US" sz="1400"/>
+              <a:t>では「繰り返し処理をなるべく直感的、かつ、短く」記述したがります。（</a:t>
+            </a:r>
+            <a:r>
+              <a:rPr lang="en-US" altLang="ja-JP" sz="1400"/>
+              <a:t>pythonic</a:t>
+            </a:r>
+            <a:r>
+              <a:rPr lang="ja-JP" altLang="en-US" sz="1400"/>
+              <a:t>な文化）</a:t>
+            </a:r>
+            <a:endParaRPr lang="en-US" altLang="ja-JP" sz="1400"/>
+          </a:p>
+          <a:p>
+            <a:r>
+              <a:rPr lang="ja-JP" altLang="en-US" sz="1400"/>
+              <a:t>このために用意された</a:t>
+            </a:r>
+            <a:r>
+              <a:rPr lang="ja-JP" altLang="en-US" sz="1400" b="1"/>
+              <a:t>リスト内包表記</a:t>
+            </a:r>
+            <a:r>
+              <a:rPr lang="ja-JP" altLang="en-US" sz="1400"/>
+              <a:t>では、</a:t>
+            </a:r>
+            <a:r>
+              <a:rPr lang="ja-JP" altLang="en-US" sz="1400" b="1"/>
+              <a:t>一行</a:t>
+            </a:r>
+            <a:r>
+              <a:rPr lang="ja-JP" altLang="en-US" sz="1400"/>
+              <a:t>で繰り返し処理を表現します。</a:t>
+            </a:r>
+            <a:endParaRPr lang="en-US" altLang="ja-JP" sz="1400"/>
+          </a:p>
+          <a:p>
+            <a:endParaRPr lang="en-US" altLang="ja-JP" sz="1400"/>
+          </a:p>
+          <a:p>
+            <a:r>
+              <a:rPr lang="ja-JP" altLang="en-US" sz="1400"/>
+              <a:t>例えば以下の</a:t>
+            </a:r>
+            <a:r>
+              <a:rPr lang="en-US" altLang="ja-JP" sz="1400"/>
+              <a:t>for</a:t>
+            </a:r>
+            <a:r>
+              <a:rPr lang="ja-JP" altLang="en-US" sz="1400"/>
+              <a:t>ループがあったとします。</a:t>
+            </a:r>
+            <a:endParaRPr lang="en-US" altLang="ja-JP" sz="1400"/>
+          </a:p>
+          <a:p>
+            <a:endParaRPr lang="en-US" altLang="ja-JP" sz="1400"/>
+          </a:p>
+          <a:p>
+            <a:r>
+              <a:rPr lang="ja-JP" altLang="en-US" sz="1400" b="1"/>
+              <a:t>　</a:t>
+            </a:r>
+            <a:r>
+              <a:rPr lang="en-US" altLang="ja-JP" sz="1400" b="1"/>
+              <a:t>for</a:t>
+            </a:r>
+            <a:r>
+              <a:rPr lang="en-US" altLang="ja-JP" sz="1400"/>
+              <a:t> </a:t>
+            </a:r>
+            <a:r>
+              <a:rPr lang="en-US" altLang="ja-JP" sz="1400" err="1"/>
+              <a:t>vtuber</a:t>
+            </a:r>
+            <a:r>
+              <a:rPr lang="en-US" altLang="ja-JP" sz="1400"/>
+              <a:t> </a:t>
+            </a:r>
+            <a:r>
+              <a:rPr lang="en-US" altLang="ja-JP" sz="1400" b="1"/>
+              <a:t>in</a:t>
+            </a:r>
+            <a:r>
+              <a:rPr lang="en-US" altLang="ja-JP" sz="1400"/>
+              <a:t> </a:t>
+            </a:r>
+            <a:r>
+              <a:rPr lang="en-US" altLang="ja-JP" sz="1400" err="1"/>
+              <a:t>vtuber_list</a:t>
+            </a:r>
+            <a:r>
+              <a:rPr lang="en-US" altLang="ja-JP" sz="1400"/>
+              <a:t>:</a:t>
+            </a:r>
+          </a:p>
+          <a:p>
+            <a:r>
+              <a:rPr lang="ja-JP" altLang="en-US" sz="1400"/>
+              <a:t>　　</a:t>
+            </a:r>
+            <a:r>
+              <a:rPr lang="en-US" altLang="ja-JP" sz="1400"/>
+              <a:t>print(</a:t>
+            </a:r>
+            <a:r>
+              <a:rPr lang="en-US" altLang="ja-JP" sz="1400" err="1"/>
+              <a:t>vtuber</a:t>
+            </a:r>
+            <a:r>
+              <a:rPr lang="en-US" altLang="ja-JP" sz="1400"/>
+              <a:t>[‘name’])</a:t>
+            </a:r>
+          </a:p>
+          <a:p>
+            <a:endParaRPr lang="en-US" altLang="ja-JP" sz="1400"/>
+          </a:p>
+          <a:p>
+            <a:r>
+              <a:rPr lang="en-US" altLang="ja-JP" sz="1400"/>
+              <a:t>vtuber</a:t>
+            </a:r>
+            <a:r>
+              <a:rPr lang="en-US" altLang="ja-JP" sz="1400" err="1"/>
+              <a:t>_list</a:t>
+            </a:r>
+            <a:r>
+              <a:rPr lang="ja-JP" altLang="en-US" sz="1400"/>
+              <a:t>という配列（複数の</a:t>
+            </a:r>
+            <a:r>
+              <a:rPr lang="en-US" altLang="ja-JP" sz="1400"/>
+              <a:t>Vtuber</a:t>
+            </a:r>
+            <a:r>
+              <a:rPr lang="ja-JP" altLang="en-US" sz="1400"/>
+              <a:t>の名前格納）があり、配列から一個ずつデータを取り出して</a:t>
+            </a:r>
+            <a:endParaRPr lang="en-US" altLang="ja-JP" sz="1400"/>
+          </a:p>
+          <a:p>
+            <a:r>
+              <a:rPr lang="ja-JP" altLang="en-US" sz="1400"/>
+              <a:t>その名前を出力しています。</a:t>
+            </a:r>
+            <a:endParaRPr lang="en-US" altLang="ja-JP" sz="1400"/>
+          </a:p>
+          <a:p>
+            <a:endParaRPr lang="en-US" altLang="ja-JP" sz="1400"/>
+          </a:p>
+          <a:p>
+            <a:r>
+              <a:rPr lang="ja-JP" altLang="en-US" sz="1400"/>
+              <a:t>これがリスト内包表記を用いると、以下のようになります。</a:t>
+            </a:r>
+            <a:endParaRPr lang="en-US" altLang="ja-JP" sz="1400"/>
+          </a:p>
+          <a:p>
+            <a:endParaRPr lang="en-US" altLang="ja-JP" sz="1400"/>
+          </a:p>
+          <a:p>
+            <a:r>
+              <a:rPr lang="ja-JP" altLang="en-US" sz="1400"/>
+              <a:t>　</a:t>
+            </a:r>
+            <a:r>
+              <a:rPr lang="en-US" altLang="ja-JP" sz="1400"/>
+              <a:t> [print(</a:t>
+            </a:r>
+            <a:r>
+              <a:rPr lang="en-US" altLang="ja-JP" sz="1400" err="1"/>
+              <a:t>vtuber</a:t>
+            </a:r>
+            <a:r>
+              <a:rPr lang="en-US" altLang="ja-JP" sz="1400"/>
+              <a:t>[‘name’]) </a:t>
+            </a:r>
+            <a:r>
+              <a:rPr lang="en-US" altLang="ja-JP" sz="1400" b="1"/>
+              <a:t>for</a:t>
+            </a:r>
+            <a:r>
+              <a:rPr lang="en-US" altLang="ja-JP" sz="1400"/>
+              <a:t> </a:t>
+            </a:r>
+            <a:r>
+              <a:rPr lang="en-US" altLang="ja-JP" sz="1400" err="1"/>
+              <a:t>vtuber</a:t>
+            </a:r>
+            <a:r>
+              <a:rPr lang="en-US" altLang="ja-JP" sz="1400"/>
+              <a:t> </a:t>
+            </a:r>
+            <a:r>
+              <a:rPr lang="en-US" altLang="ja-JP" sz="1400" b="1"/>
+              <a:t>in</a:t>
+            </a:r>
+            <a:r>
+              <a:rPr lang="en-US" altLang="ja-JP" sz="1400"/>
+              <a:t> </a:t>
+            </a:r>
+            <a:r>
+              <a:rPr lang="en-US" altLang="ja-JP" sz="1400" err="1"/>
+              <a:t>vtuber_list</a:t>
+            </a:r>
+            <a:r>
+              <a:rPr lang="en-US" altLang="ja-JP" sz="1400"/>
+              <a:t>]</a:t>
+            </a:r>
+          </a:p>
+          <a:p>
+            <a:endParaRPr lang="en-US" altLang="ja-JP" sz="1400"/>
+          </a:p>
+          <a:p>
+            <a:r>
+              <a:rPr lang="en-US" altLang="ja-JP" sz="1400"/>
+              <a:t>[]</a:t>
+            </a:r>
+            <a:r>
+              <a:rPr lang="ja-JP" altLang="en-US" sz="1400"/>
+              <a:t>はプログラム言語一般の処理として配列に使うものですが、「配列＝繰り返しデータが格納されている」</a:t>
+            </a:r>
+            <a:endParaRPr lang="en-US" altLang="ja-JP" sz="1400"/>
+          </a:p>
+          <a:p>
+            <a:r>
+              <a:rPr lang="ja-JP" altLang="en-US" sz="1400"/>
+              <a:t>ということから転じて、「配列＝繰り返し処理ができる」という解釈が</a:t>
+            </a:r>
+            <a:r>
+              <a:rPr lang="en-US" altLang="ja-JP" sz="1400"/>
+              <a:t>python</a:t>
+            </a:r>
+            <a:r>
+              <a:rPr lang="ja-JP" altLang="en-US" sz="1400"/>
+              <a:t>では実装されています。</a:t>
+            </a:r>
+            <a:endParaRPr lang="en-US" altLang="ja-JP" sz="1400"/>
+          </a:p>
+        </p:txBody>
+      </p:sp>
+    </p:spTree>
+    <p:extLst>
+      <p:ext uri="{BB962C8B-B14F-4D97-AF65-F5344CB8AC3E}">
+        <p14:creationId xmlns:p14="http://schemas.microsoft.com/office/powerpoint/2010/main" val="3175323351"/>
+      </p:ext>
+    </p:extLst>
+  </p:cSld>
+  <p:clrMapOvr>
+    <a:masterClrMapping/>
+  </p:clrMapOvr>
+</p:sld>
+</file>
+
+<file path=ppt/slides/slide71.xml><?xml version="1.0" encoding="utf-8"?>
+<p:sld xmlns:a="http://schemas.openxmlformats.org/drawingml/2006/main" xmlns:r="http://schemas.openxmlformats.org/officeDocument/2006/relationships" xmlns:p="http://schemas.openxmlformats.org/presentationml/2006/main">
+  <p:cSld>
+    <p:spTree>
+      <p:nvGrpSpPr>
+        <p:cNvPr id="1" name=""/>
+        <p:cNvGrpSpPr/>
+        <p:nvPr/>
+      </p:nvGrpSpPr>
+      <p:grpSpPr>
+        <a:xfrm>
+          <a:off x="0" y="0"/>
+          <a:ext cx="0" cy="0"/>
+          <a:chOff x="0" y="0"/>
+          <a:chExt cx="0" cy="0"/>
+        </a:xfrm>
+      </p:grpSpPr>
+      <p:sp>
+        <p:nvSpPr>
+          <p:cNvPr id="2" name="タイトル 1">
+            <a:extLst>
+              <a:ext uri="{FF2B5EF4-FFF2-40B4-BE49-F238E27FC236}">
+                <a16:creationId xmlns:a16="http://schemas.microsoft.com/office/drawing/2014/main" id="{F6F57572-EAE8-4321-9010-0491517A72A2}"/>
+              </a:ext>
+            </a:extLst>
+          </p:cNvPr>
+          <p:cNvSpPr>
+            <a:spLocks noGrp="1"/>
+          </p:cNvSpPr>
+          <p:nvPr>
+            <p:ph type="title"/>
+          </p:nvPr>
+        </p:nvSpPr>
+        <p:spPr>
+          <a:xfrm>
+            <a:off x="364452" y="290033"/>
+            <a:ext cx="9145066" cy="455926"/>
+          </a:xfrm>
+        </p:spPr>
+        <p:txBody>
+          <a:bodyPr>
+            <a:normAutofit/>
+          </a:bodyPr>
+          <a:lstStyle/>
+          <a:p>
+            <a:r>
+              <a:rPr lang="en-US" altLang="ja-JP"/>
+              <a:t>Python</a:t>
+            </a:r>
+            <a:r>
+              <a:rPr lang="ja-JP" altLang="en-US"/>
+              <a:t>構文：リスト内包表記</a:t>
+            </a:r>
+            <a:endParaRPr lang="en-US" altLang="ja-JP"/>
+          </a:p>
+        </p:txBody>
+      </p:sp>
+      <p:sp>
+        <p:nvSpPr>
+          <p:cNvPr id="3" name="コンテンツ プレースホルダー 2">
+            <a:extLst>
+              <a:ext uri="{FF2B5EF4-FFF2-40B4-BE49-F238E27FC236}">
+                <a16:creationId xmlns:a16="http://schemas.microsoft.com/office/drawing/2014/main" id="{A973634B-96E7-4756-AB63-0C0F5DA89897}"/>
+              </a:ext>
+            </a:extLst>
+          </p:cNvPr>
+          <p:cNvSpPr>
+            <a:spLocks noGrp="1"/>
+          </p:cNvSpPr>
+          <p:nvPr>
+            <p:ph idx="1"/>
+          </p:nvPr>
+        </p:nvSpPr>
+        <p:spPr>
+          <a:xfrm>
+            <a:off x="364452" y="946727"/>
+            <a:ext cx="9319479" cy="5621240"/>
+          </a:xfrm>
+        </p:spPr>
+        <p:txBody>
+          <a:bodyPr bIns="0">
+            <a:normAutofit/>
+          </a:bodyPr>
+          <a:lstStyle/>
+          <a:p>
+            <a:r>
+              <a:rPr lang="ja-JP" altLang="en-US" sz="1400"/>
+              <a:t>リスト内包表記を応用すると、「年齢が１７歳未満だけ」という条件付けも１行で記述できます。</a:t>
+            </a:r>
+            <a:endParaRPr lang="en-US" altLang="ja-JP" sz="1400"/>
+          </a:p>
+          <a:p>
+            <a:endParaRPr lang="en-US" altLang="ja-JP" sz="1400"/>
+          </a:p>
+          <a:p>
+            <a:r>
+              <a:rPr lang="ja-JP" altLang="en-US" sz="1400"/>
+              <a:t>　</a:t>
+            </a:r>
+            <a:r>
+              <a:rPr lang="en-US" altLang="ja-JP" sz="1400"/>
+              <a:t>[print(</a:t>
+            </a:r>
+            <a:r>
+              <a:rPr lang="en-US" altLang="ja-JP" sz="1400" err="1"/>
+              <a:t>vtuber</a:t>
+            </a:r>
+            <a:r>
+              <a:rPr lang="en-US" altLang="ja-JP" sz="1400"/>
+              <a:t>[‘name’]) </a:t>
+            </a:r>
+            <a:r>
+              <a:rPr lang="en-US" altLang="ja-JP" sz="1400" b="1"/>
+              <a:t>for</a:t>
+            </a:r>
+            <a:r>
+              <a:rPr lang="en-US" altLang="ja-JP" sz="1400"/>
+              <a:t> </a:t>
+            </a:r>
+            <a:r>
+              <a:rPr lang="en-US" altLang="ja-JP" sz="1400" err="1"/>
+              <a:t>vtuber</a:t>
+            </a:r>
+            <a:r>
+              <a:rPr lang="en-US" altLang="ja-JP" sz="1400"/>
+              <a:t> </a:t>
+            </a:r>
+            <a:r>
+              <a:rPr lang="en-US" altLang="ja-JP" sz="1400" b="1"/>
+              <a:t>in</a:t>
+            </a:r>
+            <a:r>
+              <a:rPr lang="en-US" altLang="ja-JP" sz="1400"/>
+              <a:t> </a:t>
+            </a:r>
+            <a:r>
+              <a:rPr lang="en-US" altLang="ja-JP" sz="1400" err="1"/>
+              <a:t>vtuber_list</a:t>
+            </a:r>
+            <a:r>
+              <a:rPr lang="en-US" altLang="ja-JP" sz="1400"/>
+              <a:t> </a:t>
+            </a:r>
+            <a:r>
+              <a:rPr lang="en-US" altLang="ja-JP" sz="1400" b="1"/>
+              <a:t>if</a:t>
+            </a:r>
+            <a:r>
+              <a:rPr lang="en-US" altLang="ja-JP" sz="1400"/>
+              <a:t> </a:t>
+            </a:r>
+            <a:r>
+              <a:rPr lang="en-US" altLang="ja-JP" sz="1400" err="1"/>
+              <a:t>vtuber</a:t>
+            </a:r>
+            <a:r>
+              <a:rPr lang="en-US" altLang="ja-JP" sz="1400"/>
+              <a:t>[‘age’] &lt; 17]</a:t>
+            </a:r>
+          </a:p>
+          <a:p>
+            <a:endParaRPr lang="en-US" altLang="ja-JP" sz="1400"/>
+          </a:p>
+          <a:p>
+            <a:endParaRPr lang="en-US" altLang="ja-JP" sz="1400"/>
+          </a:p>
+          <a:p>
+            <a:r>
+              <a:rPr lang="ja-JP" altLang="en-US" sz="1400"/>
+              <a:t>リンク内包表記はパット見、ややこしいですが、</a:t>
+            </a:r>
+            <a:endParaRPr lang="en-US" altLang="ja-JP" sz="1400"/>
+          </a:p>
+          <a:p>
+            <a:r>
+              <a:rPr lang="ja-JP" altLang="en-US" sz="1400"/>
+              <a:t>「その一行でやってることは必要な時にじっくり読み解けばよい」という発想です。</a:t>
+            </a:r>
+            <a:endParaRPr lang="en-US" altLang="ja-JP" sz="1400"/>
+          </a:p>
+          <a:p>
+            <a:endParaRPr lang="en-US" altLang="ja-JP" sz="1400"/>
+          </a:p>
+          <a:p>
+            <a:r>
+              <a:rPr lang="ja-JP" altLang="en-US" sz="1400"/>
+              <a:t>この一行をじっくり読み解かないと、このコードを格納するコードブロックが</a:t>
+            </a:r>
+            <a:endParaRPr lang="en-US" altLang="ja-JP" sz="1400"/>
+          </a:p>
+          <a:p>
+            <a:r>
+              <a:rPr lang="ja-JP" altLang="en-US" sz="1400"/>
+              <a:t>何をしているかわからなない、というのであれば、そのコードブロックの設計自体が</a:t>
+            </a:r>
+            <a:endParaRPr lang="en-US" altLang="ja-JP" sz="1400"/>
+          </a:p>
+          <a:p>
+            <a:r>
+              <a:rPr lang="ja-JP" altLang="en-US" sz="1400"/>
+              <a:t>間違っています。</a:t>
+            </a:r>
+            <a:endParaRPr lang="en-US" altLang="ja-JP" sz="1400"/>
+          </a:p>
+          <a:p>
+            <a:endParaRPr lang="en-US" altLang="ja-JP" sz="1400"/>
+          </a:p>
+          <a:p>
+            <a:r>
+              <a:rPr lang="ja-JP" altLang="en-US" sz="1400"/>
+              <a:t>「少ない行で表現」することが、コード全体の設計の見通しをよくする、という発想です。</a:t>
+            </a:r>
+            <a:endParaRPr lang="en-US" altLang="ja-JP" sz="1400"/>
+          </a:p>
+          <a:p>
+            <a:endParaRPr lang="en-US" altLang="ja-JP" sz="1400"/>
+          </a:p>
+          <a:p>
+            <a:endParaRPr lang="en-US" altLang="ja-JP" sz="1400"/>
+          </a:p>
+          <a:p>
+            <a:endParaRPr lang="en-US" altLang="ja-JP" sz="1400"/>
+          </a:p>
+          <a:p>
+            <a:r>
+              <a:rPr lang="ja-JP" altLang="en-US" sz="1400"/>
+              <a:t>因みに以下のようにすると、年齢が</a:t>
+            </a:r>
+            <a:r>
+              <a:rPr lang="en-US" altLang="ja-JP" sz="1400"/>
+              <a:t>17</a:t>
+            </a:r>
+            <a:r>
+              <a:rPr lang="ja-JP" altLang="en-US" sz="1400"/>
+              <a:t>歳未満の</a:t>
+            </a:r>
+            <a:r>
+              <a:rPr lang="en-US" altLang="ja-JP" sz="1400"/>
+              <a:t>Vtuber</a:t>
+            </a:r>
+            <a:r>
+              <a:rPr lang="ja-JP" altLang="en-US" sz="1400"/>
+              <a:t>を抽出したリストを作成します。</a:t>
+            </a:r>
+            <a:endParaRPr lang="en-US" altLang="ja-JP" sz="1400"/>
+          </a:p>
+          <a:p>
+            <a:endParaRPr lang="en-US" altLang="ja-JP" sz="1400"/>
+          </a:p>
+          <a:p>
+            <a:r>
+              <a:rPr lang="ja-JP" altLang="en-US" sz="1400"/>
+              <a:t>　</a:t>
+            </a:r>
+            <a:r>
+              <a:rPr lang="en-US" altLang="ja-JP" sz="1400"/>
+              <a:t>vtuber_list = [vtuber </a:t>
+            </a:r>
+            <a:r>
+              <a:rPr lang="en-US" altLang="ja-JP" sz="1400" b="1"/>
+              <a:t>for</a:t>
+            </a:r>
+            <a:r>
+              <a:rPr lang="en-US" altLang="ja-JP" sz="1400"/>
+              <a:t> vtuber </a:t>
+            </a:r>
+            <a:r>
+              <a:rPr lang="en-US" altLang="ja-JP" sz="1400" b="1"/>
+              <a:t>in</a:t>
+            </a:r>
+            <a:r>
+              <a:rPr lang="en-US" altLang="ja-JP" sz="1400"/>
+              <a:t> vtuber_list </a:t>
+            </a:r>
+            <a:r>
+              <a:rPr lang="en-US" altLang="ja-JP" sz="1400" b="1"/>
+              <a:t>if</a:t>
+            </a:r>
+            <a:r>
+              <a:rPr lang="en-US" altLang="ja-JP" sz="1400"/>
+              <a:t> vtuber[‘age’] &lt; 17]</a:t>
+            </a:r>
+          </a:p>
+          <a:p>
+            <a:endParaRPr lang="en-US" altLang="ja-JP" sz="1400"/>
+          </a:p>
+          <a:p>
+            <a:r>
+              <a:rPr lang="ja-JP" altLang="en-US" sz="1400"/>
+              <a:t>このように「配列を特定の条件により絞り込む」際にもリスト内包表記はよく使用されます。</a:t>
+            </a:r>
+            <a:endParaRPr lang="en-US" altLang="ja-JP" sz="1400"/>
+          </a:p>
+          <a:p>
+            <a:endParaRPr lang="en-US" altLang="ja-JP" sz="1400"/>
+          </a:p>
+        </p:txBody>
+      </p:sp>
+    </p:spTree>
+    <p:extLst>
+      <p:ext uri="{BB962C8B-B14F-4D97-AF65-F5344CB8AC3E}">
+        <p14:creationId xmlns:p14="http://schemas.microsoft.com/office/powerpoint/2010/main" val="3290405913"/>
+      </p:ext>
+    </p:extLst>
+  </p:cSld>
+  <p:clrMapOvr>
+    <a:masterClrMapping/>
+  </p:clrMapOvr>
+</p:sld>
+</file>
+
+<file path=ppt/slides/slide72.xml><?xml version="1.0" encoding="utf-8"?>
+<p:sld xmlns:a="http://schemas.openxmlformats.org/drawingml/2006/main" xmlns:r="http://schemas.openxmlformats.org/officeDocument/2006/relationships" xmlns:p="http://schemas.openxmlformats.org/presentationml/2006/main">
+  <p:cSld>
+    <p:spTree>
+      <p:nvGrpSpPr>
+        <p:cNvPr id="1" name=""/>
+        <p:cNvGrpSpPr/>
+        <p:nvPr/>
+      </p:nvGrpSpPr>
+      <p:grpSpPr>
+        <a:xfrm>
+          <a:off x="0" y="0"/>
+          <a:ext cx="0" cy="0"/>
+          <a:chOff x="0" y="0"/>
+          <a:chExt cx="0" cy="0"/>
+        </a:xfrm>
+      </p:grpSpPr>
+      <p:sp>
+        <p:nvSpPr>
+          <p:cNvPr id="2" name="タイトル 1">
+            <a:extLst>
+              <a:ext uri="{FF2B5EF4-FFF2-40B4-BE49-F238E27FC236}">
+                <a16:creationId xmlns:a16="http://schemas.microsoft.com/office/drawing/2014/main" id="{F6F57572-EAE8-4321-9010-0491517A72A2}"/>
+              </a:ext>
+            </a:extLst>
+          </p:cNvPr>
+          <p:cNvSpPr>
+            <a:spLocks noGrp="1"/>
+          </p:cNvSpPr>
+          <p:nvPr>
+            <p:ph type="title"/>
+          </p:nvPr>
+        </p:nvSpPr>
+        <p:spPr>
+          <a:xfrm>
+            <a:off x="364452" y="290033"/>
+            <a:ext cx="9145066" cy="455926"/>
+          </a:xfrm>
+        </p:spPr>
+        <p:txBody>
+          <a:bodyPr>
+            <a:normAutofit/>
+          </a:bodyPr>
+          <a:lstStyle/>
+          <a:p>
+            <a:r>
+              <a:rPr lang="en-US" altLang="ja-JP"/>
+              <a:t>Python</a:t>
+            </a:r>
+            <a:r>
+              <a:rPr lang="ja-JP" altLang="en-US"/>
+              <a:t>構文</a:t>
+            </a:r>
+            <a:endParaRPr lang="en-US" altLang="ja-JP"/>
+          </a:p>
+        </p:txBody>
+      </p:sp>
+      <p:sp>
+        <p:nvSpPr>
+          <p:cNvPr id="3" name="コンテンツ プレースホルダー 2">
+            <a:extLst>
+              <a:ext uri="{FF2B5EF4-FFF2-40B4-BE49-F238E27FC236}">
+                <a16:creationId xmlns:a16="http://schemas.microsoft.com/office/drawing/2014/main" id="{A973634B-96E7-4756-AB63-0C0F5DA89897}"/>
+              </a:ext>
+            </a:extLst>
+          </p:cNvPr>
+          <p:cNvSpPr>
+            <a:spLocks noGrp="1"/>
+          </p:cNvSpPr>
+          <p:nvPr>
+            <p:ph idx="1"/>
+          </p:nvPr>
+        </p:nvSpPr>
+        <p:spPr>
+          <a:xfrm>
+            <a:off x="364452" y="946727"/>
+            <a:ext cx="9152899" cy="2597662"/>
+          </a:xfrm>
+        </p:spPr>
+        <p:txBody>
+          <a:bodyPr bIns="0">
+            <a:normAutofit/>
+          </a:bodyPr>
+          <a:lstStyle/>
+          <a:p>
+            <a:r>
+              <a:rPr lang="ja-JP" altLang="en-US" sz="1400" b="1"/>
+              <a:t>文字列処理</a:t>
+            </a:r>
+            <a:endParaRPr lang="en-US" altLang="ja-JP" sz="1400" b="1"/>
+          </a:p>
+          <a:p>
+            <a:endParaRPr lang="en-US" altLang="ja-JP" sz="1200" b="1"/>
+          </a:p>
+          <a:p>
+            <a:r>
+              <a:rPr lang="ja-JP" altLang="en-US" sz="1200"/>
+              <a:t>　</a:t>
+            </a:r>
+            <a:r>
+              <a:rPr lang="en-US" altLang="ja-JP" sz="1200"/>
+              <a:t>name = “</a:t>
+            </a:r>
+            <a:r>
+              <a:rPr lang="ja-JP" altLang="en-US" sz="1200"/>
+              <a:t>輝夜月</a:t>
+            </a:r>
+            <a:r>
+              <a:rPr lang="en-US" altLang="ja-JP" sz="1200"/>
+              <a:t>(</a:t>
+            </a:r>
+            <a:r>
+              <a:rPr lang="ja-JP" altLang="en-US" sz="1200"/>
+              <a:t>かぐやるな</a:t>
+            </a:r>
+            <a:r>
+              <a:rPr lang="en-US" altLang="ja-JP" sz="1200"/>
+              <a:t>)”</a:t>
+            </a:r>
+          </a:p>
+          <a:p>
+            <a:r>
+              <a:rPr lang="ja-JP" altLang="en-US" sz="1200"/>
+              <a:t>　</a:t>
+            </a:r>
+            <a:r>
+              <a:rPr lang="en-US" altLang="ja-JP" sz="1200"/>
+              <a:t>name = </a:t>
+            </a:r>
+            <a:r>
+              <a:rPr lang="en-US" altLang="ja-JP" sz="1200" err="1"/>
+              <a:t>name.split</a:t>
+            </a:r>
+            <a:r>
+              <a:rPr lang="en-US" altLang="ja-JP" sz="1200"/>
+              <a:t>(‘(’)[0]</a:t>
+            </a:r>
+          </a:p>
+          <a:p>
+            <a:endParaRPr lang="en-US" altLang="ja-JP" sz="1200"/>
+          </a:p>
+          <a:p>
+            <a:r>
+              <a:rPr lang="ja-JP" altLang="en-US" sz="1200"/>
+              <a:t>　</a:t>
+            </a:r>
+            <a:r>
+              <a:rPr lang="en-US" altLang="ja-JP" sz="1200"/>
+              <a:t>split</a:t>
+            </a:r>
+            <a:r>
+              <a:rPr lang="ja-JP" altLang="en-US" sz="1200"/>
+              <a:t>は本講座のコードでよく使用します。上記コードでは文字列を</a:t>
+            </a:r>
+            <a:endParaRPr lang="en-US" altLang="ja-JP" sz="1200"/>
+          </a:p>
+          <a:p>
+            <a:r>
+              <a:rPr lang="ja-JP" altLang="en-US" sz="1200"/>
+              <a:t>　</a:t>
+            </a:r>
+            <a:r>
+              <a:rPr lang="en-US" altLang="ja-JP" sz="1200"/>
+              <a:t>“</a:t>
+            </a:r>
+            <a:r>
+              <a:rPr lang="ja-JP" altLang="en-US" sz="1200"/>
+              <a:t>輝夜月</a:t>
+            </a:r>
+            <a:r>
+              <a:rPr lang="en-US" altLang="ja-JP" sz="1200"/>
+              <a:t>”</a:t>
+            </a:r>
+            <a:r>
+              <a:rPr lang="ja-JP" altLang="en-US" sz="1200"/>
+              <a:t>と、</a:t>
+            </a:r>
+            <a:r>
+              <a:rPr lang="en-US" altLang="ja-JP" sz="1200"/>
+              <a:t>”(</a:t>
+            </a:r>
+            <a:r>
+              <a:rPr lang="ja-JP" altLang="en-US" sz="1200"/>
+              <a:t>かぐやるな</a:t>
+            </a:r>
+            <a:r>
+              <a:rPr lang="en-US" altLang="ja-JP" sz="1200"/>
+              <a:t>)”</a:t>
+            </a:r>
+            <a:r>
+              <a:rPr lang="ja-JP" altLang="en-US" sz="1200"/>
+              <a:t>に分離</a:t>
+            </a:r>
+            <a:r>
+              <a:rPr lang="en-US" altLang="ja-JP" sz="1200"/>
+              <a:t>(split)</a:t>
+            </a:r>
+            <a:r>
+              <a:rPr lang="ja-JP" altLang="en-US" sz="1200"/>
+              <a:t>して、</a:t>
+            </a:r>
+            <a:r>
+              <a:rPr lang="en-US" altLang="ja-JP" sz="1200"/>
+              <a:t>”</a:t>
+            </a:r>
+            <a:r>
+              <a:rPr lang="ja-JP" altLang="en-US" sz="1200"/>
+              <a:t>輝夜月</a:t>
+            </a:r>
+            <a:r>
+              <a:rPr lang="en-US" altLang="ja-JP" sz="1200"/>
+              <a:t>”</a:t>
+            </a:r>
+            <a:r>
+              <a:rPr lang="ja-JP" altLang="en-US" sz="1200"/>
+              <a:t>のみ残します。</a:t>
+            </a:r>
+            <a:endParaRPr lang="en-US" altLang="ja-JP" sz="1200"/>
+          </a:p>
+          <a:p>
+            <a:endParaRPr lang="en-US" altLang="ja-JP" sz="1200"/>
+          </a:p>
+          <a:p>
+            <a:r>
+              <a:rPr lang="ja-JP" altLang="en-US" sz="1200"/>
+              <a:t>　</a:t>
+            </a:r>
+            <a:r>
+              <a:rPr lang="en-US" altLang="ja-JP" sz="1200"/>
+              <a:t>DB</a:t>
+            </a:r>
+            <a:r>
+              <a:rPr lang="ja-JP" altLang="en-US" sz="1200"/>
+              <a:t>に登録する</a:t>
+            </a:r>
+            <a:r>
+              <a:rPr lang="en-US" altLang="ja-JP" sz="1200" err="1"/>
+              <a:t>Vtuber</a:t>
+            </a:r>
+            <a:r>
+              <a:rPr lang="ja-JP" altLang="en-US" sz="1200"/>
+              <a:t>の名称は他のサイトのスクレイピングに使用するキーでもあり、</a:t>
+            </a:r>
+            <a:endParaRPr lang="en-US" altLang="ja-JP" sz="1200"/>
+          </a:p>
+          <a:p>
+            <a:r>
+              <a:rPr lang="ja-JP" altLang="en-US" sz="1200"/>
+              <a:t>　</a:t>
+            </a:r>
+            <a:r>
+              <a:rPr lang="en-US" altLang="ja-JP" sz="1200"/>
+              <a:t> “</a:t>
+            </a:r>
+            <a:r>
+              <a:rPr lang="ja-JP" altLang="en-US" sz="1200"/>
+              <a:t>輝夜月</a:t>
+            </a:r>
+            <a:r>
+              <a:rPr lang="en-US" altLang="ja-JP" sz="1200"/>
+              <a:t>(</a:t>
+            </a:r>
+            <a:r>
+              <a:rPr lang="ja-JP" altLang="en-US" sz="1200"/>
+              <a:t>かぐやるな</a:t>
+            </a:r>
+            <a:r>
+              <a:rPr lang="en-US" altLang="ja-JP" sz="1200"/>
+              <a:t>)”</a:t>
+            </a:r>
+            <a:r>
+              <a:rPr lang="ja-JP" altLang="en-US" sz="1200"/>
+              <a:t>のままでは、「何が一致したら」を識別しにくいからです。</a:t>
+            </a:r>
+            <a:endParaRPr lang="en-US" altLang="ja-JP" sz="1200"/>
+          </a:p>
+          <a:p>
+            <a:endParaRPr lang="en-US" altLang="ja-JP" sz="1200"/>
+          </a:p>
+        </p:txBody>
+      </p:sp>
+    </p:spTree>
+    <p:extLst>
+      <p:ext uri="{BB962C8B-B14F-4D97-AF65-F5344CB8AC3E}">
+        <p14:creationId xmlns:p14="http://schemas.microsoft.com/office/powerpoint/2010/main" val="41646437"/>
+      </p:ext>
+    </p:extLst>
+  </p:cSld>
+  <p:clrMapOvr>
+    <a:masterClrMapping/>
+  </p:clrMapOvr>
+</p:sld>
+</file>
+
+<file path=ppt/slides/slide73.xml><?xml version="1.0" encoding="utf-8"?>
+<p:sld xmlns:a="http://schemas.openxmlformats.org/drawingml/2006/main" xmlns:r="http://schemas.openxmlformats.org/officeDocument/2006/relationships" xmlns:p="http://schemas.openxmlformats.org/presentationml/2006/main">
+  <p:cSld>
+    <p:spTree>
+      <p:nvGrpSpPr>
+        <p:cNvPr id="1" name=""/>
+        <p:cNvGrpSpPr/>
+        <p:nvPr/>
+      </p:nvGrpSpPr>
+      <p:grpSpPr>
+        <a:xfrm>
+          <a:off x="0" y="0"/>
+          <a:ext cx="0" cy="0"/>
+          <a:chOff x="0" y="0"/>
+          <a:chExt cx="0" cy="0"/>
+        </a:xfrm>
+      </p:grpSpPr>
+      <p:sp>
+        <p:nvSpPr>
+          <p:cNvPr id="2" name="タイトル 1">
+            <a:extLst>
+              <a:ext uri="{FF2B5EF4-FFF2-40B4-BE49-F238E27FC236}">
+                <a16:creationId xmlns:a16="http://schemas.microsoft.com/office/drawing/2014/main" id="{F6F57572-EAE8-4321-9010-0491517A72A2}"/>
+              </a:ext>
+            </a:extLst>
+          </p:cNvPr>
+          <p:cNvSpPr>
+            <a:spLocks noGrp="1"/>
+          </p:cNvSpPr>
+          <p:nvPr>
+            <p:ph type="title"/>
+          </p:nvPr>
+        </p:nvSpPr>
+        <p:spPr>
+          <a:xfrm>
+            <a:off x="364452" y="290033"/>
+            <a:ext cx="9145066" cy="455926"/>
+          </a:xfrm>
+        </p:spPr>
+        <p:txBody>
+          <a:bodyPr>
+            <a:normAutofit/>
+          </a:bodyPr>
+          <a:lstStyle/>
+          <a:p>
+            <a:r>
+              <a:rPr lang="ja-JP" altLang="en-US"/>
+              <a:t>付録：</a:t>
+            </a:r>
+            <a:r>
+              <a:rPr lang="en-US" altLang="ja-JP"/>
+              <a:t>python</a:t>
+            </a:r>
+            <a:r>
+              <a:rPr lang="ja-JP" altLang="en-US"/>
+              <a:t>命名規則</a:t>
+            </a:r>
+            <a:endParaRPr lang="en-US" altLang="ja-JP"/>
+          </a:p>
+        </p:txBody>
+      </p:sp>
+      <p:sp>
+        <p:nvSpPr>
+          <p:cNvPr id="7" name="コンテンツ プレースホルダー 2">
+            <a:extLst>
+              <a:ext uri="{FF2B5EF4-FFF2-40B4-BE49-F238E27FC236}">
+                <a16:creationId xmlns:a16="http://schemas.microsoft.com/office/drawing/2014/main" id="{339C9E61-6010-4948-8404-64E87D18C580}"/>
+              </a:ext>
+            </a:extLst>
+          </p:cNvPr>
+          <p:cNvSpPr>
+            <a:spLocks noGrp="1"/>
+          </p:cNvSpPr>
+          <p:nvPr>
+            <p:ph idx="1"/>
+          </p:nvPr>
+        </p:nvSpPr>
+        <p:spPr>
+          <a:xfrm>
+            <a:off x="376550" y="1009418"/>
+            <a:ext cx="9152899" cy="621544"/>
+          </a:xfrm>
+        </p:spPr>
+        <p:txBody>
+          <a:bodyPr bIns="0">
+            <a:normAutofit/>
+          </a:bodyPr>
+          <a:lstStyle/>
+          <a:p>
+            <a:r>
+              <a:rPr lang="ja-JP" altLang="en-US"/>
+              <a:t>コーディングの際の命名規則は以下に沿っています。</a:t>
+            </a:r>
+            <a:endParaRPr lang="en-US" altLang="ja-JP"/>
+          </a:p>
+          <a:p>
+            <a:r>
+              <a:rPr lang="ja-JP" altLang="en-US"/>
+              <a:t>参考：</a:t>
+            </a:r>
+            <a:r>
+              <a:rPr lang="en-US" altLang="ja-JP"/>
+              <a:t>https://qiita.com/naomi7325/items/4eb1d2a40277361e898b</a:t>
+            </a:r>
+          </a:p>
+          <a:p>
+            <a:endParaRPr lang="en-US" altLang="ja-JP"/>
+          </a:p>
+        </p:txBody>
+      </p:sp>
+      <p:pic>
+        <p:nvPicPr>
+          <p:cNvPr id="6" name="図 5">
+            <a:extLst>
+              <a:ext uri="{FF2B5EF4-FFF2-40B4-BE49-F238E27FC236}">
+                <a16:creationId xmlns:a16="http://schemas.microsoft.com/office/drawing/2014/main" id="{72113DC6-EDD0-496C-82AC-017732F4A52E}"/>
+              </a:ext>
+            </a:extLst>
+          </p:cNvPr>
+          <p:cNvPicPr>
+            <a:picLocks noChangeAspect="1"/>
+          </p:cNvPicPr>
+          <p:nvPr/>
+        </p:nvPicPr>
+        <p:blipFill>
+          <a:blip r:embed="rId2">
+            <a:lum/>
+            <a:alphaModFix/>
+          </a:blip>
+          <a:srcRect/>
+          <a:stretch>
+            <a:fillRect/>
+          </a:stretch>
+        </p:blipFill>
+        <p:spPr>
+          <a:xfrm>
+            <a:off x="945923" y="1894421"/>
+            <a:ext cx="3637397" cy="4085267"/>
+          </a:xfrm>
+          <a:prstGeom prst="rect">
+            <a:avLst/>
+          </a:prstGeom>
+          <a:noFill/>
+          <a:ln cap="flat">
+            <a:noFill/>
+          </a:ln>
+        </p:spPr>
+      </p:pic>
+    </p:spTree>
+    <p:extLst>
+      <p:ext uri="{BB962C8B-B14F-4D97-AF65-F5344CB8AC3E}">
+        <p14:creationId xmlns:p14="http://schemas.microsoft.com/office/powerpoint/2010/main" val="805745684"/>
       </p:ext>
     </p:extLst>
   </p:cSld>

--- a/doc/python中級講座_2020.pptx
+++ b/doc/python中級講座_2020.pptx
@@ -283,7 +283,7 @@
           <a:p>
             <a:fld id="{BDD2F778-57A0-B647-A29E-D625640DA157}" type="datetimeFigureOut">
               <a:rPr kumimoji="1" lang="ja-JP" altLang="en-US" smtClean="0"/>
-              <a:t>2020/1/14</a:t>
+              <a:t>2020/1/15</a:t>
             </a:fld>
             <a:endParaRPr kumimoji="1" lang="ja-JP" altLang="en-US"/>
           </a:p>
@@ -449,7 +449,7 @@
           <a:p>
             <a:fld id="{81F7B051-449B-8340-8684-2329E7792756}" type="datetimeFigureOut">
               <a:rPr kumimoji="1" lang="ja-JP" altLang="en-US" smtClean="0"/>
-              <a:t>2020/1/14</a:t>
+              <a:t>2020/1/15</a:t>
             </a:fld>
             <a:endParaRPr kumimoji="1" lang="ja-JP" altLang="en-US"/>
           </a:p>
@@ -2515,7 +2515,7 @@
           <a:noFill/>
           <a:extLst>
             <a:ext uri="{909E8E84-426E-40dd-AFC4-6F175D3DCCD1}">
-              <a14:hiddenFill xmlns="" xmlns:a14="http://schemas.microsoft.com/office/drawing/2010/main">
+              <a14:hiddenFill xmlns:a14="http://schemas.microsoft.com/office/drawing/2010/main" xmlns="">
                 <a:solidFill>
                   <a:srgbClr val="FFFFFF"/>
                 </a:solidFill>
@@ -48023,24 +48023,6 @@
             <a:normAutofit/>
           </a:bodyPr>
           <a:lstStyle/>
-          <a:p>
-            <a:r>
-              <a:rPr lang="ja-JP" altLang="en-US" sz="1400"/>
-              <a:t>本講習のコードを読み解くために、いくつか</a:t>
-            </a:r>
-            <a:r>
-              <a:rPr lang="en-US" altLang="ja-JP" sz="1400"/>
-              <a:t>python</a:t>
-            </a:r>
-            <a:r>
-              <a:rPr lang="ja-JP" altLang="en-US" sz="1400"/>
-              <a:t>の構文について説明しておきます。</a:t>
-            </a:r>
-            <a:endParaRPr lang="en-US" altLang="ja-JP" sz="1400"/>
-          </a:p>
-          <a:p>
-            <a:endParaRPr lang="en-US" altLang="ja-JP" sz="1400"/>
-          </a:p>
           <a:p>
             <a:r>
               <a:rPr lang="ja-JP" altLang="en-US" sz="1400" b="1"/>

--- a/doc/python中級講座_2020.pptx
+++ b/doc/python中級講座_2020.pptx
@@ -2515,7 +2515,7 @@
           <a:noFill/>
           <a:extLst>
             <a:ext uri="{909E8E84-426E-40dd-AFC4-6F175D3DCCD1}">
-              <a14:hiddenFill xmlns:a14="http://schemas.microsoft.com/office/drawing/2010/main" xmlns="">
+              <a14:hiddenFill xmlns="" xmlns:a14="http://schemas.microsoft.com/office/drawing/2010/main">
                 <a:solidFill>
                   <a:srgbClr val="FFFFFF"/>
                 </a:solidFill>
@@ -30068,15 +30068,15 @@
           <a:p>
             <a:r>
               <a:rPr lang="ja-JP" altLang="en-US" sz="1400"/>
-              <a:t>　スクレイピングで収集したデータは一旦、</a:t>
-            </a:r>
-            <a:r>
-              <a:rPr lang="en-US" altLang="ja-JP" sz="1400"/>
-              <a:t>DB</a:t>
-            </a:r>
-            <a:r>
-              <a:rPr lang="ja-JP" altLang="en-US" sz="1400"/>
-              <a:t>の形で保存します。</a:t>
+              <a:t>　スクレイピングで収集したデータは一旦、データベースや</a:t>
+            </a:r>
+            <a:r>
+              <a:rPr lang="en-US" altLang="ja-JP" sz="1400"/>
+              <a:t>yaml</a:t>
+            </a:r>
+            <a:r>
+              <a:rPr lang="ja-JP" altLang="en-US" sz="1400"/>
+              <a:t>ファイルの形式で保存します。</a:t>
             </a:r>
             <a:endParaRPr lang="en-US" altLang="ja-JP" sz="1400"/>
           </a:p>
@@ -30092,6 +30092,9 @@
               <a:rPr lang="ja-JP" altLang="en-US" sz="1400"/>
               <a:t>　一旦データをどこかへ保存するのが望ましいからです。</a:t>
             </a:r>
+            <a:endParaRPr lang="en-US" altLang="ja-JP" sz="1400"/>
+          </a:p>
+          <a:p>
             <a:endParaRPr lang="en-US" altLang="ja-JP" sz="1400"/>
           </a:p>
           <a:p>
@@ -30133,15 +30136,7 @@
             </a:r>
             <a:r>
               <a:rPr lang="ja-JP" altLang="en-US" sz="1400"/>
-              <a:t>等様々な</a:t>
-            </a:r>
-            <a:r>
-              <a:rPr lang="en-US" altLang="ja-JP" sz="1400"/>
-              <a:t>DB</a:t>
-            </a:r>
-            <a:r>
-              <a:rPr lang="ja-JP" altLang="en-US" sz="1400"/>
-              <a:t>を扱えますが、</a:t>
+              <a:t>等様々なデータベースを扱えますが、</a:t>
             </a:r>
             <a:endParaRPr lang="en-US" altLang="ja-JP" sz="1400"/>
           </a:p>
@@ -30157,6 +30152,63 @@
             <a:r>
               <a:rPr lang="ja-JP" altLang="en-US" sz="1400"/>
               <a:t>を使用します。</a:t>
+            </a:r>
+            <a:endParaRPr lang="en-US" altLang="ja-JP" sz="1400"/>
+          </a:p>
+          <a:p>
+            <a:endParaRPr lang="en-US" altLang="ja-JP" sz="1400"/>
+          </a:p>
+          <a:p>
+            <a:r>
+              <a:rPr lang="ja-JP" altLang="en-US" sz="1400"/>
+              <a:t>　また、後述の</a:t>
+            </a:r>
+            <a:r>
+              <a:rPr lang="en-US" altLang="ja-JP" sz="1400"/>
+              <a:t>pandas</a:t>
+            </a:r>
+            <a:r>
+              <a:rPr lang="ja-JP" altLang="en-US" sz="1400"/>
+              <a:t>ライブラリは様々な入力ストリームを扱えるので、軽量なデータ保存方法として</a:t>
+            </a:r>
+            <a:endParaRPr lang="en-US" altLang="ja-JP" sz="1400"/>
+          </a:p>
+          <a:p>
+            <a:r>
+              <a:rPr lang="ja-JP" altLang="en-US" sz="1400"/>
+              <a:t>　</a:t>
+            </a:r>
+            <a:r>
+              <a:rPr lang="en-US" altLang="ja-JP" sz="1400"/>
+              <a:t>yaml</a:t>
+            </a:r>
+            <a:r>
+              <a:rPr lang="ja-JP" altLang="en-US" sz="1400"/>
+              <a:t>ファイルも扱ってみます。</a:t>
+            </a:r>
+            <a:r>
+              <a:rPr lang="en-US" altLang="ja-JP" sz="1400"/>
+              <a:t>(</a:t>
+            </a:r>
+            <a:r>
+              <a:rPr lang="ja-JP" altLang="en-US" sz="1400"/>
+              <a:t>いわゆる</a:t>
+            </a:r>
+            <a:r>
+              <a:rPr lang="en-US" altLang="ja-JP" sz="1400"/>
+              <a:t>dictionary</a:t>
+            </a:r>
+            <a:r>
+              <a:rPr lang="ja-JP" altLang="en-US" sz="1400"/>
+              <a:t>型データファイル</a:t>
+            </a:r>
+            <a:r>
+              <a:rPr lang="en-US" altLang="ja-JP" sz="1400"/>
+              <a:t>)</a:t>
+            </a:r>
+            <a:r>
+              <a:rPr lang="ja-JP" altLang="en-US" sz="1400"/>
+              <a:t> </a:t>
             </a:r>
             <a:endParaRPr lang="en-US" altLang="ja-JP" sz="1400"/>
           </a:p>
@@ -30173,14 +30225,14 @@
           <a:p>
             <a:r>
               <a:rPr lang="ja-JP" altLang="en-US" sz="1400"/>
-              <a:t>　スクレイピングで収集したデータを頑張って「このカラムの合計出して、平均値出して・・・」とかできますが、</a:t>
+              <a:t>　スクレイピングで収集したデータを頑張って「このカラムの合計出して、平均値出して・・・」とか</a:t>
             </a:r>
             <a:endParaRPr lang="en-US" altLang="ja-JP" sz="1400"/>
           </a:p>
           <a:p>
             <a:r>
               <a:rPr lang="ja-JP" altLang="en-US" sz="1400"/>
-              <a:t>　そもそも、そういったことを自動でやってくれるデータ分析ライブラリ</a:t>
+              <a:t>　できますが、そもそも、そういったことを自動でやってくれるデータ分析ライブラリ</a:t>
             </a:r>
             <a:r>
               <a:rPr lang="en-US" altLang="ja-JP" sz="1400"/>
@@ -30188,14 +30240,14 @@
             </a:r>
             <a:r>
               <a:rPr lang="ja-JP" altLang="en-US" sz="1400"/>
-              <a:t>があるのでそちらを使います。</a:t>
+              <a:t>が</a:t>
             </a:r>
             <a:endParaRPr lang="en-US" altLang="ja-JP" sz="1400"/>
           </a:p>
           <a:p>
             <a:r>
               <a:rPr lang="ja-JP" altLang="en-US" sz="1400"/>
-              <a:t>　</a:t>
+              <a:t>　あるのでそちらを使います。</a:t>
             </a:r>
             <a:r>
               <a:rPr lang="en-US" altLang="ja-JP" sz="1400"/>
@@ -30219,7 +30271,14 @@
             </a:r>
             <a:r>
               <a:rPr lang="ja-JP" altLang="en-US" sz="1400"/>
-              <a:t>、データベースファイル等の様々なデータストリームを解析して様々な値を集計してくれます。</a:t>
+              <a:t>、データベースファイル等の様々な</a:t>
+            </a:r>
+            <a:endParaRPr lang="en-US" altLang="ja-JP" sz="1400"/>
+          </a:p>
+          <a:p>
+            <a:r>
+              <a:rPr lang="ja-JP" altLang="en-US" sz="1400"/>
+              <a:t>　データストリームを解析して様々な値を集計してくれます。</a:t>
             </a:r>
             <a:endParaRPr lang="en-US" altLang="ja-JP" sz="1400"/>
           </a:p>
@@ -30243,7 +30302,7 @@
           <a:p>
             <a:r>
               <a:rPr lang="ja-JP" altLang="en-US" sz="1400"/>
-              <a:t>　このデータをグラフにプロット（描画）するため、よく使用される</a:t>
+              <a:t>　データをグラフにプロット（描画）するため、よく使用される</a:t>
             </a:r>
             <a:r>
               <a:rPr lang="en-US" altLang="ja-JP" sz="1400"/>
@@ -30317,7 +30376,7 @@
           <a:p>
             <a:r>
               <a:rPr lang="ja-JP" altLang="en-US"/>
-              <a:t>データベース：概要</a:t>
+              <a:t>データ保存：概要</a:t>
             </a:r>
             <a:endParaRPr lang="en-US" altLang="ja-JP"/>
           </a:p>
@@ -31108,8 +31167,8 @@
           </p:nvSpPr>
           <p:spPr>
             <a:xfrm>
-              <a:off x="1768949" y="5158108"/>
-              <a:ext cx="453189" cy="302054"/>
+              <a:off x="1449415" y="5161730"/>
+              <a:ext cx="1304524" cy="302054"/>
             </a:xfrm>
             <a:prstGeom prst="rect">
               <a:avLst/>
@@ -31125,125 +31184,7 @@
                 <a:rPr lang="en-US" altLang="ja-JP" sz="1400" b="1">
                   <a:latin typeface="+mn-ea"/>
                 </a:rPr>
-                <a:t>DB</a:t>
-              </a:r>
-              <a:endParaRPr kumimoji="1" lang="ja-JP" altLang="en-US" sz="1400" b="1">
-                <a:latin typeface="+mn-ea"/>
-                <a:ea typeface="+mn-ea"/>
-              </a:endParaRPr>
-            </a:p>
-          </p:txBody>
-        </p:sp>
-      </p:grpSp>
-      <p:grpSp>
-        <p:nvGrpSpPr>
-          <p:cNvPr id="51" name="グループ化 50">
-            <a:extLst>
-              <a:ext uri="{FF2B5EF4-FFF2-40B4-BE49-F238E27FC236}">
-                <a16:creationId xmlns:a16="http://schemas.microsoft.com/office/drawing/2014/main" id="{36E36BB4-C2DD-43B9-9567-4D9CEA4F8DAD}"/>
-              </a:ext>
-            </a:extLst>
-          </p:cNvPr>
-          <p:cNvGrpSpPr/>
-          <p:nvPr/>
-        </p:nvGrpSpPr>
-        <p:grpSpPr>
-          <a:xfrm>
-            <a:off x="5618293" y="5240483"/>
-            <a:ext cx="1534610" cy="1327484"/>
-            <a:chOff x="5327146" y="5301806"/>
-            <a:chExt cx="1534610" cy="1327484"/>
-          </a:xfrm>
-        </p:grpSpPr>
-        <p:sp>
-          <p:nvSpPr>
-            <p:cNvPr id="24" name="円柱 23">
-              <a:extLst>
-                <a:ext uri="{FF2B5EF4-FFF2-40B4-BE49-F238E27FC236}">
-                  <a16:creationId xmlns:a16="http://schemas.microsoft.com/office/drawing/2014/main" id="{D138E12E-290A-4064-BBF9-33F4AC8D8BCC}"/>
-                </a:ext>
-              </a:extLst>
-            </p:cNvPr>
-            <p:cNvSpPr/>
-            <p:nvPr/>
-          </p:nvSpPr>
-          <p:spPr>
-            <a:xfrm>
-              <a:off x="5327146" y="5301806"/>
-              <a:ext cx="1534610" cy="1327484"/>
-            </a:xfrm>
-            <a:prstGeom prst="can">
-              <a:avLst/>
-            </a:prstGeom>
-            <a:solidFill>
-              <a:schemeClr val="accent1"/>
-            </a:solidFill>
-            <a:effectLst/>
-          </p:spPr>
-          <p:style>
-            <a:lnRef idx="1">
-              <a:schemeClr val="accent1"/>
-            </a:lnRef>
-            <a:fillRef idx="3">
-              <a:schemeClr val="accent1"/>
-            </a:fillRef>
-            <a:effectRef idx="2">
-              <a:schemeClr val="accent1"/>
-            </a:effectRef>
-            <a:fontRef idx="minor">
-              <a:schemeClr val="lt1"/>
-            </a:fontRef>
-          </p:style>
-          <p:txBody>
-            <a:bodyPr rot="0" spcFirstLastPara="0" vertOverflow="overflow" horzOverflow="overflow" vert="horz" wrap="square" lIns="91440" tIns="45720" rIns="91440" bIns="45720" numCol="1" spcCol="0" rtlCol="0" fromWordArt="0" anchor="ctr" anchorCtr="0" forceAA="0" compatLnSpc="1">
-              <a:prstTxWarp prst="textNoShape">
-                <a:avLst/>
-              </a:prstTxWarp>
-              <a:noAutofit/>
-            </a:bodyPr>
-            <a:lstStyle/>
-            <a:p>
-              <a:pPr algn="ctr"/>
-              <a:r>
-                <a:rPr lang="en-US" altLang="ja-JP" sz="1400" err="1"/>
-                <a:t>Vtuber_profile</a:t>
-              </a:r>
-              <a:endParaRPr kumimoji="1" lang="ja-JP" altLang="en-US" sz="1400"/>
-            </a:p>
-          </p:txBody>
-        </p:sp>
-        <p:sp>
-          <p:nvSpPr>
-            <p:cNvPr id="25" name="テキスト ボックス 24">
-              <a:extLst>
-                <a:ext uri="{FF2B5EF4-FFF2-40B4-BE49-F238E27FC236}">
-                  <a16:creationId xmlns:a16="http://schemas.microsoft.com/office/drawing/2014/main" id="{C2CDAF1F-2F0A-4FF0-B815-EBA9488BBE17}"/>
-                </a:ext>
-              </a:extLst>
-            </p:cNvPr>
-            <p:cNvSpPr txBox="1"/>
-            <p:nvPr/>
-          </p:nvSpPr>
-          <p:spPr>
-            <a:xfrm>
-              <a:off x="5867856" y="5319221"/>
-              <a:ext cx="453189" cy="302054"/>
-            </a:xfrm>
-            <a:prstGeom prst="rect">
-              <a:avLst/>
-            </a:prstGeom>
-          </p:spPr>
-          <p:txBody>
-            <a:bodyPr vert="horz" wrap="square" lIns="91440" tIns="45720" rIns="91440" bIns="45720" rtlCol="0" anchor="ctr">
-              <a:noAutofit/>
-            </a:bodyPr>
-            <a:lstStyle/>
-            <a:p>
-              <a:r>
-                <a:rPr lang="en-US" altLang="ja-JP" sz="1400" b="1">
-                  <a:latin typeface="+mn-ea"/>
-                </a:rPr>
-                <a:t>DB</a:t>
+                <a:t>DB(sqlite3)</a:t>
               </a:r>
               <a:endParaRPr kumimoji="1" lang="ja-JP" altLang="en-US" sz="1400" b="1">
                 <a:latin typeface="+mn-ea"/>
@@ -31383,13 +31324,13 @@
         </p:nvCxnSpPr>
         <p:spPr>
           <a:xfrm flipV="1">
-            <a:off x="2442591" y="2413868"/>
-            <a:ext cx="4897612" cy="1506228"/>
+            <a:off x="2442591" y="2240748"/>
+            <a:ext cx="5214135" cy="1679348"/>
           </a:xfrm>
           <a:prstGeom prst="bentConnector4">
             <a:avLst>
-              <a:gd name="adj1" fmla="val 20038"/>
-              <a:gd name="adj2" fmla="val 115177"/>
+              <a:gd name="adj1" fmla="val 19936"/>
+              <a:gd name="adj2" fmla="val 113612"/>
             </a:avLst>
           </a:prstGeom>
           <a:ln w="28575">
@@ -31428,7 +31369,7 @@
         </p:nvGrpSpPr>
         <p:grpSpPr>
           <a:xfrm>
-            <a:off x="6303533" y="2413868"/>
+            <a:off x="6620056" y="2240748"/>
             <a:ext cx="2073340" cy="2089776"/>
             <a:chOff x="6645495" y="1628082"/>
             <a:chExt cx="2073340" cy="1676193"/>
@@ -31688,7 +31629,7 @@
         </p:nvSpPr>
         <p:spPr>
           <a:xfrm>
-            <a:off x="6173878" y="4627194"/>
+            <a:off x="4654978" y="4545817"/>
             <a:ext cx="298022" cy="417463"/>
           </a:xfrm>
           <a:prstGeom prst="downArrow">
@@ -31741,8 +31682,8 @@
         </p:nvSpPr>
         <p:spPr>
           <a:xfrm>
-            <a:off x="6471899" y="4519748"/>
-            <a:ext cx="1708484" cy="577516"/>
+            <a:off x="4859062" y="4641939"/>
+            <a:ext cx="1708484" cy="169483"/>
           </a:xfrm>
           <a:prstGeom prst="rect">
             <a:avLst/>
@@ -31934,11 +31875,14 @@
           <a:p>
             <a:r>
               <a:rPr lang="ja-JP" altLang="en-US" sz="1400"/>
-              <a:t>スクレイピングしたデータは一旦データベースに格納します。</a:t>
+              <a:t>スクレイピングしたデータは一旦保存します。</a:t>
             </a:r>
             <a:endParaRPr lang="en-US" altLang="ja-JP" sz="1400"/>
           </a:p>
           <a:p>
+            <a:endParaRPr lang="en-US" altLang="ja-JP" sz="1400"/>
+          </a:p>
+          <a:p>
             <a:endParaRPr lang="en-US" altLang="ja-JP" sz="1200"/>
           </a:p>
           <a:p>
@@ -31946,6 +31890,343 @@
           </a:p>
           <a:p>
             <a:endParaRPr lang="en-US" altLang="ja-JP"/>
+          </a:p>
+        </p:txBody>
+      </p:sp>
+      <p:sp>
+        <p:nvSpPr>
+          <p:cNvPr id="5" name="フローチャート: 書類 4">
+            <a:extLst>
+              <a:ext uri="{FF2B5EF4-FFF2-40B4-BE49-F238E27FC236}">
+                <a16:creationId xmlns:a16="http://schemas.microsoft.com/office/drawing/2014/main" id="{CF9B6140-449C-4F56-8D33-FE68FA782A06}"/>
+              </a:ext>
+            </a:extLst>
+          </p:cNvPr>
+          <p:cNvSpPr/>
+          <p:nvPr/>
+        </p:nvSpPr>
+        <p:spPr>
+          <a:xfrm>
+            <a:off x="4026877" y="5214526"/>
+            <a:ext cx="1647092" cy="981120"/>
+          </a:xfrm>
+          <a:prstGeom prst="flowChartDocument">
+            <a:avLst/>
+          </a:prstGeom>
+          <a:solidFill>
+            <a:schemeClr val="accent1"/>
+          </a:solidFill>
+          <a:effectLst/>
+        </p:spPr>
+        <p:style>
+          <a:lnRef idx="1">
+            <a:schemeClr val="accent1"/>
+          </a:lnRef>
+          <a:fillRef idx="3">
+            <a:schemeClr val="accent1"/>
+          </a:fillRef>
+          <a:effectRef idx="2">
+            <a:schemeClr val="accent1"/>
+          </a:effectRef>
+          <a:fontRef idx="minor">
+            <a:schemeClr val="lt1"/>
+          </a:fontRef>
+        </p:style>
+        <p:txBody>
+          <a:bodyPr rot="0" spcFirstLastPara="0" vertOverflow="overflow" horzOverflow="overflow" vert="horz" wrap="square" lIns="91440" tIns="45720" rIns="91440" bIns="45720" numCol="1" spcCol="0" rtlCol="0" fromWordArt="0" anchor="ctr" anchorCtr="0" forceAA="0" compatLnSpc="1">
+            <a:prstTxWarp prst="textNoShape">
+              <a:avLst/>
+            </a:prstTxWarp>
+            <a:noAutofit/>
+          </a:bodyPr>
+          <a:lstStyle/>
+          <a:p>
+            <a:pPr algn="ctr"/>
+            <a:r>
+              <a:rPr kumimoji="1" lang="en-US" altLang="ja-JP" sz="1400"/>
+              <a:t>nijisanji_db</a:t>
+            </a:r>
+            <a:endParaRPr kumimoji="1" lang="ja-JP" altLang="en-US" sz="1400"/>
+          </a:p>
+        </p:txBody>
+      </p:sp>
+      <p:sp>
+        <p:nvSpPr>
+          <p:cNvPr id="7" name="正方形/長方形 6">
+            <a:extLst>
+              <a:ext uri="{FF2B5EF4-FFF2-40B4-BE49-F238E27FC236}">
+                <a16:creationId xmlns:a16="http://schemas.microsoft.com/office/drawing/2014/main" id="{A18AACC6-8AC5-4896-80FD-0703B8DE8393}"/>
+              </a:ext>
+            </a:extLst>
+          </p:cNvPr>
+          <p:cNvSpPr/>
+          <p:nvPr/>
+        </p:nvSpPr>
+        <p:spPr>
+          <a:xfrm>
+            <a:off x="4029961" y="5186317"/>
+            <a:ext cx="1635369" cy="302054"/>
+          </a:xfrm>
+          <a:prstGeom prst="rect">
+            <a:avLst/>
+          </a:prstGeom>
+          <a:solidFill>
+            <a:srgbClr val="668B94"/>
+          </a:solidFill>
+          <a:effectLst/>
+        </p:spPr>
+        <p:style>
+          <a:lnRef idx="1">
+            <a:schemeClr val="accent1"/>
+          </a:lnRef>
+          <a:fillRef idx="3">
+            <a:schemeClr val="accent1"/>
+          </a:fillRef>
+          <a:effectRef idx="2">
+            <a:schemeClr val="accent1"/>
+          </a:effectRef>
+          <a:fontRef idx="minor">
+            <a:schemeClr val="lt1"/>
+          </a:fontRef>
+        </p:style>
+        <p:txBody>
+          <a:bodyPr rot="0" spcFirstLastPara="0" vertOverflow="overflow" horzOverflow="overflow" vert="horz" wrap="square" lIns="91440" tIns="45720" rIns="91440" bIns="45720" numCol="1" spcCol="0" rtlCol="0" fromWordArt="0" anchor="ctr" anchorCtr="0" forceAA="0" compatLnSpc="1">
+            <a:prstTxWarp prst="textNoShape">
+              <a:avLst/>
+            </a:prstTxWarp>
+            <a:noAutofit/>
+          </a:bodyPr>
+          <a:lstStyle/>
+          <a:p>
+            <a:pPr algn="ctr"/>
+            <a:r>
+              <a:rPr kumimoji="1" lang="en-US" altLang="ja-JP" sz="1400">
+                <a:solidFill>
+                  <a:schemeClr val="tx1"/>
+                </a:solidFill>
+              </a:rPr>
+              <a:t>YAML</a:t>
+            </a:r>
+            <a:endParaRPr kumimoji="1" lang="ja-JP" altLang="en-US" sz="1400">
+              <a:solidFill>
+                <a:schemeClr val="tx1"/>
+              </a:solidFill>
+            </a:endParaRPr>
+          </a:p>
+        </p:txBody>
+      </p:sp>
+      <p:sp>
+        <p:nvSpPr>
+          <p:cNvPr id="33" name="矢印: 下 32">
+            <a:extLst>
+              <a:ext uri="{FF2B5EF4-FFF2-40B4-BE49-F238E27FC236}">
+                <a16:creationId xmlns:a16="http://schemas.microsoft.com/office/drawing/2014/main" id="{2FF8A739-C7DB-4A4A-B4CF-E0B40E8338FA}"/>
+              </a:ext>
+            </a:extLst>
+          </p:cNvPr>
+          <p:cNvSpPr/>
+          <p:nvPr/>
+        </p:nvSpPr>
+        <p:spPr>
+          <a:xfrm>
+            <a:off x="7504913" y="4519748"/>
+            <a:ext cx="298022" cy="417463"/>
+          </a:xfrm>
+          <a:prstGeom prst="downArrow">
+            <a:avLst/>
+          </a:prstGeom>
+          <a:solidFill>
+            <a:schemeClr val="accent1"/>
+          </a:solidFill>
+          <a:effectLst/>
+        </p:spPr>
+        <p:style>
+          <a:lnRef idx="1">
+            <a:schemeClr val="accent1"/>
+          </a:lnRef>
+          <a:fillRef idx="3">
+            <a:schemeClr val="accent1"/>
+          </a:fillRef>
+          <a:effectRef idx="2">
+            <a:schemeClr val="accent1"/>
+          </a:effectRef>
+          <a:fontRef idx="minor">
+            <a:schemeClr val="lt1"/>
+          </a:fontRef>
+        </p:style>
+        <p:txBody>
+          <a:bodyPr rot="0" spcFirstLastPara="0" vertOverflow="overflow" horzOverflow="overflow" vert="horz" wrap="square" lIns="91440" tIns="45720" rIns="91440" bIns="45720" numCol="1" spcCol="0" rtlCol="0" fromWordArt="0" anchor="ctr" anchorCtr="0" forceAA="0" compatLnSpc="1">
+            <a:prstTxWarp prst="textNoShape">
+              <a:avLst/>
+            </a:prstTxWarp>
+            <a:noAutofit/>
+          </a:bodyPr>
+          <a:lstStyle/>
+          <a:p>
+            <a:pPr algn="ctr"/>
+            <a:endParaRPr kumimoji="1" lang="ja-JP" altLang="en-US"/>
+          </a:p>
+        </p:txBody>
+      </p:sp>
+      <p:sp>
+        <p:nvSpPr>
+          <p:cNvPr id="34" name="テキスト ボックス 33">
+            <a:extLst>
+              <a:ext uri="{FF2B5EF4-FFF2-40B4-BE49-F238E27FC236}">
+                <a16:creationId xmlns:a16="http://schemas.microsoft.com/office/drawing/2014/main" id="{4FB69EF0-7087-435B-B0BE-EF56E07C8F23}"/>
+              </a:ext>
+            </a:extLst>
+          </p:cNvPr>
+          <p:cNvSpPr txBox="1"/>
+          <p:nvPr/>
+        </p:nvSpPr>
+        <p:spPr>
+          <a:xfrm>
+            <a:off x="7708997" y="4615870"/>
+            <a:ext cx="1708484" cy="169483"/>
+          </a:xfrm>
+          <a:prstGeom prst="rect">
+            <a:avLst/>
+          </a:prstGeom>
+        </p:spPr>
+        <p:txBody>
+          <a:bodyPr vert="horz" wrap="square" lIns="91440" tIns="45720" rIns="91440" bIns="45720" rtlCol="0" anchor="ctr">
+            <a:noAutofit/>
+          </a:bodyPr>
+          <a:lstStyle/>
+          <a:p>
+            <a:r>
+              <a:rPr lang="ja-JP" altLang="en-US" sz="1400" b="1">
+                <a:latin typeface="+mn-ea"/>
+              </a:rPr>
+              <a:t>スクレイピング</a:t>
+            </a:r>
+            <a:endParaRPr kumimoji="1" lang="ja-JP" altLang="en-US" sz="1400" b="1">
+              <a:latin typeface="+mn-ea"/>
+              <a:ea typeface="+mn-ea"/>
+            </a:endParaRPr>
+          </a:p>
+        </p:txBody>
+      </p:sp>
+      <p:sp>
+        <p:nvSpPr>
+          <p:cNvPr id="35" name="フローチャート: 書類 34">
+            <a:extLst>
+              <a:ext uri="{FF2B5EF4-FFF2-40B4-BE49-F238E27FC236}">
+                <a16:creationId xmlns:a16="http://schemas.microsoft.com/office/drawing/2014/main" id="{3C107A22-7298-4BFC-A0B7-63E266B9F101}"/>
+              </a:ext>
+            </a:extLst>
+          </p:cNvPr>
+          <p:cNvSpPr/>
+          <p:nvPr/>
+        </p:nvSpPr>
+        <p:spPr>
+          <a:xfrm>
+            <a:off x="6915321" y="5222557"/>
+            <a:ext cx="1647092" cy="981120"/>
+          </a:xfrm>
+          <a:prstGeom prst="flowChartDocument">
+            <a:avLst/>
+          </a:prstGeom>
+          <a:solidFill>
+            <a:schemeClr val="accent1"/>
+          </a:solidFill>
+          <a:effectLst/>
+        </p:spPr>
+        <p:style>
+          <a:lnRef idx="1">
+            <a:schemeClr val="accent1"/>
+          </a:lnRef>
+          <a:fillRef idx="3">
+            <a:schemeClr val="accent1"/>
+          </a:fillRef>
+          <a:effectRef idx="2">
+            <a:schemeClr val="accent1"/>
+          </a:effectRef>
+          <a:fontRef idx="minor">
+            <a:schemeClr val="lt1"/>
+          </a:fontRef>
+        </p:style>
+        <p:txBody>
+          <a:bodyPr rot="0" spcFirstLastPara="0" vertOverflow="overflow" horzOverflow="overflow" vert="horz" wrap="square" lIns="91440" tIns="45720" rIns="91440" bIns="45720" numCol="1" spcCol="0" rtlCol="0" fromWordArt="0" anchor="ctr" anchorCtr="0" forceAA="0" compatLnSpc="1">
+            <a:prstTxWarp prst="textNoShape">
+              <a:avLst/>
+            </a:prstTxWarp>
+            <a:noAutofit/>
+          </a:bodyPr>
+          <a:lstStyle/>
+          <a:p>
+            <a:pPr algn="ctr"/>
+            <a:r>
+              <a:rPr kumimoji="1" lang="en-US" altLang="ja-JP" sz="1400"/>
+              <a:t>hololive_db</a:t>
+            </a:r>
+            <a:endParaRPr kumimoji="1" lang="ja-JP" altLang="en-US" sz="1400"/>
+          </a:p>
+        </p:txBody>
+      </p:sp>
+      <p:sp>
+        <p:nvSpPr>
+          <p:cNvPr id="36" name="正方形/長方形 35">
+            <a:extLst>
+              <a:ext uri="{FF2B5EF4-FFF2-40B4-BE49-F238E27FC236}">
+                <a16:creationId xmlns:a16="http://schemas.microsoft.com/office/drawing/2014/main" id="{87D81E79-3A4A-457D-9ABC-0B778F6B4CCD}"/>
+              </a:ext>
+            </a:extLst>
+          </p:cNvPr>
+          <p:cNvSpPr/>
+          <p:nvPr/>
+        </p:nvSpPr>
+        <p:spPr>
+          <a:xfrm>
+            <a:off x="6918405" y="5194348"/>
+            <a:ext cx="1635369" cy="302054"/>
+          </a:xfrm>
+          <a:prstGeom prst="rect">
+            <a:avLst/>
+          </a:prstGeom>
+          <a:solidFill>
+            <a:srgbClr val="668B94"/>
+          </a:solidFill>
+          <a:effectLst/>
+        </p:spPr>
+        <p:style>
+          <a:lnRef idx="1">
+            <a:schemeClr val="accent1"/>
+          </a:lnRef>
+          <a:fillRef idx="3">
+            <a:schemeClr val="accent1"/>
+          </a:fillRef>
+          <a:effectRef idx="2">
+            <a:schemeClr val="accent1"/>
+          </a:effectRef>
+          <a:fontRef idx="minor">
+            <a:schemeClr val="lt1"/>
+          </a:fontRef>
+        </p:style>
+        <p:txBody>
+          <a:bodyPr rot="0" spcFirstLastPara="0" vertOverflow="overflow" horzOverflow="overflow" vert="horz" wrap="square" lIns="91440" tIns="45720" rIns="91440" bIns="45720" numCol="1" spcCol="0" rtlCol="0" fromWordArt="0" anchor="ctr" anchorCtr="0" forceAA="0" compatLnSpc="1">
+            <a:prstTxWarp prst="textNoShape">
+              <a:avLst/>
+            </a:prstTxWarp>
+            <a:noAutofit/>
+          </a:bodyPr>
+          <a:lstStyle/>
+          <a:p>
+            <a:pPr algn="ctr"/>
+            <a:r>
+              <a:rPr kumimoji="1" lang="en-US" altLang="ja-JP" sz="1400">
+                <a:solidFill>
+                  <a:schemeClr val="tx1"/>
+                </a:solidFill>
+              </a:rPr>
+              <a:t>YAML</a:t>
+            </a:r>
+            <a:endParaRPr kumimoji="1" lang="ja-JP" altLang="en-US" sz="1400">
+              <a:solidFill>
+                <a:schemeClr val="tx1"/>
+              </a:solidFill>
+            </a:endParaRPr>
           </a:p>
         </p:txBody>
       </p:sp>
@@ -32009,15 +32290,7 @@
           <a:p>
             <a:r>
               <a:rPr lang="ja-JP" altLang="en-US"/>
-              <a:t>データベース：テーブル構造</a:t>
-            </a:r>
-            <a:r>
-              <a:rPr lang="en-US" altLang="ja-JP"/>
-              <a:t> : </a:t>
-            </a:r>
-            <a:r>
-              <a:rPr lang="ja-JP" altLang="en-US"/>
-              <a:t>ランキング情報</a:t>
+              <a:t>データ保存：ランキング情報データベース</a:t>
             </a:r>
             <a:endParaRPr lang="en-US" altLang="ja-JP"/>
           </a:p>
@@ -32745,14 +33018,8 @@
           <a:p>
             <a:r>
               <a:rPr lang="ja-JP" altLang="en-US" sz="1400"/>
-              <a:t>ランキングサイトからスクレイピングした各種データを保持します。</a:t>
-            </a:r>
-            <a:endParaRPr lang="en-US" altLang="ja-JP" sz="1400"/>
-          </a:p>
-          <a:p>
-            <a:endParaRPr lang="en-US" altLang="ja-JP" sz="1200"/>
-          </a:p>
-          <a:p>
+              <a:t>ランキングサイトからスクレイピングした各種データを格納します。</a:t>
+            </a:r>
             <a:endParaRPr lang="en-US" altLang="ja-JP" sz="1200"/>
           </a:p>
           <a:p>
@@ -32820,383 +33087,15 @@
           <a:p>
             <a:r>
               <a:rPr lang="ja-JP" altLang="en-US"/>
-              <a:t>データベース：テーブル構造：</a:t>
-            </a:r>
-            <a:r>
-              <a:rPr lang="en-US" altLang="ja-JP" err="1"/>
-              <a:t>Vtuber</a:t>
-            </a:r>
-            <a:r>
-              <a:rPr lang="ja-JP" altLang="en-US"/>
-              <a:t>プロフィール</a:t>
-            </a:r>
-            <a:endParaRPr lang="en-US" altLang="ja-JP"/>
+              <a:t>データ保存：にじさんじ、ホロライブ情報</a:t>
+            </a:r>
+            <a:r>
+              <a:rPr lang="en-US" altLang="ja-JP"/>
+              <a:t>yaml</a:t>
+            </a:r>
           </a:p>
         </p:txBody>
       </p:sp>
-      <p:graphicFrame>
-        <p:nvGraphicFramePr>
-          <p:cNvPr id="15" name="表 17">
-            <a:extLst>
-              <a:ext uri="{FF2B5EF4-FFF2-40B4-BE49-F238E27FC236}">
-                <a16:creationId xmlns:a16="http://schemas.microsoft.com/office/drawing/2014/main" id="{21C7DF6A-1BBD-495B-A3FA-1E117CD6A5B0}"/>
-              </a:ext>
-            </a:extLst>
-          </p:cNvPr>
-          <p:cNvGraphicFramePr>
-            <a:graphicFrameLocks noGrp="1"/>
-          </p:cNvGraphicFramePr>
-          <p:nvPr>
-            <p:extLst>
-              <p:ext uri="{D42A27DB-BD31-4B8C-83A1-F6EECF244321}">
-                <p14:modId xmlns:p14="http://schemas.microsoft.com/office/powerpoint/2010/main" val="3892601342"/>
-              </p:ext>
-            </p:extLst>
-          </p:nvPr>
-        </p:nvGraphicFramePr>
-        <p:xfrm>
-          <a:off x="494458" y="1976604"/>
-          <a:ext cx="8270112" cy="1854200"/>
-        </p:xfrm>
-        <a:graphic>
-          <a:graphicData uri="http://schemas.openxmlformats.org/drawingml/2006/table">
-            <a:tbl>
-              <a:tblPr firstRow="1" bandRow="1">
-                <a:tableStyleId>{5C22544A-7EE6-4342-B048-85BDC9FD1C3A}</a:tableStyleId>
-              </a:tblPr>
-              <a:tblGrid>
-                <a:gridCol w="2067528">
-                  <a:extLst>
-                    <a:ext uri="{9D8B030D-6E8A-4147-A177-3AD203B41FA5}">
-                      <a16:colId xmlns:a16="http://schemas.microsoft.com/office/drawing/2014/main" val="2174930026"/>
-                    </a:ext>
-                  </a:extLst>
-                </a:gridCol>
-                <a:gridCol w="2067528">
-                  <a:extLst>
-                    <a:ext uri="{9D8B030D-6E8A-4147-A177-3AD203B41FA5}">
-                      <a16:colId xmlns:a16="http://schemas.microsoft.com/office/drawing/2014/main" val="3473646219"/>
-                    </a:ext>
-                  </a:extLst>
-                </a:gridCol>
-                <a:gridCol w="2067528">
-                  <a:extLst>
-                    <a:ext uri="{9D8B030D-6E8A-4147-A177-3AD203B41FA5}">
-                      <a16:colId xmlns:a16="http://schemas.microsoft.com/office/drawing/2014/main" val="2668663452"/>
-                    </a:ext>
-                  </a:extLst>
-                </a:gridCol>
-                <a:gridCol w="2067528">
-                  <a:extLst>
-                    <a:ext uri="{9D8B030D-6E8A-4147-A177-3AD203B41FA5}">
-                      <a16:colId xmlns:a16="http://schemas.microsoft.com/office/drawing/2014/main" val="560882420"/>
-                    </a:ext>
-                  </a:extLst>
-                </a:gridCol>
-              </a:tblGrid>
-              <a:tr h="370840">
-                <a:tc>
-                  <a:txBody>
-                    <a:bodyPr/>
-                    <a:lstStyle/>
-                    <a:p>
-                      <a:r>
-                        <a:rPr kumimoji="1" lang="ja-JP" altLang="en-US" sz="1600"/>
-                        <a:t>フィールド名</a:t>
-                      </a:r>
-                    </a:p>
-                  </a:txBody>
-                  <a:tcPr/>
-                </a:tc>
-                <a:tc>
-                  <a:txBody>
-                    <a:bodyPr/>
-                    <a:lstStyle/>
-                    <a:p>
-                      <a:r>
-                        <a:rPr kumimoji="1" lang="ja-JP" altLang="en-US" sz="1600"/>
-                        <a:t>説明</a:t>
-                      </a:r>
-                    </a:p>
-                  </a:txBody>
-                  <a:tcPr/>
-                </a:tc>
-                <a:tc>
-                  <a:txBody>
-                    <a:bodyPr/>
-                    <a:lstStyle/>
-                    <a:p>
-                      <a:r>
-                        <a:rPr kumimoji="1" lang="ja-JP" altLang="en-US" sz="1600"/>
-                        <a:t>型</a:t>
-                      </a:r>
-                    </a:p>
-                  </a:txBody>
-                  <a:tcPr/>
-                </a:tc>
-                <a:tc>
-                  <a:txBody>
-                    <a:bodyPr/>
-                    <a:lstStyle/>
-                    <a:p>
-                      <a:endParaRPr kumimoji="1" lang="ja-JP" altLang="en-US" sz="1600"/>
-                    </a:p>
-                  </a:txBody>
-                  <a:tcPr/>
-                </a:tc>
-                <a:extLst>
-                  <a:ext uri="{0D108BD9-81ED-4DB2-BD59-A6C34878D82A}">
-                    <a16:rowId xmlns:a16="http://schemas.microsoft.com/office/drawing/2014/main" val="3893666535"/>
-                  </a:ext>
-                </a:extLst>
-              </a:tr>
-              <a:tr h="370840">
-                <a:tc>
-                  <a:txBody>
-                    <a:bodyPr/>
-                    <a:lstStyle/>
-                    <a:p>
-                      <a:r>
-                        <a:rPr kumimoji="1" lang="en-US" altLang="ja-JP" sz="1600"/>
-                        <a:t>name</a:t>
-                      </a:r>
-                      <a:endParaRPr kumimoji="1" lang="ja-JP" altLang="en-US" sz="1600"/>
-                    </a:p>
-                  </a:txBody>
-                  <a:tcPr/>
-                </a:tc>
-                <a:tc>
-                  <a:txBody>
-                    <a:bodyPr/>
-                    <a:lstStyle/>
-                    <a:p>
-                      <a:r>
-                        <a:rPr kumimoji="1" lang="en-US" altLang="ja-JP" sz="1600" err="1"/>
-                        <a:t>vtuber</a:t>
-                      </a:r>
-                      <a:r>
-                        <a:rPr kumimoji="1" lang="ja-JP" altLang="en-US" sz="1600"/>
-                        <a:t>名称</a:t>
-                      </a:r>
-                    </a:p>
-                  </a:txBody>
-                  <a:tcPr/>
-                </a:tc>
-                <a:tc>
-                  <a:txBody>
-                    <a:bodyPr/>
-                    <a:lstStyle/>
-                    <a:p>
-                      <a:r>
-                        <a:rPr kumimoji="1" lang="en-US" altLang="ja-JP" sz="1600"/>
-                        <a:t>TEXT</a:t>
-                      </a:r>
-                      <a:endParaRPr kumimoji="1" lang="ja-JP" altLang="en-US" sz="1600"/>
-                    </a:p>
-                  </a:txBody>
-                  <a:tcPr/>
-                </a:tc>
-                <a:tc>
-                  <a:txBody>
-                    <a:bodyPr/>
-                    <a:lstStyle/>
-                    <a:p>
-                      <a:endParaRPr kumimoji="1" lang="ja-JP" altLang="en-US" sz="1600"/>
-                    </a:p>
-                  </a:txBody>
-                  <a:tcPr/>
-                </a:tc>
-                <a:extLst>
-                  <a:ext uri="{0D108BD9-81ED-4DB2-BD59-A6C34878D82A}">
-                    <a16:rowId xmlns:a16="http://schemas.microsoft.com/office/drawing/2014/main" val="3347091938"/>
-                  </a:ext>
-                </a:extLst>
-              </a:tr>
-              <a:tr h="370840">
-                <a:tc>
-                  <a:txBody>
-                    <a:bodyPr/>
-                    <a:lstStyle/>
-                    <a:p>
-                      <a:r>
-                        <a:rPr kumimoji="1" lang="en-US" altLang="ja-JP" sz="1600"/>
-                        <a:t>age</a:t>
-                      </a:r>
-                      <a:endParaRPr kumimoji="1" lang="ja-JP" altLang="en-US" sz="1600"/>
-                    </a:p>
-                  </a:txBody>
-                  <a:tcPr/>
-                </a:tc>
-                <a:tc>
-                  <a:txBody>
-                    <a:bodyPr/>
-                    <a:lstStyle/>
-                    <a:p>
-                      <a:r>
-                        <a:rPr kumimoji="1" lang="ja-JP" altLang="en-US" sz="1600"/>
-                        <a:t>年齢</a:t>
-                      </a:r>
-                    </a:p>
-                  </a:txBody>
-                  <a:tcPr/>
-                </a:tc>
-                <a:tc>
-                  <a:txBody>
-                    <a:bodyPr/>
-                    <a:lstStyle/>
-                    <a:p>
-                      <a:r>
-                        <a:rPr kumimoji="1" lang="en-US" altLang="ja-JP" sz="1600"/>
-                        <a:t>INTEGER</a:t>
-                      </a:r>
-                      <a:endParaRPr kumimoji="1" lang="ja-JP" altLang="en-US" sz="1600"/>
-                    </a:p>
-                  </a:txBody>
-                  <a:tcPr/>
-                </a:tc>
-                <a:tc>
-                  <a:txBody>
-                    <a:bodyPr/>
-                    <a:lstStyle/>
-                    <a:p>
-                      <a:endParaRPr kumimoji="1" lang="ja-JP" altLang="en-US" sz="1600"/>
-                    </a:p>
-                  </a:txBody>
-                  <a:tcPr/>
-                </a:tc>
-                <a:extLst>
-                  <a:ext uri="{0D108BD9-81ED-4DB2-BD59-A6C34878D82A}">
-                    <a16:rowId xmlns:a16="http://schemas.microsoft.com/office/drawing/2014/main" val="2923880830"/>
-                  </a:ext>
-                </a:extLst>
-              </a:tr>
-              <a:tr h="370840">
-                <a:tc>
-                  <a:txBody>
-                    <a:bodyPr/>
-                    <a:lstStyle/>
-                    <a:p>
-                      <a:r>
-                        <a:rPr kumimoji="1" lang="en-US" altLang="ja-JP" sz="1600"/>
-                        <a:t>height</a:t>
-                      </a:r>
-                      <a:endParaRPr kumimoji="1" lang="ja-JP" altLang="en-US" sz="1600"/>
-                    </a:p>
-                  </a:txBody>
-                  <a:tcPr/>
-                </a:tc>
-                <a:tc>
-                  <a:txBody>
-                    <a:bodyPr/>
-                    <a:lstStyle/>
-                    <a:p>
-                      <a:r>
-                        <a:rPr kumimoji="1" lang="ja-JP" altLang="en-US" sz="1600"/>
-                        <a:t>身長</a:t>
-                      </a:r>
-                    </a:p>
-                  </a:txBody>
-                  <a:tcPr/>
-                </a:tc>
-                <a:tc>
-                  <a:txBody>
-                    <a:bodyPr/>
-                    <a:lstStyle/>
-                    <a:p>
-                      <a:r>
-                        <a:rPr kumimoji="1" lang="en-US" altLang="ja-JP" sz="1600"/>
-                        <a:t>INTEGER</a:t>
-                      </a:r>
-                      <a:endParaRPr kumimoji="1" lang="ja-JP" altLang="en-US" sz="1600"/>
-                    </a:p>
-                  </a:txBody>
-                  <a:tcPr/>
-                </a:tc>
-                <a:tc>
-                  <a:txBody>
-                    <a:bodyPr/>
-                    <a:lstStyle/>
-                    <a:p>
-                      <a:endParaRPr kumimoji="1" lang="ja-JP" altLang="en-US" sz="1600"/>
-                    </a:p>
-                  </a:txBody>
-                  <a:tcPr/>
-                </a:tc>
-                <a:extLst>
-                  <a:ext uri="{0D108BD9-81ED-4DB2-BD59-A6C34878D82A}">
-                    <a16:rowId xmlns:a16="http://schemas.microsoft.com/office/drawing/2014/main" val="1668879151"/>
-                  </a:ext>
-                </a:extLst>
-              </a:tr>
-              <a:tr h="370840">
-                <a:tc>
-                  <a:txBody>
-                    <a:bodyPr/>
-                    <a:lstStyle/>
-                    <a:p>
-                      <a:r>
-                        <a:rPr kumimoji="1" lang="en-US" altLang="ja-JP" sz="1600"/>
-                        <a:t>Birthday</a:t>
-                      </a:r>
-                      <a:endParaRPr kumimoji="1" lang="ja-JP" altLang="en-US" sz="1600"/>
-                    </a:p>
-                  </a:txBody>
-                  <a:tcPr/>
-                </a:tc>
-                <a:tc>
-                  <a:txBody>
-                    <a:bodyPr/>
-                    <a:lstStyle/>
-                    <a:p>
-                      <a:r>
-                        <a:rPr kumimoji="1" lang="ja-JP" altLang="en-US" sz="1600"/>
-                        <a:t>誕生日</a:t>
-                      </a:r>
-                    </a:p>
-                  </a:txBody>
-                  <a:tcPr/>
-                </a:tc>
-                <a:tc>
-                  <a:txBody>
-                    <a:bodyPr/>
-                    <a:lstStyle/>
-                    <a:p>
-                      <a:r>
-                        <a:rPr kumimoji="1" lang="en-US" altLang="ja-JP" sz="1600"/>
-                        <a:t>TEXT</a:t>
-                      </a:r>
-                      <a:endParaRPr kumimoji="1" lang="ja-JP" altLang="en-US" sz="1600"/>
-                    </a:p>
-                  </a:txBody>
-                  <a:tcPr/>
-                </a:tc>
-                <a:tc>
-                  <a:txBody>
-                    <a:bodyPr/>
-                    <a:lstStyle/>
-                    <a:p>
-                      <a:r>
-                        <a:rPr kumimoji="1" lang="en-US" altLang="ja-JP" sz="1600"/>
-                        <a:t>12/3</a:t>
-                      </a:r>
-                      <a:r>
-                        <a:rPr kumimoji="1" lang="ja-JP" altLang="en-US" sz="1600"/>
-                        <a:t>等</a:t>
-                      </a:r>
-                    </a:p>
-                  </a:txBody>
-                  <a:tcPr/>
-                </a:tc>
-                <a:extLst>
-                  <a:ext uri="{0D108BD9-81ED-4DB2-BD59-A6C34878D82A}">
-                    <a16:rowId xmlns:a16="http://schemas.microsoft.com/office/drawing/2014/main" val="897025352"/>
-                  </a:ext>
-                </a:extLst>
-              </a:tr>
-            </a:tbl>
-          </a:graphicData>
-        </a:graphic>
-      </p:graphicFrame>
       <p:sp>
         <p:nvSpPr>
           <p:cNvPr id="4" name="コンテンツ プレースホルダー 2">
@@ -33214,7 +33113,7 @@
         <p:spPr>
           <a:xfrm>
             <a:off x="341152" y="980546"/>
-            <a:ext cx="9152899" cy="565660"/>
+            <a:ext cx="9152899" cy="303131"/>
           </a:xfrm>
           <a:prstGeom prst="rect">
             <a:avLst/>
@@ -33363,13 +33262,6 @@
           </a:lstStyle>
           <a:p>
             <a:r>
-              <a:rPr lang="ja-JP" altLang="en-US" sz="1400" b="1"/>
-              <a:t>プロフィールテーブル</a:t>
-            </a:r>
-            <a:endParaRPr lang="en-US" altLang="ja-JP" sz="1400" b="1"/>
-          </a:p>
-          <a:p>
-            <a:r>
               <a:rPr lang="ja-JP" altLang="en-US" sz="1400"/>
               <a:t>非公式</a:t>
             </a:r>
@@ -33387,15 +33279,575 @@
             </a:r>
             <a:r>
               <a:rPr lang="ja-JP" altLang="en-US" sz="1400"/>
-              <a:t>の詳細データを保持します。</a:t>
+              <a:t>の詳細データ</a:t>
+            </a:r>
+            <a:r>
+              <a:rPr lang="en-US" altLang="ja-JP" sz="1400"/>
+              <a:t>(dictionary</a:t>
+            </a:r>
+            <a:r>
+              <a:rPr lang="ja-JP" altLang="en-US" sz="1400"/>
+              <a:t>形式</a:t>
+            </a:r>
+            <a:r>
+              <a:rPr lang="en-US" altLang="ja-JP" sz="1400"/>
+              <a:t>)</a:t>
+            </a:r>
+            <a:r>
+              <a:rPr lang="ja-JP" altLang="en-US" sz="1400"/>
+              <a:t>を</a:t>
+            </a:r>
+            <a:r>
+              <a:rPr lang="en-US" altLang="ja-JP" sz="1400"/>
+              <a:t>yaml</a:t>
+            </a:r>
+            <a:r>
+              <a:rPr lang="ja-JP" altLang="en-US" sz="1400"/>
+              <a:t>ファイルに保存します。</a:t>
+            </a:r>
+            <a:endParaRPr lang="en-US" altLang="ja-JP" sz="1200"/>
+          </a:p>
+          <a:p>
+            <a:endParaRPr lang="en-US" altLang="ja-JP" sz="1200"/>
+          </a:p>
+          <a:p>
+            <a:endParaRPr lang="en-US" altLang="ja-JP"/>
+          </a:p>
+        </p:txBody>
+      </p:sp>
+      <p:sp>
+        <p:nvSpPr>
+          <p:cNvPr id="3" name="フローチャート: 書類 2">
+            <a:extLst>
+              <a:ext uri="{FF2B5EF4-FFF2-40B4-BE49-F238E27FC236}">
+                <a16:creationId xmlns:a16="http://schemas.microsoft.com/office/drawing/2014/main" id="{0A9DBBE0-AA18-4185-9391-F596217AFCA4}"/>
+              </a:ext>
+            </a:extLst>
+          </p:cNvPr>
+          <p:cNvSpPr/>
+          <p:nvPr/>
+        </p:nvSpPr>
+        <p:spPr>
+          <a:xfrm>
+            <a:off x="435429" y="1518264"/>
+            <a:ext cx="6867329" cy="3200400"/>
+          </a:xfrm>
+          <a:prstGeom prst="flowChartDocument">
+            <a:avLst/>
+          </a:prstGeom>
+          <a:solidFill>
+            <a:schemeClr val="bg1"/>
+          </a:solidFill>
+          <a:effectLst/>
+        </p:spPr>
+        <p:style>
+          <a:lnRef idx="1">
+            <a:schemeClr val="accent1"/>
+          </a:lnRef>
+          <a:fillRef idx="3">
+            <a:schemeClr val="accent1"/>
+          </a:fillRef>
+          <a:effectRef idx="2">
+            <a:schemeClr val="accent1"/>
+          </a:effectRef>
+          <a:fontRef idx="minor">
+            <a:schemeClr val="lt1"/>
+          </a:fontRef>
+        </p:style>
+        <p:txBody>
+          <a:bodyPr rot="0" spcFirstLastPara="0" vertOverflow="overflow" horzOverflow="overflow" vert="horz" wrap="square" lIns="91440" tIns="45720" rIns="91440" bIns="45720" numCol="1" spcCol="0" rtlCol="0" fromWordArt="0" anchor="ctr" anchorCtr="0" forceAA="0" compatLnSpc="1">
+            <a:prstTxWarp prst="textNoShape">
+              <a:avLst/>
+            </a:prstTxWarp>
+            <a:noAutofit/>
+          </a:bodyPr>
+          <a:lstStyle/>
+          <a:p>
+            <a:r>
+              <a:rPr lang="en-US" altLang="ja-JP" sz="1400">
+                <a:solidFill>
+                  <a:schemeClr val="tx1"/>
+                </a:solidFill>
+              </a:rPr>
+              <a:t>- {age: 16, birthday: 9/24, height: 151, name: </a:t>
+            </a:r>
+            <a:r>
+              <a:rPr lang="ja-JP" altLang="en-US" sz="1400">
+                <a:solidFill>
+                  <a:schemeClr val="tx1"/>
+                </a:solidFill>
+              </a:rPr>
+              <a:t>月ノ美兎</a:t>
+            </a:r>
+            <a:r>
+              <a:rPr lang="en-US" altLang="ja-JP" sz="1400">
+                <a:solidFill>
+                  <a:schemeClr val="tx1"/>
+                </a:solidFill>
+              </a:rPr>
+              <a:t>}</a:t>
+            </a:r>
+          </a:p>
+          <a:p>
+            <a:r>
+              <a:rPr lang="en-US" altLang="ja-JP" sz="1400">
+                <a:solidFill>
+                  <a:schemeClr val="tx1"/>
+                </a:solidFill>
+              </a:rPr>
+              <a:t>- {age: 19, birthday: unknown, height: 153, name: </a:t>
+            </a:r>
+            <a:r>
+              <a:rPr lang="ja-JP" altLang="en-US" sz="1400">
+                <a:solidFill>
+                  <a:schemeClr val="tx1"/>
+                </a:solidFill>
+              </a:rPr>
+              <a:t>本間ひまわり</a:t>
+            </a:r>
+            <a:r>
+              <a:rPr lang="en-US" altLang="ja-JP" sz="1400">
+                <a:solidFill>
+                  <a:schemeClr val="tx1"/>
+                </a:solidFill>
+              </a:rPr>
+              <a:t>}</a:t>
+            </a:r>
+          </a:p>
+          <a:p>
+            <a:r>
+              <a:rPr lang="en-US" altLang="ja-JP" sz="1400">
+                <a:solidFill>
+                  <a:schemeClr val="tx1"/>
+                </a:solidFill>
+              </a:rPr>
+              <a:t>- {age: unknown, birthday: unknown, height: 148, name: </a:t>
+            </a:r>
+            <a:r>
+              <a:rPr lang="ja-JP" altLang="en-US" sz="1400">
+                <a:solidFill>
+                  <a:schemeClr val="tx1"/>
+                </a:solidFill>
+              </a:rPr>
+              <a:t>笹木咲</a:t>
+            </a:r>
+            <a:r>
+              <a:rPr lang="en-US" altLang="ja-JP" sz="1400">
+                <a:solidFill>
+                  <a:schemeClr val="tx1"/>
+                </a:solidFill>
+              </a:rPr>
+              <a:t>}</a:t>
+            </a:r>
+          </a:p>
+          <a:p>
+            <a:r>
+              <a:rPr lang="en-US" altLang="ja-JP" sz="1400">
+                <a:solidFill>
+                  <a:schemeClr val="tx1"/>
+                </a:solidFill>
+              </a:rPr>
+              <a:t>- {age: 17, birthday: unknown, height: 167, name: </a:t>
+            </a:r>
+            <a:r>
+              <a:rPr lang="ja-JP" altLang="en-US" sz="1400">
+                <a:solidFill>
+                  <a:schemeClr val="tx1"/>
+                </a:solidFill>
+              </a:rPr>
+              <a:t>樋口楓</a:t>
+            </a:r>
+            <a:r>
+              <a:rPr lang="en-US" altLang="ja-JP" sz="1400">
+                <a:solidFill>
+                  <a:schemeClr val="tx1"/>
+                </a:solidFill>
+              </a:rPr>
+              <a:t>}</a:t>
+            </a:r>
+          </a:p>
+          <a:p>
+            <a:r>
+              <a:rPr lang="en-US" altLang="ja-JP" sz="1400">
+                <a:solidFill>
+                  <a:schemeClr val="tx1"/>
+                </a:solidFill>
+              </a:rPr>
+              <a:t>- {age: 16, birthday: 4/17, height: 153, name: </a:t>
+            </a:r>
+            <a:r>
+              <a:rPr lang="ja-JP" altLang="en-US" sz="1400">
+                <a:solidFill>
+                  <a:schemeClr val="tx1"/>
+                </a:solidFill>
+              </a:rPr>
+              <a:t>椎名唯華</a:t>
+            </a:r>
+            <a:r>
+              <a:rPr lang="en-US" altLang="ja-JP" sz="1400">
+                <a:solidFill>
+                  <a:schemeClr val="tx1"/>
+                </a:solidFill>
+              </a:rPr>
+              <a:t>}</a:t>
+            </a:r>
+          </a:p>
+          <a:p>
+            <a:r>
+              <a:rPr lang="en-US" altLang="ja-JP" sz="1400">
+                <a:solidFill>
+                  <a:schemeClr val="tx1"/>
+                </a:solidFill>
+              </a:rPr>
+              <a:t>- {age: 17, birthday: 8/28, height: 158, name: </a:t>
+            </a:r>
+            <a:r>
+              <a:rPr lang="ja-JP" altLang="en-US" sz="1400">
+                <a:solidFill>
+                  <a:schemeClr val="tx1"/>
+                </a:solidFill>
+              </a:rPr>
+              <a:t>静凛</a:t>
+            </a:r>
+            <a:r>
+              <a:rPr lang="en-US" altLang="ja-JP" sz="1400">
+                <a:solidFill>
+                  <a:schemeClr val="tx1"/>
+                </a:solidFill>
+              </a:rPr>
+              <a:t>}</a:t>
+            </a:r>
+          </a:p>
+          <a:p>
+            <a:r>
+              <a:rPr lang="en-US" altLang="ja-JP" sz="1400">
+                <a:solidFill>
+                  <a:schemeClr val="tx1"/>
+                </a:solidFill>
+              </a:rPr>
+              <a:t>- {age: 24, birthday: 7/28, height: 155, name: </a:t>
+            </a:r>
+            <a:r>
+              <a:rPr lang="ja-JP" altLang="en-US" sz="1400">
+                <a:solidFill>
+                  <a:schemeClr val="tx1"/>
+                </a:solidFill>
+              </a:rPr>
+              <a:t>御伽原江良</a:t>
+            </a:r>
+            <a:r>
+              <a:rPr lang="en-US" altLang="ja-JP" sz="1400">
+                <a:solidFill>
+                  <a:schemeClr val="tx1"/>
+                </a:solidFill>
+              </a:rPr>
+              <a:t>}</a:t>
+            </a:r>
+          </a:p>
+          <a:p>
+            <a:r>
+              <a:rPr lang="en-US" altLang="ja-JP" sz="1400">
+                <a:solidFill>
+                  <a:schemeClr val="tx1"/>
+                </a:solidFill>
+              </a:rPr>
+              <a:t>- {age: 13, birthday: 7/4, height: 141, name: </a:t>
+            </a:r>
+            <a:r>
+              <a:rPr lang="ja-JP" altLang="en-US" sz="1400">
+                <a:solidFill>
+                  <a:schemeClr val="tx1"/>
+                </a:solidFill>
+              </a:rPr>
+              <a:t>夢月ロア</a:t>
+            </a:r>
+            <a:r>
+              <a:rPr lang="en-US" altLang="ja-JP" sz="1400">
+                <a:solidFill>
+                  <a:schemeClr val="tx1"/>
+                </a:solidFill>
+              </a:rPr>
+              <a:t>}</a:t>
+            </a:r>
+          </a:p>
+          <a:p>
+            <a:r>
+              <a:rPr lang="en-US" altLang="ja-JP" sz="1400">
+                <a:solidFill>
+                  <a:schemeClr val="tx1"/>
+                </a:solidFill>
+              </a:rPr>
+              <a:t>- {age: 26, birthday: 2/24, height: 159, name: </a:t>
+            </a:r>
+            <a:r>
+              <a:rPr lang="ja-JP" altLang="en-US" sz="1400">
+                <a:solidFill>
+                  <a:schemeClr val="tx1"/>
+                </a:solidFill>
+              </a:rPr>
+              <a:t>鈴鹿詩子</a:t>
+            </a:r>
+            <a:r>
+              <a:rPr lang="en-US" altLang="ja-JP" sz="1400">
+                <a:solidFill>
+                  <a:schemeClr val="tx1"/>
+                </a:solidFill>
+              </a:rPr>
+              <a:t>}</a:t>
+            </a:r>
+          </a:p>
+          <a:p>
+            <a:r>
+              <a:rPr lang="en-US" altLang="ja-JP" sz="1400">
+                <a:solidFill>
+                  <a:schemeClr val="tx1"/>
+                </a:solidFill>
+              </a:rPr>
+              <a:t>- {age: 17, birthday: 5/25, height: 166, name: </a:t>
+            </a:r>
+            <a:r>
+              <a:rPr lang="ja-JP" altLang="en-US" sz="1400">
+                <a:solidFill>
+                  <a:schemeClr val="tx1"/>
+                </a:solidFill>
+              </a:rPr>
+              <a:t>リゼ・ヘルエスタ</a:t>
+            </a:r>
+            <a:r>
+              <a:rPr lang="en-US" altLang="ja-JP" sz="1400">
+                <a:solidFill>
+                  <a:schemeClr val="tx1"/>
+                </a:solidFill>
+              </a:rPr>
+              <a:t>}</a:t>
+            </a:r>
+            <a:endParaRPr kumimoji="1" lang="ja-JP" altLang="en-US" sz="1400">
+              <a:solidFill>
+                <a:schemeClr val="tx1"/>
+              </a:solidFill>
+            </a:endParaRPr>
+          </a:p>
+        </p:txBody>
+      </p:sp>
+      <p:sp>
+        <p:nvSpPr>
+          <p:cNvPr id="6" name="コンテンツ プレースホルダー 2">
+            <a:extLst>
+              <a:ext uri="{FF2B5EF4-FFF2-40B4-BE49-F238E27FC236}">
+                <a16:creationId xmlns:a16="http://schemas.microsoft.com/office/drawing/2014/main" id="{0400A9A1-8701-4BA3-A1DC-A96F68990EF7}"/>
+              </a:ext>
+            </a:extLst>
+          </p:cNvPr>
+          <p:cNvSpPr txBox="1">
+            <a:spLocks/>
+          </p:cNvSpPr>
+          <p:nvPr/>
+        </p:nvSpPr>
+        <p:spPr>
+          <a:xfrm>
+            <a:off x="376550" y="5036604"/>
+            <a:ext cx="9152899" cy="1015853"/>
+          </a:xfrm>
+          <a:prstGeom prst="rect">
+            <a:avLst/>
+          </a:prstGeom>
+        </p:spPr>
+        <p:txBody>
+          <a:bodyPr vert="horz" lIns="91440" tIns="45720" rIns="91440" bIns="0" rtlCol="0">
+            <a:normAutofit/>
+          </a:bodyPr>
+          <a:lstStyle>
+            <a:lvl1pPr marL="0" indent="0" algn="l" defTabSz="914400" rtl="0" eaLnBrk="1" latinLnBrk="0" hangingPunct="1">
+              <a:spcBef>
+                <a:spcPct val="20000"/>
+              </a:spcBef>
+              <a:buFont typeface="Arial" pitchFamily="34" charset="0"/>
+              <a:buNone/>
+              <a:defRPr kumimoji="1" sz="1600" kern="1200">
+                <a:solidFill>
+                  <a:schemeClr val="tx1"/>
+                </a:solidFill>
+                <a:latin typeface="+mn-ea"/>
+                <a:ea typeface="+mn-ea"/>
+                <a:cs typeface="+mn-cs"/>
+              </a:defRPr>
+            </a:lvl1pPr>
+            <a:lvl2pPr marL="742950" indent="-285750" algn="l" defTabSz="914400" rtl="0" eaLnBrk="1" latinLnBrk="0" hangingPunct="1">
+              <a:spcBef>
+                <a:spcPct val="20000"/>
+              </a:spcBef>
+              <a:buFont typeface="Arial" pitchFamily="34" charset="0"/>
+              <a:buChar char="–"/>
+              <a:defRPr kumimoji="1" sz="1600" kern="1200">
+                <a:solidFill>
+                  <a:schemeClr val="tx1"/>
+                </a:solidFill>
+                <a:latin typeface="+mn-ea"/>
+                <a:ea typeface="+mn-ea"/>
+                <a:cs typeface="+mn-cs"/>
+              </a:defRPr>
+            </a:lvl2pPr>
+            <a:lvl3pPr marL="1143000" indent="-228600" algn="l" defTabSz="914400" rtl="0" eaLnBrk="1" latinLnBrk="0" hangingPunct="1">
+              <a:spcBef>
+                <a:spcPct val="20000"/>
+              </a:spcBef>
+              <a:buFont typeface="Arial" pitchFamily="34" charset="0"/>
+              <a:buChar char="•"/>
+              <a:defRPr kumimoji="1" sz="1600" kern="1200">
+                <a:solidFill>
+                  <a:schemeClr val="tx1"/>
+                </a:solidFill>
+                <a:latin typeface="+mn-ea"/>
+                <a:ea typeface="+mn-ea"/>
+                <a:cs typeface="+mn-cs"/>
+              </a:defRPr>
+            </a:lvl3pPr>
+            <a:lvl4pPr marL="1600200" indent="-228600" algn="l" defTabSz="914400" rtl="0" eaLnBrk="1" latinLnBrk="0" hangingPunct="1">
+              <a:spcBef>
+                <a:spcPct val="20000"/>
+              </a:spcBef>
+              <a:buFont typeface="Arial" pitchFamily="34" charset="0"/>
+              <a:buChar char="–"/>
+              <a:defRPr kumimoji="1" sz="1600" kern="1200">
+                <a:solidFill>
+                  <a:schemeClr val="tx1"/>
+                </a:solidFill>
+                <a:latin typeface="+mn-ea"/>
+                <a:ea typeface="+mn-ea"/>
+                <a:cs typeface="+mn-cs"/>
+              </a:defRPr>
+            </a:lvl4pPr>
+            <a:lvl5pPr marL="2057400" indent="-228600" algn="l" defTabSz="914400" rtl="0" eaLnBrk="1" latinLnBrk="0" hangingPunct="1">
+              <a:spcBef>
+                <a:spcPct val="20000"/>
+              </a:spcBef>
+              <a:buFont typeface="Arial" pitchFamily="34" charset="0"/>
+              <a:buChar char="»"/>
+              <a:defRPr kumimoji="1" sz="1600" kern="1200">
+                <a:solidFill>
+                  <a:schemeClr val="tx1"/>
+                </a:solidFill>
+                <a:latin typeface="+mn-ea"/>
+                <a:ea typeface="+mn-ea"/>
+                <a:cs typeface="+mn-cs"/>
+              </a:defRPr>
+            </a:lvl5pPr>
+            <a:lvl6pPr marL="2514600" indent="-228600" algn="l" defTabSz="914400" rtl="0" eaLnBrk="1" latinLnBrk="0" hangingPunct="1">
+              <a:spcBef>
+                <a:spcPct val="20000"/>
+              </a:spcBef>
+              <a:buFont typeface="Arial" pitchFamily="34" charset="0"/>
+              <a:buChar char="•"/>
+              <a:defRPr kumimoji="1" sz="2000" kern="1200">
+                <a:solidFill>
+                  <a:schemeClr val="tx1"/>
+                </a:solidFill>
+                <a:latin typeface="+mn-lt"/>
+                <a:ea typeface="+mn-ea"/>
+                <a:cs typeface="+mn-cs"/>
+              </a:defRPr>
+            </a:lvl6pPr>
+            <a:lvl7pPr marL="2971800" indent="-228600" algn="l" defTabSz="914400" rtl="0" eaLnBrk="1" latinLnBrk="0" hangingPunct="1">
+              <a:spcBef>
+                <a:spcPct val="20000"/>
+              </a:spcBef>
+              <a:buFont typeface="Arial" pitchFamily="34" charset="0"/>
+              <a:buChar char="•"/>
+              <a:defRPr kumimoji="1" sz="2000" kern="1200">
+                <a:solidFill>
+                  <a:schemeClr val="tx1"/>
+                </a:solidFill>
+                <a:latin typeface="+mn-lt"/>
+                <a:ea typeface="+mn-ea"/>
+                <a:cs typeface="+mn-cs"/>
+              </a:defRPr>
+            </a:lvl7pPr>
+            <a:lvl8pPr marL="3429000" indent="-228600" algn="l" defTabSz="914400" rtl="0" eaLnBrk="1" latinLnBrk="0" hangingPunct="1">
+              <a:spcBef>
+                <a:spcPct val="20000"/>
+              </a:spcBef>
+              <a:buFont typeface="Arial" pitchFamily="34" charset="0"/>
+              <a:buChar char="•"/>
+              <a:defRPr kumimoji="1" sz="2000" kern="1200">
+                <a:solidFill>
+                  <a:schemeClr val="tx1"/>
+                </a:solidFill>
+                <a:latin typeface="+mn-lt"/>
+                <a:ea typeface="+mn-ea"/>
+                <a:cs typeface="+mn-cs"/>
+              </a:defRPr>
+            </a:lvl8pPr>
+            <a:lvl9pPr marL="3886200" indent="-228600" algn="l" defTabSz="914400" rtl="0" eaLnBrk="1" latinLnBrk="0" hangingPunct="1">
+              <a:spcBef>
+                <a:spcPct val="20000"/>
+              </a:spcBef>
+              <a:buFont typeface="Arial" pitchFamily="34" charset="0"/>
+              <a:buChar char="•"/>
+              <a:defRPr kumimoji="1" sz="2000" kern="1200">
+                <a:solidFill>
+                  <a:schemeClr val="tx1"/>
+                </a:solidFill>
+                <a:latin typeface="+mn-lt"/>
+                <a:ea typeface="+mn-ea"/>
+                <a:cs typeface="+mn-cs"/>
+              </a:defRPr>
+            </a:lvl9pPr>
+          </a:lstStyle>
+          <a:p>
+            <a:r>
+              <a:rPr lang="en-US" altLang="ja-JP" sz="1400"/>
+              <a:t>※</a:t>
+            </a:r>
+            <a:r>
+              <a:rPr lang="ja-JP" altLang="en-US" sz="1400"/>
+              <a:t>ランキングは</a:t>
+            </a:r>
+            <a:r>
+              <a:rPr lang="en-US" altLang="ja-JP" sz="1400"/>
+              <a:t>DB</a:t>
+            </a:r>
+            <a:r>
+              <a:rPr lang="ja-JP" altLang="en-US" sz="1400"/>
+              <a:t>に保存していますが、</a:t>
+            </a:r>
+            <a:r>
+              <a:rPr lang="en-US" altLang="ja-JP" sz="1400"/>
+              <a:t>pandas</a:t>
+            </a:r>
+            <a:r>
+              <a:rPr lang="ja-JP" altLang="en-US" sz="1400"/>
+              <a:t>ライブラリが</a:t>
+            </a:r>
+            <a:r>
+              <a:rPr lang="en-US" altLang="ja-JP" sz="1400"/>
+              <a:t>DB</a:t>
+            </a:r>
+            <a:r>
+              <a:rPr lang="ja-JP" altLang="en-US" sz="1400"/>
+              <a:t>的なフィルター機能を持っているので</a:t>
             </a:r>
             <a:endParaRPr lang="en-US" altLang="ja-JP" sz="1400"/>
           </a:p>
           <a:p>
+            <a:r>
+              <a:rPr lang="ja-JP" altLang="en-US" sz="1400"/>
+              <a:t>　実は軽量データであれば辞書型で扱うのが楽です。</a:t>
+            </a:r>
+            <a:endParaRPr lang="en-US" altLang="ja-JP" sz="1400"/>
+          </a:p>
+          <a:p>
             <a:endParaRPr lang="en-US" altLang="ja-JP" sz="1200"/>
           </a:p>
           <a:p>
-            <a:endParaRPr lang="en-US" altLang="ja-JP" sz="1200"/>
+            <a:r>
+              <a:rPr lang="en-US" altLang="ja-JP" sz="1400"/>
+              <a:t>DB</a:t>
+            </a:r>
+            <a:r>
+              <a:rPr lang="ja-JP" altLang="en-US" sz="1400"/>
+              <a:t>は大規模複雑化したデータを複数のテーブルに分けて高速にリレーション解決する時に威力を発揮。</a:t>
+            </a:r>
+            <a:endParaRPr lang="en-US" altLang="ja-JP" sz="1400"/>
           </a:p>
           <a:p>
             <a:endParaRPr lang="en-US" altLang="ja-JP"/>
@@ -33462,7 +33914,7 @@
           <a:p>
             <a:r>
               <a:rPr lang="ja-JP" altLang="en-US"/>
-              <a:t>データベース：</a:t>
+              <a:t>データ保存：</a:t>
             </a:r>
             <a:r>
               <a:rPr lang="en-US" altLang="ja-JP"/>
@@ -34948,7 +35400,7 @@
           <a:p>
             <a:r>
               <a:rPr lang="ja-JP" altLang="en-US"/>
-              <a:t>データベース：</a:t>
+              <a:t>データ保存：</a:t>
             </a:r>
             <a:r>
               <a:rPr lang="en-US" altLang="ja-JP"/>
@@ -35895,7 +36347,7 @@
           <a:p>
             <a:r>
               <a:rPr lang="ja-JP" altLang="en-US"/>
-              <a:t>データベース：</a:t>
+              <a:t>データ保存：</a:t>
             </a:r>
             <a:r>
               <a:rPr lang="en-US" altLang="ja-JP"/>
@@ -36939,7 +37391,15 @@
           <a:p>
             <a:r>
               <a:rPr lang="ja-JP" altLang="en-US"/>
-              <a:t>データベース：モジュール連携</a:t>
+              <a:t>データ保存：</a:t>
+            </a:r>
+            <a:r>
+              <a:rPr lang="en-US" altLang="ja-JP"/>
+              <a:t>DB</a:t>
+            </a:r>
+            <a:r>
+              <a:rPr lang="ja-JP" altLang="en-US"/>
+              <a:t>モジュール連携</a:t>
             </a:r>
             <a:endParaRPr lang="en-US" altLang="ja-JP"/>
           </a:p>
@@ -36959,7 +37419,7 @@
         </p:nvGrpSpPr>
         <p:grpSpPr>
           <a:xfrm>
-            <a:off x="7057258" y="2033235"/>
+            <a:off x="6951511" y="2796612"/>
             <a:ext cx="1534609" cy="1327484"/>
             <a:chOff x="1254000" y="5109123"/>
             <a:chExt cx="1534609" cy="1327484"/>
@@ -37065,124 +37525,6 @@
       </p:grpSp>
       <p:grpSp>
         <p:nvGrpSpPr>
-          <p:cNvPr id="8" name="グループ化 7">
-            <a:extLst>
-              <a:ext uri="{FF2B5EF4-FFF2-40B4-BE49-F238E27FC236}">
-                <a16:creationId xmlns:a16="http://schemas.microsoft.com/office/drawing/2014/main" id="{3452B3A9-C166-4B66-97D8-E44FFD069F09}"/>
-              </a:ext>
-            </a:extLst>
-          </p:cNvPr>
-          <p:cNvGrpSpPr/>
-          <p:nvPr/>
-        </p:nvGrpSpPr>
-        <p:grpSpPr>
-          <a:xfrm>
-            <a:off x="7031496" y="3765476"/>
-            <a:ext cx="1534610" cy="1327484"/>
-            <a:chOff x="5327146" y="5301806"/>
-            <a:chExt cx="1534610" cy="1327484"/>
-          </a:xfrm>
-        </p:grpSpPr>
-        <p:sp>
-          <p:nvSpPr>
-            <p:cNvPr id="9" name="円柱 8">
-              <a:extLst>
-                <a:ext uri="{FF2B5EF4-FFF2-40B4-BE49-F238E27FC236}">
-                  <a16:creationId xmlns:a16="http://schemas.microsoft.com/office/drawing/2014/main" id="{F31D786F-38E8-4953-A313-3D8A9784A362}"/>
-                </a:ext>
-              </a:extLst>
-            </p:cNvPr>
-            <p:cNvSpPr/>
-            <p:nvPr/>
-          </p:nvSpPr>
-          <p:spPr>
-            <a:xfrm>
-              <a:off x="5327146" y="5301806"/>
-              <a:ext cx="1534610" cy="1327484"/>
-            </a:xfrm>
-            <a:prstGeom prst="can">
-              <a:avLst/>
-            </a:prstGeom>
-            <a:solidFill>
-              <a:schemeClr val="accent1"/>
-            </a:solidFill>
-            <a:effectLst/>
-          </p:spPr>
-          <p:style>
-            <a:lnRef idx="1">
-              <a:schemeClr val="accent1"/>
-            </a:lnRef>
-            <a:fillRef idx="3">
-              <a:schemeClr val="accent1"/>
-            </a:fillRef>
-            <a:effectRef idx="2">
-              <a:schemeClr val="accent1"/>
-            </a:effectRef>
-            <a:fontRef idx="minor">
-              <a:schemeClr val="lt1"/>
-            </a:fontRef>
-          </p:style>
-          <p:txBody>
-            <a:bodyPr rot="0" spcFirstLastPara="0" vertOverflow="overflow" horzOverflow="overflow" vert="horz" wrap="square" lIns="91440" tIns="45720" rIns="91440" bIns="45720" numCol="1" spcCol="0" rtlCol="0" fromWordArt="0" anchor="ctr" anchorCtr="0" forceAA="0" compatLnSpc="1">
-              <a:prstTxWarp prst="textNoShape">
-                <a:avLst/>
-              </a:prstTxWarp>
-              <a:noAutofit/>
-            </a:bodyPr>
-            <a:lstStyle/>
-            <a:p>
-              <a:pPr algn="ctr"/>
-              <a:r>
-                <a:rPr lang="en-US" altLang="ja-JP" sz="1400" err="1"/>
-                <a:t>Vtuber_profile</a:t>
-              </a:r>
-              <a:endParaRPr kumimoji="1" lang="ja-JP" altLang="en-US" sz="1400"/>
-            </a:p>
-          </p:txBody>
-        </p:sp>
-        <p:sp>
-          <p:nvSpPr>
-            <p:cNvPr id="10" name="テキスト ボックス 9">
-              <a:extLst>
-                <a:ext uri="{FF2B5EF4-FFF2-40B4-BE49-F238E27FC236}">
-                  <a16:creationId xmlns:a16="http://schemas.microsoft.com/office/drawing/2014/main" id="{F34B1A01-84F9-4360-B931-54C318474475}"/>
-                </a:ext>
-              </a:extLst>
-            </p:cNvPr>
-            <p:cNvSpPr txBox="1"/>
-            <p:nvPr/>
-          </p:nvSpPr>
-          <p:spPr>
-            <a:xfrm>
-              <a:off x="5867856" y="5319221"/>
-              <a:ext cx="453189" cy="302054"/>
-            </a:xfrm>
-            <a:prstGeom prst="rect">
-              <a:avLst/>
-            </a:prstGeom>
-          </p:spPr>
-          <p:txBody>
-            <a:bodyPr vert="horz" wrap="square" lIns="91440" tIns="45720" rIns="91440" bIns="45720" rtlCol="0" anchor="ctr">
-              <a:noAutofit/>
-            </a:bodyPr>
-            <a:lstStyle/>
-            <a:p>
-              <a:r>
-                <a:rPr lang="en-US" altLang="ja-JP" sz="1400" b="1">
-                  <a:latin typeface="+mn-ea"/>
-                </a:rPr>
-                <a:t>DB</a:t>
-              </a:r>
-              <a:endParaRPr kumimoji="1" lang="ja-JP" altLang="en-US" sz="1400" b="1">
-                <a:latin typeface="+mn-ea"/>
-                <a:ea typeface="+mn-ea"/>
-              </a:endParaRPr>
-            </a:p>
-          </p:txBody>
-        </p:sp>
-      </p:grpSp>
-      <p:grpSp>
-        <p:nvGrpSpPr>
           <p:cNvPr id="11" name="グループ化 10">
             <a:extLst>
               <a:ext uri="{FF2B5EF4-FFF2-40B4-BE49-F238E27FC236}">
@@ -37646,7 +37988,7 @@
         <p:grpSpPr>
           <a:xfrm>
             <a:off x="3611141" y="2511794"/>
-            <a:ext cx="2260360" cy="1834409"/>
+            <a:ext cx="2260360" cy="1834410"/>
             <a:chOff x="3452879" y="886457"/>
             <a:chExt cx="2260360" cy="1834409"/>
           </a:xfrm>
@@ -37786,71 +38128,6 @@
         </p:sp>
         <p:sp>
           <p:nvSpPr>
-            <p:cNvPr id="22" name="正方形/長方形 21">
-              <a:extLst>
-                <a:ext uri="{FF2B5EF4-FFF2-40B4-BE49-F238E27FC236}">
-                  <a16:creationId xmlns:a16="http://schemas.microsoft.com/office/drawing/2014/main" id="{A769E953-2C4A-453B-9C01-0AAC7F2CF3FF}"/>
-                </a:ext>
-              </a:extLst>
-            </p:cNvPr>
-            <p:cNvSpPr/>
-            <p:nvPr/>
-          </p:nvSpPr>
-          <p:spPr>
-            <a:xfrm>
-              <a:off x="3549647" y="1970519"/>
-              <a:ext cx="2081206" cy="306167"/>
-            </a:xfrm>
-            <a:prstGeom prst="rect">
-              <a:avLst/>
-            </a:prstGeom>
-            <a:solidFill>
-              <a:schemeClr val="bg1"/>
-            </a:solidFill>
-            <a:effectLst/>
-          </p:spPr>
-          <p:style>
-            <a:lnRef idx="1">
-              <a:schemeClr val="accent1"/>
-            </a:lnRef>
-            <a:fillRef idx="3">
-              <a:schemeClr val="accent1"/>
-            </a:fillRef>
-            <a:effectRef idx="2">
-              <a:schemeClr val="accent1"/>
-            </a:effectRef>
-            <a:fontRef idx="minor">
-              <a:schemeClr val="lt1"/>
-            </a:fontRef>
-          </p:style>
-          <p:txBody>
-            <a:bodyPr rot="0" spcFirstLastPara="0" vertOverflow="overflow" horzOverflow="overflow" vert="horz" wrap="square" lIns="91440" tIns="45720" rIns="91440" bIns="45720" numCol="1" spcCol="0" rtlCol="0" fromWordArt="0" anchor="t" anchorCtr="0" forceAA="0" compatLnSpc="1">
-              <a:prstTxWarp prst="textNoShape">
-                <a:avLst/>
-              </a:prstTxWarp>
-              <a:noAutofit/>
-            </a:bodyPr>
-            <a:lstStyle/>
-            <a:p>
-              <a:pPr algn="ctr"/>
-              <a:r>
-                <a:rPr kumimoji="1" lang="en-US" altLang="ja-JP" sz="1400">
-                  <a:solidFill>
-                    <a:schemeClr val="tx1"/>
-                  </a:solidFill>
-                </a:rPr>
-                <a:t>vtuber_profile_db.py</a:t>
-              </a:r>
-              <a:endParaRPr kumimoji="1" lang="ja-JP" altLang="en-US" sz="1400">
-                <a:solidFill>
-                  <a:schemeClr val="tx1"/>
-                </a:solidFill>
-              </a:endParaRPr>
-            </a:p>
-          </p:txBody>
-        </p:sp>
-        <p:sp>
-          <p:nvSpPr>
             <p:cNvPr id="23" name="正方形/長方形 22">
               <a:extLst>
                 <a:ext uri="{FF2B5EF4-FFF2-40B4-BE49-F238E27FC236}">
@@ -38028,7 +38305,7 @@
           <a:p>
             <a:r>
               <a:rPr lang="ja-JP" altLang="en-US"/>
-              <a:t>データベース：モジュールの使い方</a:t>
+              <a:t>データ保存：モジュールの使い方</a:t>
             </a:r>
             <a:endParaRPr lang="en-US" altLang="ja-JP"/>
           </a:p>
@@ -38714,7 +38991,7 @@
           <a:p>
             <a:r>
               <a:rPr lang="ja-JP" altLang="en-US"/>
-              <a:t>データベース：</a:t>
+              <a:t>データ保存：</a:t>
             </a:r>
             <a:r>
               <a:rPr lang="en-US" altLang="ja-JP"/>
@@ -39817,7 +40094,7 @@
           <a:p>
             <a:r>
               <a:rPr lang="ja-JP" altLang="en-US" sz="1400"/>
-              <a:t>　ランキング、にじさんじ等のサイトを、このタグ工場の機能を使ってスクレイピングする。</a:t>
+              <a:t>　ランキング、にじさんじ等のサイトを、タグ工場の機能を使ってスクレイピングする。</a:t>
             </a:r>
             <a:endParaRPr lang="en-US" altLang="ja-JP" sz="1400"/>
           </a:p>
@@ -39894,7 +40171,7 @@
           <a:p>
             <a:r>
               <a:rPr lang="en-US" altLang="ja-JP" sz="1400" b="1"/>
-              <a:t>Plotter</a:t>
+              <a:t>plotter</a:t>
             </a:r>
           </a:p>
           <a:p>
@@ -40421,71 +40698,6 @@
                   </a:solidFill>
                 </a:rPr>
                 <a:t>vtuber_rank_db.py</a:t>
-              </a:r>
-              <a:endParaRPr kumimoji="1" lang="ja-JP" altLang="en-US" sz="1400">
-                <a:solidFill>
-                  <a:schemeClr val="tx1"/>
-                </a:solidFill>
-              </a:endParaRPr>
-            </a:p>
-          </p:txBody>
-        </p:sp>
-        <p:sp>
-          <p:nvSpPr>
-            <p:cNvPr id="11" name="正方形/長方形 10">
-              <a:extLst>
-                <a:ext uri="{FF2B5EF4-FFF2-40B4-BE49-F238E27FC236}">
-                  <a16:creationId xmlns:a16="http://schemas.microsoft.com/office/drawing/2014/main" id="{1622C2F5-C037-4295-A73C-7E4D2E5C4853}"/>
-                </a:ext>
-              </a:extLst>
-            </p:cNvPr>
-            <p:cNvSpPr/>
-            <p:nvPr/>
-          </p:nvSpPr>
-          <p:spPr>
-            <a:xfrm>
-              <a:off x="3549647" y="1970519"/>
-              <a:ext cx="2081206" cy="306167"/>
-            </a:xfrm>
-            <a:prstGeom prst="rect">
-              <a:avLst/>
-            </a:prstGeom>
-            <a:solidFill>
-              <a:schemeClr val="bg1"/>
-            </a:solidFill>
-            <a:effectLst/>
-          </p:spPr>
-          <p:style>
-            <a:lnRef idx="1">
-              <a:schemeClr val="accent1"/>
-            </a:lnRef>
-            <a:fillRef idx="3">
-              <a:schemeClr val="accent1"/>
-            </a:fillRef>
-            <a:effectRef idx="2">
-              <a:schemeClr val="accent1"/>
-            </a:effectRef>
-            <a:fontRef idx="minor">
-              <a:schemeClr val="lt1"/>
-            </a:fontRef>
-          </p:style>
-          <p:txBody>
-            <a:bodyPr rot="0" spcFirstLastPara="0" vertOverflow="overflow" horzOverflow="overflow" vert="horz" wrap="square" lIns="91440" tIns="45720" rIns="91440" bIns="45720" numCol="1" spcCol="0" rtlCol="0" fromWordArt="0" anchor="t" anchorCtr="0" forceAA="0" compatLnSpc="1">
-              <a:prstTxWarp prst="textNoShape">
-                <a:avLst/>
-              </a:prstTxWarp>
-              <a:noAutofit/>
-            </a:bodyPr>
-            <a:lstStyle/>
-            <a:p>
-              <a:pPr algn="ctr"/>
-              <a:r>
-                <a:rPr kumimoji="1" lang="en-US" altLang="ja-JP" sz="1400">
-                  <a:solidFill>
-                    <a:schemeClr val="tx1"/>
-                  </a:solidFill>
-                </a:rPr>
-                <a:t>vtuber_profile_db.py</a:t>
               </a:r>
               <a:endParaRPr kumimoji="1" lang="ja-JP" altLang="en-US" sz="1400">
                 <a:solidFill>
@@ -41322,124 +41534,6 @@
           </p:txBody>
         </p:sp>
       </p:grpSp>
-      <p:grpSp>
-        <p:nvGrpSpPr>
-          <p:cNvPr id="14" name="グループ化 13">
-            <a:extLst>
-              <a:ext uri="{FF2B5EF4-FFF2-40B4-BE49-F238E27FC236}">
-                <a16:creationId xmlns:a16="http://schemas.microsoft.com/office/drawing/2014/main" id="{25E506FB-B83F-4A0D-894D-CC8A2B3F8EED}"/>
-              </a:ext>
-            </a:extLst>
-          </p:cNvPr>
-          <p:cNvGrpSpPr/>
-          <p:nvPr/>
-        </p:nvGrpSpPr>
-        <p:grpSpPr>
-          <a:xfrm>
-            <a:off x="1327883" y="4144325"/>
-            <a:ext cx="1534610" cy="1327484"/>
-            <a:chOff x="5327146" y="5301806"/>
-            <a:chExt cx="1534610" cy="1327484"/>
-          </a:xfrm>
-        </p:grpSpPr>
-        <p:sp>
-          <p:nvSpPr>
-            <p:cNvPr id="15" name="円柱 14">
-              <a:extLst>
-                <a:ext uri="{FF2B5EF4-FFF2-40B4-BE49-F238E27FC236}">
-                  <a16:creationId xmlns:a16="http://schemas.microsoft.com/office/drawing/2014/main" id="{166E698B-176C-4526-8CB8-AEAAE1993BF6}"/>
-                </a:ext>
-              </a:extLst>
-            </p:cNvPr>
-            <p:cNvSpPr/>
-            <p:nvPr/>
-          </p:nvSpPr>
-          <p:spPr>
-            <a:xfrm>
-              <a:off x="5327146" y="5301806"/>
-              <a:ext cx="1534610" cy="1327484"/>
-            </a:xfrm>
-            <a:prstGeom prst="can">
-              <a:avLst/>
-            </a:prstGeom>
-            <a:solidFill>
-              <a:schemeClr val="accent1"/>
-            </a:solidFill>
-            <a:effectLst/>
-          </p:spPr>
-          <p:style>
-            <a:lnRef idx="1">
-              <a:schemeClr val="accent1"/>
-            </a:lnRef>
-            <a:fillRef idx="3">
-              <a:schemeClr val="accent1"/>
-            </a:fillRef>
-            <a:effectRef idx="2">
-              <a:schemeClr val="accent1"/>
-            </a:effectRef>
-            <a:fontRef idx="minor">
-              <a:schemeClr val="lt1"/>
-            </a:fontRef>
-          </p:style>
-          <p:txBody>
-            <a:bodyPr rot="0" spcFirstLastPara="0" vertOverflow="overflow" horzOverflow="overflow" vert="horz" wrap="square" lIns="91440" tIns="45720" rIns="91440" bIns="45720" numCol="1" spcCol="0" rtlCol="0" fromWordArt="0" anchor="ctr" anchorCtr="0" forceAA="0" compatLnSpc="1">
-              <a:prstTxWarp prst="textNoShape">
-                <a:avLst/>
-              </a:prstTxWarp>
-              <a:noAutofit/>
-            </a:bodyPr>
-            <a:lstStyle/>
-            <a:p>
-              <a:pPr algn="ctr"/>
-              <a:r>
-                <a:rPr lang="en-US" altLang="ja-JP" sz="1400" err="1"/>
-                <a:t>Vtuber_profile</a:t>
-              </a:r>
-              <a:endParaRPr kumimoji="1" lang="ja-JP" altLang="en-US" sz="1400"/>
-            </a:p>
-          </p:txBody>
-        </p:sp>
-        <p:sp>
-          <p:nvSpPr>
-            <p:cNvPr id="16" name="テキスト ボックス 15">
-              <a:extLst>
-                <a:ext uri="{FF2B5EF4-FFF2-40B4-BE49-F238E27FC236}">
-                  <a16:creationId xmlns:a16="http://schemas.microsoft.com/office/drawing/2014/main" id="{22FDA1BF-33C7-4259-A113-9F622B664986}"/>
-                </a:ext>
-              </a:extLst>
-            </p:cNvPr>
-            <p:cNvSpPr txBox="1"/>
-            <p:nvPr/>
-          </p:nvSpPr>
-          <p:spPr>
-            <a:xfrm>
-              <a:off x="5867856" y="5319221"/>
-              <a:ext cx="453189" cy="302054"/>
-            </a:xfrm>
-            <a:prstGeom prst="rect">
-              <a:avLst/>
-            </a:prstGeom>
-          </p:spPr>
-          <p:txBody>
-            <a:bodyPr vert="horz" wrap="square" lIns="91440" tIns="45720" rIns="91440" bIns="45720" rtlCol="0" anchor="ctr">
-              <a:noAutofit/>
-            </a:bodyPr>
-            <a:lstStyle/>
-            <a:p>
-              <a:r>
-                <a:rPr lang="en-US" altLang="ja-JP" sz="1400" b="1">
-                  <a:latin typeface="+mn-ea"/>
-                </a:rPr>
-                <a:t>DB</a:t>
-              </a:r>
-              <a:endParaRPr kumimoji="1" lang="ja-JP" altLang="en-US" sz="1400" b="1">
-                <a:latin typeface="+mn-ea"/>
-                <a:ea typeface="+mn-ea"/>
-              </a:endParaRPr>
-            </a:p>
-          </p:txBody>
-        </p:sp>
-      </p:grpSp>
       <p:sp>
         <p:nvSpPr>
           <p:cNvPr id="3" name="矢印: 右 2">
@@ -41490,6 +41584,250 @@
           <a:p>
             <a:pPr algn="ctr"/>
             <a:endParaRPr kumimoji="1" lang="ja-JP" altLang="en-US"/>
+          </a:p>
+        </p:txBody>
+      </p:sp>
+      <p:sp>
+        <p:nvSpPr>
+          <p:cNvPr id="17" name="フローチャート: 書類 16">
+            <a:extLst>
+              <a:ext uri="{FF2B5EF4-FFF2-40B4-BE49-F238E27FC236}">
+                <a16:creationId xmlns:a16="http://schemas.microsoft.com/office/drawing/2014/main" id="{CBCA15BA-2033-4E34-A857-E9EAB6CDE0EE}"/>
+              </a:ext>
+            </a:extLst>
+          </p:cNvPr>
+          <p:cNvSpPr/>
+          <p:nvPr/>
+        </p:nvSpPr>
+        <p:spPr>
+          <a:xfrm>
+            <a:off x="1388030" y="4101978"/>
+            <a:ext cx="1647092" cy="981120"/>
+          </a:xfrm>
+          <a:prstGeom prst="flowChartDocument">
+            <a:avLst/>
+          </a:prstGeom>
+          <a:solidFill>
+            <a:schemeClr val="accent1"/>
+          </a:solidFill>
+          <a:effectLst/>
+        </p:spPr>
+        <p:style>
+          <a:lnRef idx="1">
+            <a:schemeClr val="accent1"/>
+          </a:lnRef>
+          <a:fillRef idx="3">
+            <a:schemeClr val="accent1"/>
+          </a:fillRef>
+          <a:effectRef idx="2">
+            <a:schemeClr val="accent1"/>
+          </a:effectRef>
+          <a:fontRef idx="minor">
+            <a:schemeClr val="lt1"/>
+          </a:fontRef>
+        </p:style>
+        <p:txBody>
+          <a:bodyPr rot="0" spcFirstLastPara="0" vertOverflow="overflow" horzOverflow="overflow" vert="horz" wrap="square" lIns="91440" tIns="45720" rIns="91440" bIns="45720" numCol="1" spcCol="0" rtlCol="0" fromWordArt="0" anchor="ctr" anchorCtr="0" forceAA="0" compatLnSpc="1">
+            <a:prstTxWarp prst="textNoShape">
+              <a:avLst/>
+            </a:prstTxWarp>
+            <a:noAutofit/>
+          </a:bodyPr>
+          <a:lstStyle/>
+          <a:p>
+            <a:pPr algn="ctr"/>
+            <a:r>
+              <a:rPr kumimoji="1" lang="en-US" altLang="ja-JP" sz="1400"/>
+              <a:t>nijisanji_db</a:t>
+            </a:r>
+            <a:endParaRPr kumimoji="1" lang="ja-JP" altLang="en-US" sz="1400"/>
+          </a:p>
+        </p:txBody>
+      </p:sp>
+      <p:sp>
+        <p:nvSpPr>
+          <p:cNvPr id="18" name="正方形/長方形 17">
+            <a:extLst>
+              <a:ext uri="{FF2B5EF4-FFF2-40B4-BE49-F238E27FC236}">
+                <a16:creationId xmlns:a16="http://schemas.microsoft.com/office/drawing/2014/main" id="{63F72A3F-BC56-4B2E-9425-91AD45140860}"/>
+              </a:ext>
+            </a:extLst>
+          </p:cNvPr>
+          <p:cNvSpPr/>
+          <p:nvPr/>
+        </p:nvSpPr>
+        <p:spPr>
+          <a:xfrm>
+            <a:off x="1391114" y="4073769"/>
+            <a:ext cx="1635369" cy="302054"/>
+          </a:xfrm>
+          <a:prstGeom prst="rect">
+            <a:avLst/>
+          </a:prstGeom>
+          <a:solidFill>
+            <a:srgbClr val="668B94"/>
+          </a:solidFill>
+          <a:effectLst/>
+        </p:spPr>
+        <p:style>
+          <a:lnRef idx="1">
+            <a:schemeClr val="accent1"/>
+          </a:lnRef>
+          <a:fillRef idx="3">
+            <a:schemeClr val="accent1"/>
+          </a:fillRef>
+          <a:effectRef idx="2">
+            <a:schemeClr val="accent1"/>
+          </a:effectRef>
+          <a:fontRef idx="minor">
+            <a:schemeClr val="lt1"/>
+          </a:fontRef>
+        </p:style>
+        <p:txBody>
+          <a:bodyPr rot="0" spcFirstLastPara="0" vertOverflow="overflow" horzOverflow="overflow" vert="horz" wrap="square" lIns="91440" tIns="45720" rIns="91440" bIns="45720" numCol="1" spcCol="0" rtlCol="0" fromWordArt="0" anchor="ctr" anchorCtr="0" forceAA="0" compatLnSpc="1">
+            <a:prstTxWarp prst="textNoShape">
+              <a:avLst/>
+            </a:prstTxWarp>
+            <a:noAutofit/>
+          </a:bodyPr>
+          <a:lstStyle/>
+          <a:p>
+            <a:pPr algn="ctr"/>
+            <a:r>
+              <a:rPr kumimoji="1" lang="en-US" altLang="ja-JP" sz="1400">
+                <a:solidFill>
+                  <a:schemeClr val="tx1"/>
+                </a:solidFill>
+              </a:rPr>
+              <a:t>YAML</a:t>
+            </a:r>
+            <a:endParaRPr kumimoji="1" lang="ja-JP" altLang="en-US" sz="1400">
+              <a:solidFill>
+                <a:schemeClr val="tx1"/>
+              </a:solidFill>
+            </a:endParaRPr>
+          </a:p>
+        </p:txBody>
+      </p:sp>
+      <p:sp>
+        <p:nvSpPr>
+          <p:cNvPr id="19" name="フローチャート: 書類 18">
+            <a:extLst>
+              <a:ext uri="{FF2B5EF4-FFF2-40B4-BE49-F238E27FC236}">
+                <a16:creationId xmlns:a16="http://schemas.microsoft.com/office/drawing/2014/main" id="{82063210-1AB8-4299-95D7-DA98C0D2BDA1}"/>
+              </a:ext>
+            </a:extLst>
+          </p:cNvPr>
+          <p:cNvSpPr/>
+          <p:nvPr/>
+        </p:nvSpPr>
+        <p:spPr>
+          <a:xfrm>
+            <a:off x="1379391" y="5378067"/>
+            <a:ext cx="1647092" cy="981120"/>
+          </a:xfrm>
+          <a:prstGeom prst="flowChartDocument">
+            <a:avLst/>
+          </a:prstGeom>
+          <a:solidFill>
+            <a:schemeClr val="accent1"/>
+          </a:solidFill>
+          <a:effectLst/>
+        </p:spPr>
+        <p:style>
+          <a:lnRef idx="1">
+            <a:schemeClr val="accent1"/>
+          </a:lnRef>
+          <a:fillRef idx="3">
+            <a:schemeClr val="accent1"/>
+          </a:fillRef>
+          <a:effectRef idx="2">
+            <a:schemeClr val="accent1"/>
+          </a:effectRef>
+          <a:fontRef idx="minor">
+            <a:schemeClr val="lt1"/>
+          </a:fontRef>
+        </p:style>
+        <p:txBody>
+          <a:bodyPr rot="0" spcFirstLastPara="0" vertOverflow="overflow" horzOverflow="overflow" vert="horz" wrap="square" lIns="91440" tIns="45720" rIns="91440" bIns="45720" numCol="1" spcCol="0" rtlCol="0" fromWordArt="0" anchor="ctr" anchorCtr="0" forceAA="0" compatLnSpc="1">
+            <a:prstTxWarp prst="textNoShape">
+              <a:avLst/>
+            </a:prstTxWarp>
+            <a:noAutofit/>
+          </a:bodyPr>
+          <a:lstStyle/>
+          <a:p>
+            <a:pPr algn="ctr"/>
+            <a:r>
+              <a:rPr kumimoji="1" lang="en-US" altLang="ja-JP" sz="1400"/>
+              <a:t>hololive_db</a:t>
+            </a:r>
+            <a:endParaRPr kumimoji="1" lang="ja-JP" altLang="en-US" sz="1400"/>
+          </a:p>
+        </p:txBody>
+      </p:sp>
+      <p:sp>
+        <p:nvSpPr>
+          <p:cNvPr id="20" name="正方形/長方形 19">
+            <a:extLst>
+              <a:ext uri="{FF2B5EF4-FFF2-40B4-BE49-F238E27FC236}">
+                <a16:creationId xmlns:a16="http://schemas.microsoft.com/office/drawing/2014/main" id="{24738998-7E93-41B0-98D8-A941C6D6C7BA}"/>
+              </a:ext>
+            </a:extLst>
+          </p:cNvPr>
+          <p:cNvSpPr/>
+          <p:nvPr/>
+        </p:nvSpPr>
+        <p:spPr>
+          <a:xfrm>
+            <a:off x="1382475" y="5349858"/>
+            <a:ext cx="1635369" cy="302054"/>
+          </a:xfrm>
+          <a:prstGeom prst="rect">
+            <a:avLst/>
+          </a:prstGeom>
+          <a:solidFill>
+            <a:srgbClr val="668B94"/>
+          </a:solidFill>
+          <a:effectLst/>
+        </p:spPr>
+        <p:style>
+          <a:lnRef idx="1">
+            <a:schemeClr val="accent1"/>
+          </a:lnRef>
+          <a:fillRef idx="3">
+            <a:schemeClr val="accent1"/>
+          </a:fillRef>
+          <a:effectRef idx="2">
+            <a:schemeClr val="accent1"/>
+          </a:effectRef>
+          <a:fontRef idx="minor">
+            <a:schemeClr val="lt1"/>
+          </a:fontRef>
+        </p:style>
+        <p:txBody>
+          <a:bodyPr rot="0" spcFirstLastPara="0" vertOverflow="overflow" horzOverflow="overflow" vert="horz" wrap="square" lIns="91440" tIns="45720" rIns="91440" bIns="45720" numCol="1" spcCol="0" rtlCol="0" fromWordArt="0" anchor="ctr" anchorCtr="0" forceAA="0" compatLnSpc="1">
+            <a:prstTxWarp prst="textNoShape">
+              <a:avLst/>
+            </a:prstTxWarp>
+            <a:noAutofit/>
+          </a:bodyPr>
+          <a:lstStyle/>
+          <a:p>
+            <a:pPr algn="ctr"/>
+            <a:r>
+              <a:rPr kumimoji="1" lang="en-US" altLang="ja-JP" sz="1400">
+                <a:solidFill>
+                  <a:schemeClr val="tx1"/>
+                </a:solidFill>
+              </a:rPr>
+              <a:t>YAML</a:t>
+            </a:r>
+            <a:endParaRPr kumimoji="1" lang="ja-JP" altLang="en-US" sz="1400">
+              <a:solidFill>
+                <a:schemeClr val="tx1"/>
+              </a:solidFill>
+            </a:endParaRPr>
           </a:p>
         </p:txBody>
       </p:sp>
